--- a/C-Group v3_Final.pptx
+++ b/C-Group v3_Final.pptx
@@ -11,20 +11,19 @@
     <p:sldId id="301" r:id="rId8"/>
     <p:sldId id="307" r:id="rId9"/>
     <p:sldId id="305" r:id="rId10"/>
-    <p:sldId id="309" r:id="rId11"/>
-    <p:sldId id="306" r:id="rId12"/>
-    <p:sldId id="303" r:id="rId13"/>
-    <p:sldId id="308" r:id="rId14"/>
-    <p:sldId id="317" r:id="rId15"/>
-    <p:sldId id="318" r:id="rId16"/>
-    <p:sldId id="311" r:id="rId17"/>
-    <p:sldId id="312" r:id="rId18"/>
-    <p:sldId id="313" r:id="rId19"/>
-    <p:sldId id="319" r:id="rId20"/>
-    <p:sldId id="315" r:id="rId21"/>
+    <p:sldId id="306" r:id="rId11"/>
+    <p:sldId id="303" r:id="rId12"/>
+    <p:sldId id="308" r:id="rId13"/>
+    <p:sldId id="317" r:id="rId14"/>
+    <p:sldId id="318" r:id="rId15"/>
+    <p:sldId id="311" r:id="rId16"/>
+    <p:sldId id="312" r:id="rId17"/>
+    <p:sldId id="313" r:id="rId18"/>
+    <p:sldId id="319" r:id="rId19"/>
+    <p:sldId id="320" r:id="rId20"/>
   </p:sldIdLst>
   <p:sldSz cx="12192000" cy="6858000"/>
-  <p:notesSz cx="6858000" cy="9144000"/>
+  <p:notesSz cx="7077075" cy="9363075"/>
   <p:defaultTextStyle>
     <a:defPPr>
       <a:defRPr lang="en-US"/>
@@ -380,7 +379,7 @@
           <a:p>
             <a:fld id="{9184DA70-C731-4C70-880D-CCD4705E623C}" type="datetime1">
               <a:rPr lang="en-US" smtClean="0"/>
-              <a:t>4/18/2023</a:t>
+              <a:t>4/19/2023</a:t>
             </a:fld>
             <a:endParaRPr lang="en-US" dirty="0"/>
           </a:p>
@@ -568,7 +567,7 @@
           <a:p>
             <a:fld id="{4BE1D723-8F53-4F53-90B0-1982A396982E}" type="datetime1">
               <a:rPr lang="en-US" smtClean="0"/>
-              <a:t>4/18/2023</a:t>
+              <a:t>4/19/2023</a:t>
             </a:fld>
             <a:endParaRPr lang="en-US" dirty="0"/>
           </a:p>
@@ -941,7 +940,7 @@
           <a:p>
             <a:fld id="{97669AF7-7BEB-44E4-9852-375E34362B5B}" type="datetime1">
               <a:rPr lang="en-US" smtClean="0"/>
-              <a:t>4/18/2023</a:t>
+              <a:t>4/19/2023</a:t>
             </a:fld>
             <a:endParaRPr lang="en-US" dirty="0"/>
           </a:p>
@@ -1196,7 +1195,7 @@
           <a:p>
             <a:fld id="{BAAAC38D-0552-4C82-B593-E6124DFADBE2}" type="datetime1">
               <a:rPr lang="en-US" smtClean="0"/>
-              <a:t>4/18/2023</a:t>
+              <a:t>4/19/2023</a:t>
             </a:fld>
             <a:endParaRPr lang="en-US" dirty="0"/>
           </a:p>
@@ -1593,7 +1592,7 @@
           <a:p>
             <a:fld id="{D9DF0F1C-5577-4ACB-BB62-DF8F3C494C7E}" type="datetime1">
               <a:rPr lang="en-US" smtClean="0"/>
-              <a:t>4/18/2023</a:t>
+              <a:t>4/19/2023</a:t>
             </a:fld>
             <a:endParaRPr lang="en-US" dirty="0"/>
           </a:p>
@@ -1729,7 +1728,7 @@
           <a:p>
             <a:fld id="{1775B394-D9F9-4F0C-B15D-605F45CB9E9F}" type="datetime1">
               <a:rPr lang="en-US" smtClean="0"/>
-              <a:t>4/18/2023</a:t>
+              <a:t>4/19/2023</a:t>
             </a:fld>
             <a:endParaRPr lang="en-US" dirty="0"/>
           </a:p>
@@ -1886,7 +1885,7 @@
           <a:p>
             <a:fld id="{39667345-2558-425A-8533-9BFDBCE15005}" type="datetime1">
               <a:rPr lang="en-US" smtClean="0"/>
-              <a:t>4/18/2023</a:t>
+              <a:t>4/19/2023</a:t>
             </a:fld>
             <a:endParaRPr lang="en-US" dirty="0"/>
           </a:p>
@@ -2215,7 +2214,7 @@
           <a:p>
             <a:fld id="{92BEA474-078D-4E9B-9B14-09A87B19DC46}" type="datetime1">
               <a:rPr lang="en-US" smtClean="0"/>
-              <a:t>4/18/2023</a:t>
+              <a:t>4/19/2023</a:t>
             </a:fld>
             <a:endParaRPr lang="en-US" dirty="0"/>
           </a:p>
@@ -2565,7 +2564,7 @@
           <a:p>
             <a:fld id="{4907D986-8816-4272-A432-0437A28A9828}" type="datetime1">
               <a:rPr lang="en-US" smtClean="0"/>
-              <a:t>4/18/2023</a:t>
+              <a:t>4/19/2023</a:t>
             </a:fld>
             <a:endParaRPr lang="en-US" dirty="0"/>
           </a:p>
@@ -2826,7 +2825,7 @@
           <a:p>
             <a:fld id="{62D6E202-B606-4609-B914-27C9371A1F6D}" type="datetime1">
               <a:rPr lang="en-US" smtClean="0"/>
-              <a:t>4/18/2023</a:t>
+              <a:t>4/19/2023</a:t>
             </a:fld>
             <a:endParaRPr lang="en-US" dirty="0"/>
           </a:p>
@@ -3800,100 +3799,6 @@
           <p:cNvPr id="2" name="Title 1">
             <a:extLst>
               <a:ext uri="{FF2B5EF4-FFF2-40B4-BE49-F238E27FC236}">
-                <a16:creationId xmlns:a16="http://schemas.microsoft.com/office/drawing/2014/main" id="{75AC86D3-8FD1-4F47-A319-7D0542E48B2F}"/>
-              </a:ext>
-            </a:extLst>
-          </p:cNvPr>
-          <p:cNvSpPr>
-            <a:spLocks noGrp="1"/>
-          </p:cNvSpPr>
-          <p:nvPr>
-            <p:ph type="title"/>
-          </p:nvPr>
-        </p:nvSpPr>
-        <p:spPr>
-          <a:xfrm>
-            <a:off x="1097280" y="286603"/>
-            <a:ext cx="10058400" cy="1450757"/>
-          </a:xfrm>
-        </p:spPr>
-        <p:txBody>
-          <a:bodyPr vert="horz" lIns="91440" tIns="45720" rIns="91440" bIns="45720" rtlCol="0">
-            <a:normAutofit/>
-          </a:bodyPr>
-          <a:lstStyle/>
-          <a:p>
-            <a:r>
-              <a:rPr lang="en-US" dirty="0"/>
-              <a:t>Air Pollution by City Table</a:t>
-            </a:r>
-          </a:p>
-        </p:txBody>
-      </p:sp>
-      <p:pic>
-        <p:nvPicPr>
-          <p:cNvPr id="11" name="Content Placeholder 10" descr="Table&#10;&#10;Description automatically generated">
-            <a:extLst>
-              <a:ext uri="{FF2B5EF4-FFF2-40B4-BE49-F238E27FC236}">
-                <a16:creationId xmlns:a16="http://schemas.microsoft.com/office/drawing/2014/main" id="{A82E8A4B-4A28-E57D-1A8A-A83D58E5D76B}"/>
-              </a:ext>
-            </a:extLst>
-          </p:cNvPr>
-          <p:cNvPicPr>
-            <a:picLocks noGrp="1" noChangeAspect="1"/>
-          </p:cNvPicPr>
-          <p:nvPr>
-            <p:ph idx="1"/>
-          </p:nvPr>
-        </p:nvPicPr>
-        <p:blipFill>
-          <a:blip r:embed="rId2"/>
-          <a:stretch>
-            <a:fillRect/>
-          </a:stretch>
-        </p:blipFill>
-        <p:spPr>
-          <a:xfrm>
-            <a:off x="1213523" y="2071624"/>
-            <a:ext cx="7100367" cy="3760788"/>
-          </a:xfrm>
-        </p:spPr>
-      </p:pic>
-    </p:spTree>
-    <p:extLst>
-      <p:ext uri="{BB962C8B-B14F-4D97-AF65-F5344CB8AC3E}">
-        <p14:creationId xmlns:p14="http://schemas.microsoft.com/office/powerpoint/2010/main" val="2735542354"/>
-      </p:ext>
-    </p:extLst>
-  </p:cSld>
-  <p:clrMapOvr>
-    <a:masterClrMapping/>
-  </p:clrMapOvr>
-</p:sld>
-</file>
-
-<file path=ppt/slides/slide11.xml><?xml version="1.0" encoding="utf-8"?>
-<p:sld xmlns:a="http://schemas.openxmlformats.org/drawingml/2006/main" xmlns:r="http://schemas.openxmlformats.org/officeDocument/2006/relationships" xmlns:p="http://schemas.openxmlformats.org/presentationml/2006/main">
-  <p:cSld>
-    <p:spTree>
-      <p:nvGrpSpPr>
-        <p:cNvPr id="1" name=""/>
-        <p:cNvGrpSpPr/>
-        <p:nvPr/>
-      </p:nvGrpSpPr>
-      <p:grpSpPr>
-        <a:xfrm>
-          <a:off x="0" y="0"/>
-          <a:ext cx="0" cy="0"/>
-          <a:chOff x="0" y="0"/>
-          <a:chExt cx="0" cy="0"/>
-        </a:xfrm>
-      </p:grpSpPr>
-      <p:sp>
-        <p:nvSpPr>
-          <p:cNvPr id="2" name="Title 1">
-            <a:extLst>
-              <a:ext uri="{FF2B5EF4-FFF2-40B4-BE49-F238E27FC236}">
                 <a16:creationId xmlns:a16="http://schemas.microsoft.com/office/drawing/2014/main" id="{5D359F55-A55E-214C-21A3-EC9A98063960}"/>
               </a:ext>
             </a:extLst>
@@ -3959,7 +3864,7 @@
 </p:sld>
 </file>
 
-<file path=ppt/slides/slide12.xml><?xml version="1.0" encoding="utf-8"?>
+<file path=ppt/slides/slide11.xml><?xml version="1.0" encoding="utf-8"?>
 <p:sld xmlns:a="http://schemas.openxmlformats.org/drawingml/2006/main" xmlns:r="http://schemas.openxmlformats.org/officeDocument/2006/relationships" xmlns:p="http://schemas.openxmlformats.org/presentationml/2006/main">
   <p:cSld>
     <p:spTree>
@@ -4046,6 +3951,238 @@
 </p:sld>
 </file>
 
+<file path=ppt/slides/slide12.xml><?xml version="1.0" encoding="utf-8"?>
+<p:sld xmlns:a="http://schemas.openxmlformats.org/drawingml/2006/main" xmlns:r="http://schemas.openxmlformats.org/officeDocument/2006/relationships" xmlns:p="http://schemas.openxmlformats.org/presentationml/2006/main">
+  <p:cSld>
+    <p:spTree>
+      <p:nvGrpSpPr>
+        <p:cNvPr id="1" name=""/>
+        <p:cNvGrpSpPr/>
+        <p:nvPr/>
+      </p:nvGrpSpPr>
+      <p:grpSpPr>
+        <a:xfrm>
+          <a:off x="0" y="0"/>
+          <a:ext cx="0" cy="0"/>
+          <a:chOff x="0" y="0"/>
+          <a:chExt cx="0" cy="0"/>
+        </a:xfrm>
+      </p:grpSpPr>
+      <p:sp>
+        <p:nvSpPr>
+          <p:cNvPr id="2" name="Title 1">
+            <a:extLst>
+              <a:ext uri="{FF2B5EF4-FFF2-40B4-BE49-F238E27FC236}">
+                <a16:creationId xmlns:a16="http://schemas.microsoft.com/office/drawing/2014/main" id="{75AC86D3-8FD1-4F47-A319-7D0542E48B2F}"/>
+              </a:ext>
+            </a:extLst>
+          </p:cNvPr>
+          <p:cNvSpPr>
+            <a:spLocks noGrp="1"/>
+          </p:cNvSpPr>
+          <p:nvPr>
+            <p:ph type="title"/>
+          </p:nvPr>
+        </p:nvSpPr>
+        <p:spPr>
+          <a:xfrm>
+            <a:off x="1097280" y="286603"/>
+            <a:ext cx="10058400" cy="1450757"/>
+          </a:xfrm>
+        </p:spPr>
+        <p:txBody>
+          <a:bodyPr vert="horz" lIns="91440" tIns="45720" rIns="91440" bIns="45720" rtlCol="0">
+            <a:normAutofit/>
+          </a:bodyPr>
+          <a:lstStyle/>
+          <a:p>
+            <a:pPr marR="0" lvl="0">
+              <a:lnSpc>
+                <a:spcPct val="115000"/>
+              </a:lnSpc>
+              <a:spcBef>
+                <a:spcPts val="0"/>
+              </a:spcBef>
+              <a:spcAft>
+                <a:spcPts val="0"/>
+              </a:spcAft>
+              <a:tabLst>
+                <a:tab pos="228600" algn="l"/>
+              </a:tabLst>
+            </a:pPr>
+            <a:r>
+              <a:rPr lang="en-US" sz="4800" b="1" dirty="0">
+                <a:solidFill>
+                  <a:srgbClr val="2B2B2B"/>
+                </a:solidFill>
+                <a:effectLst/>
+                <a:latin typeface="Calibri" panose="020F0502020204030204" pitchFamily="34" charset="0"/>
+                <a:ea typeface="Times New Roman" panose="02020603050405020304" pitchFamily="18" charset="0"/>
+                <a:cs typeface="Calibri" panose="020F0502020204030204" pitchFamily="34" charset="0"/>
+              </a:rPr>
+              <a:t>Exploratory Analysis with Visualization</a:t>
+            </a:r>
+            <a:endParaRPr lang="en-US" sz="4800" dirty="0">
+              <a:effectLst/>
+              <a:latin typeface="Calibri" panose="020F0502020204030204" pitchFamily="34" charset="0"/>
+              <a:ea typeface="Calibri" panose="020F0502020204030204" pitchFamily="34" charset="0"/>
+              <a:cs typeface="Times New Roman" panose="02020603050405020304" pitchFamily="18" charset="0"/>
+            </a:endParaRPr>
+          </a:p>
+        </p:txBody>
+      </p:sp>
+      <p:sp>
+        <p:nvSpPr>
+          <p:cNvPr id="5" name="Content Placeholder 4">
+            <a:extLst>
+              <a:ext uri="{FF2B5EF4-FFF2-40B4-BE49-F238E27FC236}">
+                <a16:creationId xmlns:a16="http://schemas.microsoft.com/office/drawing/2014/main" id="{73A7EBCF-5494-2CF5-208B-5F6B01D509BF}"/>
+              </a:ext>
+            </a:extLst>
+          </p:cNvPr>
+          <p:cNvSpPr>
+            <a:spLocks noGrp="1"/>
+          </p:cNvSpPr>
+          <p:nvPr>
+            <p:ph idx="1"/>
+          </p:nvPr>
+        </p:nvSpPr>
+        <p:spPr/>
+        <p:txBody>
+          <a:bodyPr/>
+          <a:lstStyle/>
+          <a:p>
+            <a:pPr marL="342900" marR="0" lvl="0" indent="-342900">
+              <a:lnSpc>
+                <a:spcPct val="115000"/>
+              </a:lnSpc>
+              <a:spcBef>
+                <a:spcPts val="0"/>
+              </a:spcBef>
+              <a:spcAft>
+                <a:spcPts val="0"/>
+              </a:spcAft>
+              <a:buFont typeface="+mj-lt"/>
+              <a:buAutoNum type="arabicPeriod"/>
+              <a:tabLst>
+                <a:tab pos="228600" algn="l"/>
+              </a:tabLst>
+            </a:pPr>
+            <a:r>
+              <a:rPr lang="en-US" sz="1100" b="1" dirty="0">
+                <a:solidFill>
+                  <a:srgbClr val="2B2B2B"/>
+                </a:solidFill>
+                <a:effectLst/>
+                <a:latin typeface="Calibri" panose="020F0502020204030204" pitchFamily="34" charset="0"/>
+                <a:ea typeface="Times New Roman" panose="02020603050405020304" pitchFamily="18" charset="0"/>
+                <a:cs typeface="Calibri" panose="020F0502020204030204" pitchFamily="34" charset="0"/>
+              </a:rPr>
+              <a:t>Visualize Travel Data</a:t>
+            </a:r>
+            <a:r>
+              <a:rPr lang="en-US" sz="1100" dirty="0">
+                <a:solidFill>
+                  <a:srgbClr val="2B2B2B"/>
+                </a:solidFill>
+                <a:effectLst/>
+                <a:latin typeface="Calibri" panose="020F0502020204030204" pitchFamily="34" charset="0"/>
+                <a:ea typeface="Times New Roman" panose="02020603050405020304" pitchFamily="18" charset="0"/>
+                <a:cs typeface="Calibri" panose="020F0502020204030204" pitchFamily="34" charset="0"/>
+              </a:rPr>
+              <a:t>.</a:t>
+            </a:r>
+            <a:endParaRPr lang="en-US" sz="1100" dirty="0">
+              <a:effectLst/>
+              <a:latin typeface="Calibri" panose="020F0502020204030204" pitchFamily="34" charset="0"/>
+              <a:ea typeface="Calibri" panose="020F0502020204030204" pitchFamily="34" charset="0"/>
+              <a:cs typeface="Times New Roman" panose="02020603050405020304" pitchFamily="18" charset="0"/>
+            </a:endParaRPr>
+          </a:p>
+          <a:p>
+            <a:pPr marL="742950" marR="0" lvl="1" indent="-285750">
+              <a:lnSpc>
+                <a:spcPct val="115000"/>
+              </a:lnSpc>
+              <a:spcBef>
+                <a:spcPts val="0"/>
+              </a:spcBef>
+              <a:spcAft>
+                <a:spcPts val="0"/>
+              </a:spcAft>
+              <a:buSzPts val="1000"/>
+              <a:buFont typeface="Courier New" panose="02070309020205020404" pitchFamily="49" charset="0"/>
+              <a:buChar char="o"/>
+              <a:tabLst>
+                <a:tab pos="685800" algn="l"/>
+              </a:tabLst>
+            </a:pPr>
+            <a:r>
+              <a:rPr lang="en-US" sz="1100" dirty="0">
+                <a:solidFill>
+                  <a:srgbClr val="2B2B2B"/>
+                </a:solidFill>
+                <a:effectLst/>
+                <a:latin typeface="Calibri" panose="020F0502020204030204" pitchFamily="34" charset="0"/>
+                <a:ea typeface="Times New Roman" panose="02020603050405020304" pitchFamily="18" charset="0"/>
+                <a:cs typeface="Calibri" panose="020F0502020204030204" pitchFamily="34" charset="0"/>
+              </a:rPr>
+              <a:t>Customers can utilize the weather data to choose the best cities for vacation based on certain weather air quality criteria.</a:t>
+            </a:r>
+            <a:endParaRPr lang="en-US" sz="1100" dirty="0">
+              <a:effectLst/>
+              <a:latin typeface="Calibri" panose="020F0502020204030204" pitchFamily="34" charset="0"/>
+              <a:ea typeface="Calibri" panose="020F0502020204030204" pitchFamily="34" charset="0"/>
+              <a:cs typeface="Times New Roman" panose="02020603050405020304" pitchFamily="18" charset="0"/>
+            </a:endParaRPr>
+          </a:p>
+          <a:p>
+            <a:endParaRPr lang="en-US" dirty="0"/>
+          </a:p>
+        </p:txBody>
+      </p:sp>
+      <p:pic>
+        <p:nvPicPr>
+          <p:cNvPr id="6" name="Picture 5">
+            <a:extLst>
+              <a:ext uri="{FF2B5EF4-FFF2-40B4-BE49-F238E27FC236}">
+                <a16:creationId xmlns:a16="http://schemas.microsoft.com/office/drawing/2014/main" id="{B04480D4-AEE3-3FE6-875B-15E9323CBFF7}"/>
+              </a:ext>
+            </a:extLst>
+          </p:cNvPr>
+          <p:cNvPicPr>
+            <a:picLocks noChangeAspect="1"/>
+          </p:cNvPicPr>
+          <p:nvPr/>
+        </p:nvPicPr>
+        <p:blipFill rotWithShape="1">
+          <a:blip r:embed="rId2"/>
+          <a:srcRect r="17365"/>
+          <a:stretch/>
+        </p:blipFill>
+        <p:spPr>
+          <a:xfrm>
+            <a:off x="1472598" y="2682360"/>
+            <a:ext cx="7497229" cy="2612571"/>
+          </a:xfrm>
+          <a:prstGeom prst="rect">
+            <a:avLst/>
+          </a:prstGeom>
+        </p:spPr>
+      </p:pic>
+    </p:spTree>
+    <p:extLst>
+      <p:ext uri="{BB962C8B-B14F-4D97-AF65-F5344CB8AC3E}">
+        <p14:creationId xmlns:p14="http://schemas.microsoft.com/office/powerpoint/2010/main" val="2140282332"/>
+      </p:ext>
+    </p:extLst>
+  </p:cSld>
+  <p:clrMapOvr>
+    <a:masterClrMapping/>
+  </p:clrMapOvr>
+</p:sld>
+</file>
+
 <file path=ppt/slides/slide13.xml><?xml version="1.0" encoding="utf-8"?>
 <p:sld xmlns:a="http://schemas.openxmlformats.org/drawingml/2006/main" xmlns:r="http://schemas.openxmlformats.org/officeDocument/2006/relationships" xmlns:p="http://schemas.openxmlformats.org/presentationml/2006/main">
   <p:cSld>
@@ -4091,20 +4228,6 @@
           </a:bodyPr>
           <a:lstStyle/>
           <a:p>
-            <a:pPr marR="0" lvl="0">
-              <a:lnSpc>
-                <a:spcPct val="115000"/>
-              </a:lnSpc>
-              <a:spcBef>
-                <a:spcPts val="0"/>
-              </a:spcBef>
-              <a:spcAft>
-                <a:spcPts val="0"/>
-              </a:spcAft>
-              <a:tabLst>
-                <a:tab pos="228600" algn="l"/>
-              </a:tabLst>
-            </a:pPr>
             <a:r>
               <a:rPr lang="en-US" sz="4800" b="1" dirty="0">
                 <a:solidFill>
@@ -4115,14 +4238,9 @@
                 <a:ea typeface="Times New Roman" panose="02020603050405020304" pitchFamily="18" charset="0"/>
                 <a:cs typeface="Calibri" panose="020F0502020204030204" pitchFamily="34" charset="0"/>
               </a:rPr>
-              <a:t>Exploratory Analysis with Visualization</a:t>
-            </a:r>
-            <a:endParaRPr lang="en-US" sz="4800" dirty="0">
-              <a:effectLst/>
-              <a:latin typeface="Calibri" panose="020F0502020204030204" pitchFamily="34" charset="0"/>
-              <a:ea typeface="Calibri" panose="020F0502020204030204" pitchFamily="34" charset="0"/>
-              <a:cs typeface="Times New Roman" panose="02020603050405020304" pitchFamily="18" charset="0"/>
-            </a:endParaRPr>
+              <a:t>Visualize Data</a:t>
+            </a:r>
+            <a:endParaRPr lang="en-US" dirty="0"/>
           </a:p>
         </p:txBody>
       </p:sp>
@@ -4147,324 +4265,43 @@
           <a:bodyPr/>
           <a:lstStyle/>
           <a:p>
-            <a:pPr marL="457200" marR="0">
-              <a:lnSpc>
-                <a:spcPct val="115000"/>
-              </a:lnSpc>
-              <a:spcBef>
-                <a:spcPts val="0"/>
-              </a:spcBef>
-              <a:spcAft>
-                <a:spcPts val="0"/>
-              </a:spcAft>
-            </a:pPr>
-            <a:r>
-              <a:rPr lang="en-US" sz="1100" dirty="0">
-                <a:solidFill>
-                  <a:srgbClr val="2B2B2B"/>
-                </a:solidFill>
-                <a:effectLst/>
-                <a:latin typeface="Calibri" panose="020F0502020204030204" pitchFamily="34" charset="0"/>
-                <a:ea typeface="Times New Roman" panose="02020603050405020304" pitchFamily="18" charset="0"/>
-                <a:cs typeface="Calibri" panose="020F0502020204030204" pitchFamily="34" charset="0"/>
-              </a:rPr>
-              <a:t>Tableau</a:t>
-            </a:r>
-            <a:endParaRPr lang="en-US" sz="1100" dirty="0">
-              <a:effectLst/>
-              <a:latin typeface="Calibri" panose="020F0502020204030204" pitchFamily="34" charset="0"/>
-              <a:ea typeface="Calibri" panose="020F0502020204030204" pitchFamily="34" charset="0"/>
-              <a:cs typeface="Times New Roman" panose="02020603050405020304" pitchFamily="18" charset="0"/>
-            </a:endParaRPr>
-          </a:p>
-          <a:p>
-            <a:pPr marL="457200" marR="0">
-              <a:lnSpc>
-                <a:spcPct val="115000"/>
-              </a:lnSpc>
-              <a:spcBef>
-                <a:spcPts val="0"/>
-              </a:spcBef>
-              <a:spcAft>
-                <a:spcPts val="1000"/>
-              </a:spcAft>
-            </a:pPr>
-            <a:r>
-              <a:rPr lang="en-US" sz="1100" dirty="0">
-                <a:solidFill>
-                  <a:srgbClr val="2B2B2B"/>
-                </a:solidFill>
-                <a:effectLst/>
-                <a:latin typeface="Calibri" panose="020F0502020204030204" pitchFamily="34" charset="0"/>
-                <a:ea typeface="Times New Roman" panose="02020603050405020304" pitchFamily="18" charset="0"/>
-                <a:cs typeface="Calibri" panose="020F0502020204030204" pitchFamily="34" charset="0"/>
-              </a:rPr>
-              <a:t> </a:t>
-            </a:r>
-            <a:endParaRPr lang="en-US" sz="1100" dirty="0">
-              <a:effectLst/>
-              <a:latin typeface="Calibri" panose="020F0502020204030204" pitchFamily="34" charset="0"/>
-              <a:ea typeface="Calibri" panose="020F0502020204030204" pitchFamily="34" charset="0"/>
-              <a:cs typeface="Times New Roman" panose="02020603050405020304" pitchFamily="18" charset="0"/>
-            </a:endParaRPr>
-          </a:p>
-          <a:p>
-            <a:pPr marL="457200" marR="0">
-              <a:lnSpc>
-                <a:spcPct val="115000"/>
-              </a:lnSpc>
-              <a:spcBef>
-                <a:spcPts val="0"/>
-              </a:spcBef>
-              <a:spcAft>
-                <a:spcPts val="0"/>
-              </a:spcAft>
-            </a:pPr>
-            <a:r>
-              <a:rPr lang="en-US" sz="1100" dirty="0">
-                <a:solidFill>
-                  <a:srgbClr val="2B2B2B"/>
-                </a:solidFill>
-                <a:effectLst/>
-                <a:latin typeface="Calibri" panose="020F0502020204030204" pitchFamily="34" charset="0"/>
-                <a:ea typeface="Times New Roman" panose="02020603050405020304" pitchFamily="18" charset="0"/>
-                <a:cs typeface="Calibri" panose="020F0502020204030204" pitchFamily="34" charset="0"/>
-              </a:rPr>
-              <a:t> </a:t>
-            </a:r>
-            <a:endParaRPr lang="en-US" sz="1100" dirty="0">
-              <a:effectLst/>
-              <a:latin typeface="Calibri" panose="020F0502020204030204" pitchFamily="34" charset="0"/>
-              <a:ea typeface="Calibri" panose="020F0502020204030204" pitchFamily="34" charset="0"/>
-              <a:cs typeface="Times New Roman" panose="02020603050405020304" pitchFamily="18" charset="0"/>
-            </a:endParaRPr>
-          </a:p>
-          <a:p>
-            <a:pPr marL="342900" marR="0" lvl="0" indent="-342900">
-              <a:lnSpc>
-                <a:spcPct val="115000"/>
-              </a:lnSpc>
-              <a:spcBef>
-                <a:spcPts val="0"/>
-              </a:spcBef>
-              <a:spcAft>
-                <a:spcPts val="0"/>
-              </a:spcAft>
-              <a:buFont typeface="+mj-lt"/>
-              <a:buAutoNum type="arabicPeriod"/>
-              <a:tabLst>
-                <a:tab pos="228600" algn="l"/>
-              </a:tabLst>
-            </a:pPr>
-            <a:r>
-              <a:rPr lang="en-US" sz="1100" b="1" dirty="0">
-                <a:solidFill>
-                  <a:srgbClr val="2B2B2B"/>
-                </a:solidFill>
-                <a:effectLst/>
-                <a:latin typeface="Calibri" panose="020F0502020204030204" pitchFamily="34" charset="0"/>
-                <a:ea typeface="Times New Roman" panose="02020603050405020304" pitchFamily="18" charset="0"/>
-                <a:cs typeface="Calibri" panose="020F0502020204030204" pitchFamily="34" charset="0"/>
-              </a:rPr>
-              <a:t>Visualize Travel Data</a:t>
-            </a:r>
-            <a:r>
-              <a:rPr lang="en-US" sz="1100" dirty="0">
-                <a:solidFill>
-                  <a:srgbClr val="2B2B2B"/>
-                </a:solidFill>
-                <a:effectLst/>
-                <a:latin typeface="Calibri" panose="020F0502020204030204" pitchFamily="34" charset="0"/>
-                <a:ea typeface="Times New Roman" panose="02020603050405020304" pitchFamily="18" charset="0"/>
-                <a:cs typeface="Calibri" panose="020F0502020204030204" pitchFamily="34" charset="0"/>
-              </a:rPr>
-              <a:t>.</a:t>
-            </a:r>
-            <a:endParaRPr lang="en-US" sz="1100" dirty="0">
-              <a:effectLst/>
-              <a:latin typeface="Calibri" panose="020F0502020204030204" pitchFamily="34" charset="0"/>
-              <a:ea typeface="Calibri" panose="020F0502020204030204" pitchFamily="34" charset="0"/>
-              <a:cs typeface="Times New Roman" panose="02020603050405020304" pitchFamily="18" charset="0"/>
-            </a:endParaRPr>
-          </a:p>
-          <a:p>
-            <a:pPr marL="742950" marR="0" lvl="1" indent="-285750">
-              <a:lnSpc>
-                <a:spcPct val="115000"/>
-              </a:lnSpc>
-              <a:spcBef>
-                <a:spcPts val="0"/>
-              </a:spcBef>
-              <a:spcAft>
-                <a:spcPts val="0"/>
-              </a:spcAft>
-              <a:buSzPts val="1000"/>
-              <a:buFont typeface="Courier New" panose="02070309020205020404" pitchFamily="49" charset="0"/>
-              <a:buChar char="o"/>
-              <a:tabLst>
-                <a:tab pos="685800" algn="l"/>
-              </a:tabLst>
-            </a:pPr>
-            <a:r>
-              <a:rPr lang="en-US" sz="1100" dirty="0">
-                <a:solidFill>
-                  <a:srgbClr val="2B2B2B"/>
-                </a:solidFill>
-                <a:effectLst/>
-                <a:latin typeface="Calibri" panose="020F0502020204030204" pitchFamily="34" charset="0"/>
-                <a:ea typeface="Times New Roman" panose="02020603050405020304" pitchFamily="18" charset="0"/>
-                <a:cs typeface="Calibri" panose="020F0502020204030204" pitchFamily="34" charset="0"/>
-              </a:rPr>
-              <a:t>Travel agents and customers can utilize the weather data to choose the best cities for vacation based on certain weather criteria,</a:t>
-            </a:r>
-            <a:endParaRPr lang="en-US" sz="1100" dirty="0">
-              <a:effectLst/>
-              <a:latin typeface="Calibri" panose="020F0502020204030204" pitchFamily="34" charset="0"/>
-              <a:ea typeface="Calibri" panose="020F0502020204030204" pitchFamily="34" charset="0"/>
-              <a:cs typeface="Times New Roman" panose="02020603050405020304" pitchFamily="18" charset="0"/>
-            </a:endParaRPr>
-          </a:p>
-          <a:p>
-            <a:endParaRPr lang="en-US" dirty="0"/>
-          </a:p>
-        </p:txBody>
-      </p:sp>
-    </p:spTree>
-    <p:extLst>
-      <p:ext uri="{BB962C8B-B14F-4D97-AF65-F5344CB8AC3E}">
-        <p14:creationId xmlns:p14="http://schemas.microsoft.com/office/powerpoint/2010/main" val="2140282332"/>
-      </p:ext>
-    </p:extLst>
-  </p:cSld>
-  <p:clrMapOvr>
-    <a:masterClrMapping/>
-  </p:clrMapOvr>
-</p:sld>
-</file>
-
-<file path=ppt/slides/slide14.xml><?xml version="1.0" encoding="utf-8"?>
-<p:sld xmlns:a="http://schemas.openxmlformats.org/drawingml/2006/main" xmlns:r="http://schemas.openxmlformats.org/officeDocument/2006/relationships" xmlns:p="http://schemas.openxmlformats.org/presentationml/2006/main">
-  <p:cSld>
-    <p:spTree>
-      <p:nvGrpSpPr>
-        <p:cNvPr id="1" name=""/>
-        <p:cNvGrpSpPr/>
-        <p:nvPr/>
-      </p:nvGrpSpPr>
-      <p:grpSpPr>
-        <a:xfrm>
-          <a:off x="0" y="0"/>
-          <a:ext cx="0" cy="0"/>
-          <a:chOff x="0" y="0"/>
-          <a:chExt cx="0" cy="0"/>
-        </a:xfrm>
-      </p:grpSpPr>
-      <p:sp>
-        <p:nvSpPr>
-          <p:cNvPr id="2" name="Title 1">
+            <a:r>
+              <a:rPr lang="en-US" dirty="0"/>
+              <a:t>Overview Map of Cities and Respective Air Quality </a:t>
+            </a:r>
+          </a:p>
+        </p:txBody>
+      </p:sp>
+      <p:pic>
+        <p:nvPicPr>
+          <p:cNvPr id="4" name="Picture 3">
             <a:extLst>
               <a:ext uri="{FF2B5EF4-FFF2-40B4-BE49-F238E27FC236}">
-                <a16:creationId xmlns:a16="http://schemas.microsoft.com/office/drawing/2014/main" id="{75AC86D3-8FD1-4F47-A319-7D0542E48B2F}"/>
+                <a16:creationId xmlns:a16="http://schemas.microsoft.com/office/drawing/2014/main" id="{AF22C372-3A52-060A-4FDA-754FCAD3B9A5}"/>
               </a:ext>
             </a:extLst>
           </p:cNvPr>
-          <p:cNvSpPr>
-            <a:spLocks noGrp="1"/>
-          </p:cNvSpPr>
-          <p:nvPr>
-            <p:ph type="title"/>
-          </p:nvPr>
-        </p:nvSpPr>
+          <p:cNvPicPr>
+            <a:picLocks noChangeAspect="1"/>
+          </p:cNvPicPr>
+          <p:nvPr/>
+        </p:nvPicPr>
+        <p:blipFill>
+          <a:blip r:embed="rId2"/>
+          <a:stretch>
+            <a:fillRect/>
+          </a:stretch>
+        </p:blipFill>
         <p:spPr>
           <a:xfrm>
-            <a:off x="1097280" y="286603"/>
-            <a:ext cx="10058400" cy="1450757"/>
+            <a:off x="1561055" y="2449710"/>
+            <a:ext cx="6805662" cy="3538563"/>
           </a:xfrm>
+          <a:prstGeom prst="rect">
+            <a:avLst/>
+          </a:prstGeom>
         </p:spPr>
-        <p:txBody>
-          <a:bodyPr vert="horz" lIns="91440" tIns="45720" rIns="91440" bIns="45720" rtlCol="0">
-            <a:normAutofit/>
-          </a:bodyPr>
-          <a:lstStyle/>
-          <a:p>
-            <a:r>
-              <a:rPr lang="en-US" sz="4800" b="1" dirty="0">
-                <a:solidFill>
-                  <a:srgbClr val="2B2B2B"/>
-                </a:solidFill>
-                <a:effectLst/>
-                <a:latin typeface="Calibri" panose="020F0502020204030204" pitchFamily="34" charset="0"/>
-                <a:ea typeface="Times New Roman" panose="02020603050405020304" pitchFamily="18" charset="0"/>
-                <a:cs typeface="Calibri" panose="020F0502020204030204" pitchFamily="34" charset="0"/>
-              </a:rPr>
-              <a:t>Visualize Travel Data</a:t>
-            </a:r>
-            <a:endParaRPr lang="en-US" dirty="0"/>
-          </a:p>
-        </p:txBody>
-      </p:sp>
-      <p:sp>
-        <p:nvSpPr>
-          <p:cNvPr id="5" name="Content Placeholder 4">
-            <a:extLst>
-              <a:ext uri="{FF2B5EF4-FFF2-40B4-BE49-F238E27FC236}">
-                <a16:creationId xmlns:a16="http://schemas.microsoft.com/office/drawing/2014/main" id="{73A7EBCF-5494-2CF5-208B-5F6B01D509BF}"/>
-              </a:ext>
-            </a:extLst>
-          </p:cNvPr>
-          <p:cNvSpPr>
-            <a:spLocks noGrp="1"/>
-          </p:cNvSpPr>
-          <p:nvPr>
-            <p:ph idx="1"/>
-          </p:nvPr>
-        </p:nvSpPr>
-        <p:spPr/>
-        <p:txBody>
-          <a:bodyPr/>
-          <a:lstStyle/>
-          <a:p>
-            <a:pPr marL="742950" marR="0" lvl="1" indent="-285750">
-              <a:lnSpc>
-                <a:spcPct val="115000"/>
-              </a:lnSpc>
-              <a:spcBef>
-                <a:spcPts val="0"/>
-              </a:spcBef>
-              <a:spcAft>
-                <a:spcPts val="0"/>
-              </a:spcAft>
-              <a:buSzPts val="1000"/>
-              <a:buFont typeface="Courier New" panose="02070309020205020404" pitchFamily="49" charset="0"/>
-              <a:buChar char="o"/>
-              <a:tabLst>
-                <a:tab pos="685800" algn="l"/>
-              </a:tabLst>
-            </a:pPr>
-            <a:r>
-              <a:rPr lang="en-US" sz="1100" dirty="0">
-                <a:solidFill>
-                  <a:srgbClr val="2B2B2B"/>
-                </a:solidFill>
-                <a:effectLst/>
-                <a:latin typeface="Calibri" panose="020F0502020204030204" pitchFamily="34" charset="0"/>
-                <a:ea typeface="Times New Roman" panose="02020603050405020304" pitchFamily="18" charset="0"/>
-                <a:cs typeface="Calibri" panose="020F0502020204030204" pitchFamily="34" charset="0"/>
-              </a:rPr>
-              <a:t>Travel agents and customers can utilize the weather data to choose the best cities for vacation based on certain weather criteria,</a:t>
-            </a:r>
-            <a:endParaRPr lang="en-US" sz="1100" dirty="0">
-              <a:effectLst/>
-              <a:latin typeface="Calibri" panose="020F0502020204030204" pitchFamily="34" charset="0"/>
-              <a:ea typeface="Calibri" panose="020F0502020204030204" pitchFamily="34" charset="0"/>
-              <a:cs typeface="Times New Roman" panose="02020603050405020304" pitchFamily="18" charset="0"/>
-            </a:endParaRPr>
-          </a:p>
-          <a:p>
-            <a:endParaRPr lang="en-US" dirty="0"/>
-          </a:p>
-        </p:txBody>
-      </p:sp>
+      </p:pic>
     </p:spTree>
     <p:extLst>
       <p:ext uri="{BB962C8B-B14F-4D97-AF65-F5344CB8AC3E}">
@@ -4478,7 +4315,7 @@
 </p:sld>
 </file>
 
-<file path=ppt/slides/slide15.xml><?xml version="1.0" encoding="utf-8"?>
+<file path=ppt/slides/slide14.xml><?xml version="1.0" encoding="utf-8"?>
 <p:sld xmlns:a="http://schemas.openxmlformats.org/drawingml/2006/main" xmlns:r="http://schemas.openxmlformats.org/officeDocument/2006/relationships" xmlns:p="http://schemas.openxmlformats.org/presentationml/2006/main">
   <p:cSld>
     <p:spTree>
@@ -4679,6 +4516,219 @@
 </p:sld>
 </file>
 
+<file path=ppt/slides/slide15.xml><?xml version="1.0" encoding="utf-8"?>
+<p:sld xmlns:a="http://schemas.openxmlformats.org/drawingml/2006/main" xmlns:r="http://schemas.openxmlformats.org/officeDocument/2006/relationships" xmlns:p="http://schemas.openxmlformats.org/presentationml/2006/main">
+  <p:cSld>
+    <p:spTree>
+      <p:nvGrpSpPr>
+        <p:cNvPr id="1" name=""/>
+        <p:cNvGrpSpPr/>
+        <p:nvPr/>
+      </p:nvGrpSpPr>
+      <p:grpSpPr>
+        <a:xfrm>
+          <a:off x="0" y="0"/>
+          <a:ext cx="0" cy="0"/>
+          <a:chOff x="0" y="0"/>
+          <a:chExt cx="0" cy="0"/>
+        </a:xfrm>
+      </p:grpSpPr>
+      <p:sp>
+        <p:nvSpPr>
+          <p:cNvPr id="2" name="Title 1">
+            <a:extLst>
+              <a:ext uri="{FF2B5EF4-FFF2-40B4-BE49-F238E27FC236}">
+                <a16:creationId xmlns:a16="http://schemas.microsoft.com/office/drawing/2014/main" id="{75AC86D3-8FD1-4F47-A319-7D0542E48B2F}"/>
+              </a:ext>
+            </a:extLst>
+          </p:cNvPr>
+          <p:cNvSpPr>
+            <a:spLocks noGrp="1"/>
+          </p:cNvSpPr>
+          <p:nvPr>
+            <p:ph type="title"/>
+          </p:nvPr>
+        </p:nvSpPr>
+        <p:spPr>
+          <a:xfrm>
+            <a:off x="1097280" y="286604"/>
+            <a:ext cx="10221078" cy="1341230"/>
+          </a:xfrm>
+        </p:spPr>
+        <p:txBody>
+          <a:bodyPr vert="horz" lIns="91440" tIns="45720" rIns="91440" bIns="45720" rtlCol="0">
+            <a:normAutofit/>
+          </a:bodyPr>
+          <a:lstStyle/>
+          <a:p>
+            <a:r>
+              <a:rPr lang="en-US" dirty="0"/>
+              <a:t>Observations &amp; Recommendations </a:t>
+            </a:r>
+          </a:p>
+        </p:txBody>
+      </p:sp>
+      <p:sp>
+        <p:nvSpPr>
+          <p:cNvPr id="5" name="Content Placeholder 4">
+            <a:extLst>
+              <a:ext uri="{FF2B5EF4-FFF2-40B4-BE49-F238E27FC236}">
+                <a16:creationId xmlns:a16="http://schemas.microsoft.com/office/drawing/2014/main" id="{73A7EBCF-5494-2CF5-208B-5F6B01D509BF}"/>
+              </a:ext>
+            </a:extLst>
+          </p:cNvPr>
+          <p:cNvSpPr>
+            <a:spLocks noGrp="1"/>
+          </p:cNvSpPr>
+          <p:nvPr>
+            <p:ph idx="1"/>
+          </p:nvPr>
+        </p:nvSpPr>
+        <p:spPr>
+          <a:xfrm>
+            <a:off x="1178619" y="1884300"/>
+            <a:ext cx="10058400" cy="3944599"/>
+          </a:xfrm>
+        </p:spPr>
+        <p:txBody>
+          <a:bodyPr>
+            <a:noAutofit/>
+          </a:bodyPr>
+          <a:lstStyle/>
+          <a:p>
+            <a:pPr>
+              <a:lnSpc>
+                <a:spcPct val="100000"/>
+              </a:lnSpc>
+              <a:spcBef>
+                <a:spcPts val="0"/>
+              </a:spcBef>
+              <a:spcAft>
+                <a:spcPts val="0"/>
+              </a:spcAft>
+            </a:pPr>
+            <a:r>
+              <a:rPr lang="en-US" sz="1600" b="1" u="sng" dirty="0">
+                <a:latin typeface="Calibri" panose="020F0502020204030204" pitchFamily="34" charset="0"/>
+                <a:ea typeface="Calibri" panose="020F0502020204030204" pitchFamily="34" charset="0"/>
+                <a:cs typeface="Calibri" panose="020F0502020204030204" pitchFamily="34" charset="0"/>
+              </a:rPr>
+              <a:t>Results</a:t>
+            </a:r>
+          </a:p>
+          <a:p>
+            <a:pPr marL="578358" lvl="1" indent="-285750">
+              <a:spcBef>
+                <a:spcPts val="0"/>
+              </a:spcBef>
+              <a:spcAft>
+                <a:spcPts val="0"/>
+              </a:spcAft>
+            </a:pPr>
+            <a:r>
+              <a:rPr lang="en-US" sz="1600" dirty="0">
+                <a:latin typeface="Calibri" panose="020F0502020204030204" pitchFamily="34" charset="0"/>
+                <a:ea typeface="Calibri" panose="020F0502020204030204" pitchFamily="34" charset="0"/>
+                <a:cs typeface="Calibri" panose="020F0502020204030204" pitchFamily="34" charset="0"/>
+              </a:rPr>
+              <a:t>90% of the Air Quality is ranked as Level 1 – the lowest level of air quality standard</a:t>
+            </a:r>
+          </a:p>
+          <a:p>
+            <a:r>
+              <a:rPr lang="en-US" sz="1600" dirty="0">
+                <a:latin typeface="Calibri" panose="020F0502020204030204" pitchFamily="34" charset="0"/>
+                <a:ea typeface="Calibri" panose="020F0502020204030204" pitchFamily="34" charset="0"/>
+                <a:cs typeface="Calibri" panose="020F0502020204030204" pitchFamily="34" charset="0"/>
+              </a:rPr>
+              <a:t>C-Group believes our current data has a 78% accuracy</a:t>
+            </a:r>
+          </a:p>
+          <a:p>
+            <a:pPr lvl="1"/>
+            <a:r>
+              <a:rPr lang="en-US" sz="1600" dirty="0">
+                <a:latin typeface="Calibri" panose="020F0502020204030204" pitchFamily="34" charset="0"/>
+                <a:ea typeface="Calibri" panose="020F0502020204030204" pitchFamily="34" charset="0"/>
+                <a:cs typeface="Calibri" panose="020F0502020204030204" pitchFamily="34" charset="0"/>
+              </a:rPr>
+              <a:t>We strongly recommend additional analysis to ensure the data utilized is appropriate for correctly</a:t>
+            </a:r>
+          </a:p>
+          <a:p>
+            <a:pPr lvl="1"/>
+            <a:endParaRPr lang="en-US" sz="1600" dirty="0">
+              <a:latin typeface="Calibri" panose="020F0502020204030204" pitchFamily="34" charset="0"/>
+              <a:ea typeface="Calibri" panose="020F0502020204030204" pitchFamily="34" charset="0"/>
+              <a:cs typeface="Calibri" panose="020F0502020204030204" pitchFamily="34" charset="0"/>
+            </a:endParaRPr>
+          </a:p>
+          <a:p>
+            <a:r>
+              <a:rPr lang="en-US" sz="1600" b="1" u="sng" dirty="0">
+                <a:latin typeface="Calibri" panose="020F0502020204030204" pitchFamily="34" charset="0"/>
+                <a:ea typeface="Calibri" panose="020F0502020204030204" pitchFamily="34" charset="0"/>
+                <a:cs typeface="Calibri" panose="020F0502020204030204" pitchFamily="34" charset="0"/>
+              </a:rPr>
+              <a:t>Recommendations</a:t>
+            </a:r>
+            <a:r>
+              <a:rPr lang="en-US" sz="1600" dirty="0">
+                <a:latin typeface="Calibri" panose="020F0502020204030204" pitchFamily="34" charset="0"/>
+                <a:ea typeface="Calibri" panose="020F0502020204030204" pitchFamily="34" charset="0"/>
+                <a:cs typeface="Calibri" panose="020F0502020204030204" pitchFamily="34" charset="0"/>
+              </a:rPr>
+              <a:t> for future analysis, C-Group would suggest the following:</a:t>
+            </a:r>
+          </a:p>
+          <a:p>
+            <a:pPr lvl="1"/>
+            <a:r>
+              <a:rPr lang="en-US" sz="1600" dirty="0">
+                <a:latin typeface="Calibri" panose="020F0502020204030204" pitchFamily="34" charset="0"/>
+                <a:ea typeface="Calibri" panose="020F0502020204030204" pitchFamily="34" charset="0"/>
+                <a:cs typeface="Calibri" panose="020F0502020204030204" pitchFamily="34" charset="0"/>
+              </a:rPr>
+              <a:t>Utilizing another weather index that has more accurate data for tracking the weather conditions.</a:t>
+            </a:r>
+          </a:p>
+          <a:p>
+            <a:pPr lvl="1"/>
+            <a:r>
+              <a:rPr lang="en-US" sz="1600" dirty="0">
+                <a:latin typeface="Calibri" panose="020F0502020204030204" pitchFamily="34" charset="0"/>
+                <a:ea typeface="Calibri" panose="020F0502020204030204" pitchFamily="34" charset="0"/>
+                <a:cs typeface="Calibri" panose="020F0502020204030204" pitchFamily="34" charset="0"/>
+              </a:rPr>
+              <a:t>Adding additional dimensions to our analysis.</a:t>
+            </a:r>
+          </a:p>
+          <a:p>
+            <a:pPr lvl="2"/>
+            <a:r>
+              <a:rPr lang="en-US" sz="1600" dirty="0">
+                <a:latin typeface="Calibri" panose="020F0502020204030204" pitchFamily="34" charset="0"/>
+                <a:ea typeface="Calibri" panose="020F0502020204030204" pitchFamily="34" charset="0"/>
+                <a:cs typeface="Calibri" panose="020F0502020204030204" pitchFamily="34" charset="0"/>
+              </a:rPr>
+              <a:t>Client “nice to have” feature to add to our toolset would be to include additional weather tracking data, (i.e., rainfall, wind index, average temperature, etc. for the Top 100 Cites </a:t>
+            </a:r>
+          </a:p>
+        </p:txBody>
+      </p:sp>
+    </p:spTree>
+    <p:extLst>
+      <p:ext uri="{BB962C8B-B14F-4D97-AF65-F5344CB8AC3E}">
+        <p14:creationId xmlns:p14="http://schemas.microsoft.com/office/powerpoint/2010/main" val="1246005999"/>
+      </p:ext>
+    </p:extLst>
+  </p:cSld>
+  <p:clrMapOvr>
+    <a:masterClrMapping/>
+  </p:clrMapOvr>
+</p:sld>
+</file>
+
 <file path=ppt/slides/slide16.xml><?xml version="1.0" encoding="utf-8"?>
 <p:sld xmlns:a="http://schemas.openxmlformats.org/drawingml/2006/main" xmlns:r="http://schemas.openxmlformats.org/officeDocument/2006/relationships" xmlns:p="http://schemas.openxmlformats.org/presentationml/2006/main">
   <p:cSld>
@@ -4714,19 +4764,20 @@
         </p:nvSpPr>
         <p:spPr>
           <a:xfrm>
-            <a:off x="1097280" y="286603"/>
-            <a:ext cx="10221078" cy="1450757"/>
+            <a:off x="1097280" y="286604"/>
+            <a:ext cx="10221078" cy="1341230"/>
           </a:xfrm>
         </p:spPr>
         <p:txBody>
           <a:bodyPr vert="horz" lIns="91440" tIns="45720" rIns="91440" bIns="45720" rtlCol="0">
-            <a:normAutofit/>
+            <a:normAutofit fontScale="90000"/>
           </a:bodyPr>
           <a:lstStyle/>
           <a:p>
+            <a:pPr algn="ctr"/>
             <a:r>
               <a:rPr lang="en-US" dirty="0"/>
-              <a:t>Observations &amp; Recommendations </a:t>
+              <a:t>Observations &amp; Recommendations (Project Hypothesis Explained) </a:t>
             </a:r>
           </a:p>
         </p:txBody>
@@ -4749,7 +4800,7 @@
         </p:nvSpPr>
         <p:spPr>
           <a:xfrm>
-            <a:off x="1097280" y="1924493"/>
+            <a:off x="1178619" y="1884300"/>
             <a:ext cx="10058400" cy="3944599"/>
           </a:xfrm>
         </p:spPr>
@@ -4758,117 +4809,6 @@
             <a:noAutofit/>
           </a:bodyPr>
           <a:lstStyle/>
-          <a:p>
-            <a:pPr>
-              <a:lnSpc>
-                <a:spcPct val="100000"/>
-              </a:lnSpc>
-              <a:spcBef>
-                <a:spcPts val="0"/>
-              </a:spcBef>
-              <a:spcAft>
-                <a:spcPts val="0"/>
-              </a:spcAft>
-            </a:pPr>
-            <a:r>
-              <a:rPr lang="en-US" sz="1200" b="1" u="sng" dirty="0">
-                <a:latin typeface="Calibri" panose="020F0502020204030204" pitchFamily="34" charset="0"/>
-                <a:ea typeface="Calibri" panose="020F0502020204030204" pitchFamily="34" charset="0"/>
-                <a:cs typeface="Calibri" panose="020F0502020204030204" pitchFamily="34" charset="0"/>
-              </a:rPr>
-              <a:t>Results</a:t>
-            </a:r>
-          </a:p>
-          <a:p>
-            <a:pPr marL="578358" lvl="1" indent="-285750">
-              <a:spcBef>
-                <a:spcPts val="0"/>
-              </a:spcBef>
-              <a:spcAft>
-                <a:spcPts val="0"/>
-              </a:spcAft>
-            </a:pPr>
-            <a:r>
-              <a:rPr lang="en-US" sz="1200" dirty="0">
-                <a:latin typeface="Calibri" panose="020F0502020204030204" pitchFamily="34" charset="0"/>
-                <a:ea typeface="Calibri" panose="020F0502020204030204" pitchFamily="34" charset="0"/>
-                <a:cs typeface="Calibri" panose="020F0502020204030204" pitchFamily="34" charset="0"/>
-              </a:rPr>
-              <a:t>90% of the Air Quality is ranked as Level 1 – the lowest level of air quality</a:t>
-            </a:r>
-          </a:p>
-          <a:p>
-            <a:r>
-              <a:rPr lang="en-US" sz="1200" dirty="0">
-                <a:latin typeface="Calibri" panose="020F0502020204030204" pitchFamily="34" charset="0"/>
-                <a:ea typeface="Calibri" panose="020F0502020204030204" pitchFamily="34" charset="0"/>
-                <a:cs typeface="Calibri" panose="020F0502020204030204" pitchFamily="34" charset="0"/>
-              </a:rPr>
-              <a:t>C-Group believes our current data has a 25 % accuracy</a:t>
-            </a:r>
-          </a:p>
-          <a:p>
-            <a:pPr lvl="1"/>
-            <a:r>
-              <a:rPr lang="en-US" sz="1200" dirty="0">
-                <a:latin typeface="Calibri" panose="020F0502020204030204" pitchFamily="34" charset="0"/>
-                <a:ea typeface="Calibri" panose="020F0502020204030204" pitchFamily="34" charset="0"/>
-                <a:cs typeface="Calibri" panose="020F0502020204030204" pitchFamily="34" charset="0"/>
-              </a:rPr>
-              <a:t>We strongly recommend additional analysis to ensure the data utilized is appropriate for correctly</a:t>
-            </a:r>
-          </a:p>
-          <a:p>
-            <a:r>
-              <a:rPr lang="en-US" sz="1200" b="1" u="sng" dirty="0">
-                <a:latin typeface="Calibri" panose="020F0502020204030204" pitchFamily="34" charset="0"/>
-                <a:ea typeface="Calibri" panose="020F0502020204030204" pitchFamily="34" charset="0"/>
-                <a:cs typeface="Calibri" panose="020F0502020204030204" pitchFamily="34" charset="0"/>
-              </a:rPr>
-              <a:t>Recommendations</a:t>
-            </a:r>
-            <a:r>
-              <a:rPr lang="en-US" sz="1200" dirty="0">
-                <a:latin typeface="Calibri" panose="020F0502020204030204" pitchFamily="34" charset="0"/>
-                <a:ea typeface="Calibri" panose="020F0502020204030204" pitchFamily="34" charset="0"/>
-                <a:cs typeface="Calibri" panose="020F0502020204030204" pitchFamily="34" charset="0"/>
-              </a:rPr>
-              <a:t> for future analysis, C-Group would suggest the following:</a:t>
-            </a:r>
-          </a:p>
-          <a:p>
-            <a:pPr lvl="1"/>
-            <a:r>
-              <a:rPr lang="en-US" sz="1200" dirty="0">
-                <a:latin typeface="Calibri" panose="020F0502020204030204" pitchFamily="34" charset="0"/>
-                <a:ea typeface="Calibri" panose="020F0502020204030204" pitchFamily="34" charset="0"/>
-                <a:cs typeface="Calibri" panose="020F0502020204030204" pitchFamily="34" charset="0"/>
-              </a:rPr>
-              <a:t>Utilizing another weather index that has more accurate data for tracking the weather conditions.</a:t>
-            </a:r>
-          </a:p>
-          <a:p>
-            <a:pPr lvl="1"/>
-            <a:r>
-              <a:rPr lang="en-US" sz="1200" dirty="0">
-                <a:latin typeface="Calibri" panose="020F0502020204030204" pitchFamily="34" charset="0"/>
-                <a:ea typeface="Calibri" panose="020F0502020204030204" pitchFamily="34" charset="0"/>
-                <a:cs typeface="Calibri" panose="020F0502020204030204" pitchFamily="34" charset="0"/>
-              </a:rPr>
-              <a:t>Adding additional dimensions to our analysis.</a:t>
-            </a:r>
-          </a:p>
-          <a:p>
-            <a:pPr lvl="2"/>
-            <a:r>
-              <a:rPr lang="en-US" sz="1200" dirty="0">
-                <a:latin typeface="Calibri" panose="020F0502020204030204" pitchFamily="34" charset="0"/>
-                <a:ea typeface="Calibri" panose="020F0502020204030204" pitchFamily="34" charset="0"/>
-                <a:cs typeface="Calibri" panose="020F0502020204030204" pitchFamily="34" charset="0"/>
-              </a:rPr>
-              <a:t>Client “nice to have” feature to add to our toolset would be to include additional weather tracking data, (i.e., rainfall, wind index, average temperature, etc. for the Top 100 Cites </a:t>
-            </a:r>
-          </a:p>
           <a:p>
             <a:pPr marL="0" marR="0">
               <a:lnSpc>
@@ -4882,7 +4822,7 @@
               </a:spcAft>
             </a:pPr>
             <a:r>
-              <a:rPr lang="en-US" sz="1200" b="1" dirty="0">
+              <a:rPr lang="en-US" sz="1600" b="1" dirty="0">
                 <a:solidFill>
                   <a:schemeClr val="tx1"/>
                 </a:solidFill>
@@ -4894,7 +4834,7 @@
               <a:t>C-Group </a:t>
             </a:r>
             <a:r>
-              <a:rPr lang="en-US" sz="1200" b="1" u="sng" dirty="0">
+              <a:rPr lang="en-US" sz="1600" b="1" u="sng" dirty="0">
                 <a:solidFill>
                   <a:schemeClr val="tx1"/>
                 </a:solidFill>
@@ -4905,7 +4845,7 @@
               </a:rPr>
               <a:t>Project Hypothesis</a:t>
             </a:r>
-            <a:endParaRPr lang="en-US" sz="1200" dirty="0">
+            <a:endParaRPr lang="en-US" sz="1600" dirty="0">
               <a:solidFill>
                 <a:schemeClr val="tx1"/>
               </a:solidFill>
@@ -4918,18 +4858,18 @@
           <a:p>
             <a:pPr marR="0" lvl="1"/>
             <a:r>
-              <a:rPr lang="en-US" sz="1200" dirty="0">
+              <a:rPr lang="en-US" sz="1600" dirty="0">
                 <a:latin typeface="Calibri" panose="020F0502020204030204" pitchFamily="34" charset="0"/>
                 <a:ea typeface="Calibri" panose="020F0502020204030204" pitchFamily="34" charset="0"/>
                 <a:cs typeface="Calibri" panose="020F0502020204030204" pitchFamily="34" charset="0"/>
               </a:rPr>
-              <a:t>Cities with larger populations have lower air quality countries </a:t>
-            </a:r>
-          </a:p>
-          <a:p>
-            <a:pPr lvl="2"/>
-            <a:r>
-              <a:rPr lang="en-US" sz="1200" dirty="0">
+              <a:t>Hypothesis #1: Cities with larger populations have lower air quality</a:t>
+            </a:r>
+          </a:p>
+          <a:p>
+            <a:pPr lvl="3"/>
+            <a:r>
+              <a:rPr lang="en-US" sz="1600" dirty="0">
                 <a:latin typeface="Calibri" panose="020F0502020204030204" pitchFamily="34" charset="0"/>
                 <a:ea typeface="Calibri" panose="020F0502020204030204" pitchFamily="34" charset="0"/>
                 <a:cs typeface="Calibri" panose="020F0502020204030204" pitchFamily="34" charset="0"/>
@@ -4940,34 +4880,56 @@
           <a:p>
             <a:pPr lvl="1"/>
             <a:r>
-              <a:rPr lang="en-US" sz="1200" dirty="0">
+              <a:rPr lang="en-US" sz="1600" dirty="0">
                 <a:latin typeface="Calibri" panose="020F0502020204030204" pitchFamily="34" charset="0"/>
                 <a:ea typeface="Calibri" panose="020F0502020204030204" pitchFamily="34" charset="0"/>
                 <a:cs typeface="Calibri" panose="020F0502020204030204" pitchFamily="34" charset="0"/>
               </a:rPr>
-              <a:t>Track air quality at certain times of the year  </a:t>
-            </a:r>
-          </a:p>
-          <a:p>
-            <a:pPr marR="0" lvl="2"/>
-            <a:r>
-              <a:rPr lang="en-US" sz="1200" dirty="0">
+              <a:t>Hypothesis #2: Verify that the Summer Season has the worst air quality, no matter where you are</a:t>
+            </a:r>
+          </a:p>
+          <a:p>
+            <a:pPr lvl="3"/>
+            <a:r>
+              <a:rPr lang="en-US" sz="1600" dirty="0">
                 <a:latin typeface="Calibri" panose="020F0502020204030204" pitchFamily="34" charset="0"/>
                 <a:ea typeface="Calibri" panose="020F0502020204030204" pitchFamily="34" charset="0"/>
                 <a:cs typeface="Calibri" panose="020F0502020204030204" pitchFamily="34" charset="0"/>
               </a:rPr>
-              <a:t> Verify that Summer Season has the worst air quality, no matter where you are.</a:t>
+              <a:t>We could not definitely verify that Summer Season has the worst air quality.</a:t>
             </a:r>
           </a:p>
           <a:p>
             <a:pPr lvl="1"/>
             <a:r>
-              <a:rPr lang="en-US" sz="1200" dirty="0">
+              <a:rPr lang="en-US" sz="1600" dirty="0">
                 <a:latin typeface="Calibri" panose="020F0502020204030204" pitchFamily="34" charset="0"/>
                 <a:ea typeface="Calibri" panose="020F0502020204030204" pitchFamily="34" charset="0"/>
                 <a:cs typeface="Calibri" panose="020F0502020204030204" pitchFamily="34" charset="0"/>
               </a:rPr>
-              <a:t>We could not use UNIX dates to predict air quality throughout the year </a:t>
+              <a:t>Unresolved Issues due to time restraints: </a:t>
+            </a:r>
+          </a:p>
+          <a:p>
+            <a:pPr lvl="2"/>
+            <a:r>
+              <a:rPr lang="en-US" sz="1600" dirty="0">
+                <a:latin typeface="Calibri" panose="020F0502020204030204" pitchFamily="34" charset="0"/>
+                <a:ea typeface="Calibri" panose="020F0502020204030204" pitchFamily="34" charset="0"/>
+                <a:cs typeface="Calibri" panose="020F0502020204030204" pitchFamily="34" charset="0"/>
+              </a:rPr>
+              <a:t>We could not use UNIX dates to predict air quality throughout the year</a:t>
+            </a:r>
+          </a:p>
+          <a:p>
+            <a:pPr lvl="2"/>
+            <a:r>
+              <a:rPr lang="en-US" sz="1600" dirty="0">
+                <a:latin typeface="Calibri" panose="020F0502020204030204" pitchFamily="34" charset="0"/>
+                <a:ea typeface="Calibri" panose="020F0502020204030204" pitchFamily="34" charset="0"/>
+                <a:cs typeface="Calibri" panose="020F0502020204030204" pitchFamily="34" charset="0"/>
+              </a:rPr>
+              <a:t>Due to the massive size of the input data file and the minute differences in Air Quality, displaying an interactive graphic would be impractical.  </a:t>
             </a:r>
           </a:p>
         </p:txBody>
@@ -4975,97 +4937,7 @@
     </p:spTree>
     <p:extLst>
       <p:ext uri="{BB962C8B-B14F-4D97-AF65-F5344CB8AC3E}">
-        <p14:creationId xmlns:p14="http://schemas.microsoft.com/office/powerpoint/2010/main" val="1246005999"/>
-      </p:ext>
-    </p:extLst>
-  </p:cSld>
-  <p:clrMapOvr>
-    <a:masterClrMapping/>
-  </p:clrMapOvr>
-</p:sld>
-</file>
-
-<file path=ppt/slides/slide17.xml><?xml version="1.0" encoding="utf-8"?>
-<p:sld xmlns:a="http://schemas.openxmlformats.org/drawingml/2006/main" xmlns:r="http://schemas.openxmlformats.org/officeDocument/2006/relationships" xmlns:p="http://schemas.openxmlformats.org/presentationml/2006/main">
-  <p:cSld>
-    <p:spTree>
-      <p:nvGrpSpPr>
-        <p:cNvPr id="1" name=""/>
-        <p:cNvGrpSpPr/>
-        <p:nvPr/>
-      </p:nvGrpSpPr>
-      <p:grpSpPr>
-        <a:xfrm>
-          <a:off x="0" y="0"/>
-          <a:ext cx="0" cy="0"/>
-          <a:chOff x="0" y="0"/>
-          <a:chExt cx="0" cy="0"/>
-        </a:xfrm>
-      </p:grpSpPr>
-      <p:sp>
-        <p:nvSpPr>
-          <p:cNvPr id="2" name="Title 1">
-            <a:extLst>
-              <a:ext uri="{FF2B5EF4-FFF2-40B4-BE49-F238E27FC236}">
-                <a16:creationId xmlns:a16="http://schemas.microsoft.com/office/drawing/2014/main" id="{75AC86D3-8FD1-4F47-A319-7D0542E48B2F}"/>
-              </a:ext>
-            </a:extLst>
-          </p:cNvPr>
-          <p:cNvSpPr>
-            <a:spLocks noGrp="1"/>
-          </p:cNvSpPr>
-          <p:nvPr>
-            <p:ph type="title"/>
-          </p:nvPr>
-        </p:nvSpPr>
-        <p:spPr>
-          <a:xfrm>
-            <a:off x="1097280" y="286603"/>
-            <a:ext cx="10058400" cy="1450757"/>
-          </a:xfrm>
-        </p:spPr>
-        <p:txBody>
-          <a:bodyPr vert="horz" lIns="91440" tIns="45720" rIns="91440" bIns="45720" rtlCol="0">
-            <a:normAutofit/>
-          </a:bodyPr>
-          <a:lstStyle/>
-          <a:p>
-            <a:r>
-              <a:rPr lang="en-US" dirty="0"/>
-              <a:t>Title Lorem Ipsum </a:t>
-            </a:r>
-          </a:p>
-        </p:txBody>
-      </p:sp>
-      <p:sp>
-        <p:nvSpPr>
-          <p:cNvPr id="5" name="Content Placeholder 4">
-            <a:extLst>
-              <a:ext uri="{FF2B5EF4-FFF2-40B4-BE49-F238E27FC236}">
-                <a16:creationId xmlns:a16="http://schemas.microsoft.com/office/drawing/2014/main" id="{73A7EBCF-5494-2CF5-208B-5F6B01D509BF}"/>
-              </a:ext>
-            </a:extLst>
-          </p:cNvPr>
-          <p:cNvSpPr>
-            <a:spLocks noGrp="1"/>
-          </p:cNvSpPr>
-          <p:nvPr>
-            <p:ph idx="1"/>
-          </p:nvPr>
-        </p:nvSpPr>
-        <p:spPr/>
-        <p:txBody>
-          <a:bodyPr/>
-          <a:lstStyle/>
-          <a:p>
-            <a:endParaRPr lang="en-US"/>
-          </a:p>
-        </p:txBody>
-      </p:sp>
-    </p:spTree>
-    <p:extLst>
-      <p:ext uri="{BB962C8B-B14F-4D97-AF65-F5344CB8AC3E}">
-        <p14:creationId xmlns:p14="http://schemas.microsoft.com/office/powerpoint/2010/main" val="3218758480"/>
+        <p14:creationId xmlns:p14="http://schemas.microsoft.com/office/powerpoint/2010/main" val="293809275"/>
       </p:ext>
     </p:extLst>
   </p:cSld>
@@ -6976,47 +6848,229 @@
           <a:p>
             <a:r>
               <a:rPr lang="en-US" dirty="0"/>
-              <a:t>ERD Diagram of Databases </a:t>
-            </a:r>
-          </a:p>
-        </p:txBody>
-      </p:sp>
-      <p:pic>
-        <p:nvPicPr>
-          <p:cNvPr id="3" name="Content Placeholder 2" descr="Graphical user interface, application, Teams&#10;&#10;Description automatically generated">
+              <a:t>Project Database</a:t>
+            </a:r>
+          </a:p>
+        </p:txBody>
+      </p:sp>
+      <p:sp>
+        <p:nvSpPr>
+          <p:cNvPr id="5" name="Content Placeholder 4">
             <a:extLst>
               <a:ext uri="{FF2B5EF4-FFF2-40B4-BE49-F238E27FC236}">
-                <a16:creationId xmlns:a16="http://schemas.microsoft.com/office/drawing/2014/main" id="{1D6B2B4C-EC6F-7601-57AD-3B01D511856D}"/>
+                <a16:creationId xmlns:a16="http://schemas.microsoft.com/office/drawing/2014/main" id="{C4667B24-87F1-2240-50D3-7329CFCD29A3}"/>
               </a:ext>
             </a:extLst>
           </p:cNvPr>
-          <p:cNvPicPr>
-            <a:picLocks noGrp="1" noChangeAspect="1"/>
-          </p:cNvPicPr>
+          <p:cNvSpPr>
+            <a:spLocks noGrp="1"/>
+          </p:cNvSpPr>
           <p:nvPr>
             <p:ph idx="1"/>
           </p:nvPr>
-        </p:nvPicPr>
-        <p:blipFill>
-          <a:blip r:embed="rId2"/>
-          <a:stretch>
-            <a:fillRect/>
-          </a:stretch>
-        </p:blipFill>
-        <p:spPr>
-          <a:xfrm>
-            <a:off x="2486691" y="2108200"/>
-            <a:ext cx="7278944" cy="3760788"/>
-          </a:xfrm>
-          <a:prstGeom prst="rect">
-            <a:avLst/>
-          </a:prstGeom>
-        </p:spPr>
-      </p:pic>
+        </p:nvSpPr>
+        <p:spPr/>
+        <p:txBody>
+          <a:bodyPr>
+            <a:normAutofit fontScale="92500" lnSpcReduction="20000"/>
+          </a:bodyPr>
+          <a:lstStyle/>
+          <a:p>
+            <a:r>
+              <a:rPr lang="en-US" dirty="0"/>
+              <a:t>Using AWS RDS to host the database</a:t>
+            </a:r>
+          </a:p>
+          <a:p>
+            <a:pPr lvl="1"/>
+            <a:r>
+              <a:rPr lang="en-US" dirty="0"/>
+              <a:t>Postgres Database</a:t>
+            </a:r>
+          </a:p>
+          <a:p>
+            <a:pPr lvl="1"/>
+            <a:r>
+              <a:rPr lang="en-US" dirty="0" err="1"/>
+              <a:t>pgAdmin</a:t>
+            </a:r>
+            <a:r>
+              <a:rPr lang="en-US" dirty="0"/>
+              <a:t> to create tables and write queries</a:t>
+            </a:r>
+          </a:p>
+          <a:p>
+            <a:r>
+              <a:rPr lang="en-US" dirty="0"/>
+              <a:t>There are three tables in the database</a:t>
+            </a:r>
+          </a:p>
+          <a:p>
+            <a:pPr lvl="1"/>
+            <a:r>
+              <a:rPr lang="en-US" dirty="0" err="1"/>
+              <a:t>Air_Quality_Lookup</a:t>
+            </a:r>
+            <a:endParaRPr lang="en-US" dirty="0"/>
+          </a:p>
+          <a:p>
+            <a:pPr lvl="2"/>
+            <a:r>
+              <a:rPr lang="en-US" dirty="0"/>
+              <a:t>Description of air quality based on the air quality index</a:t>
+            </a:r>
+          </a:p>
+          <a:p>
+            <a:pPr lvl="1"/>
+            <a:r>
+              <a:rPr lang="en-US" dirty="0" err="1"/>
+              <a:t>Air_Pollution_By_City</a:t>
+            </a:r>
+            <a:endParaRPr lang="en-US" dirty="0"/>
+          </a:p>
+          <a:p>
+            <a:pPr lvl="2"/>
+            <a:r>
+              <a:rPr lang="en-US" dirty="0"/>
+              <a:t>Data pulled using the Open Weather API</a:t>
+            </a:r>
+          </a:p>
+          <a:p>
+            <a:pPr lvl="2"/>
+            <a:r>
+              <a:rPr lang="en-US" dirty="0"/>
+              <a:t>Contains Date, Air Quality Index, </a:t>
+            </a:r>
+            <a:r>
+              <a:rPr lang="en-US" dirty="0" err="1"/>
+              <a:t>City_id</a:t>
+            </a:r>
+            <a:endParaRPr lang="en-US" dirty="0"/>
+          </a:p>
+          <a:p>
+            <a:pPr lvl="2"/>
+            <a:r>
+              <a:rPr lang="en-US" b="0" i="0" dirty="0">
+                <a:solidFill>
+                  <a:srgbClr val="48484A"/>
+                </a:solidFill>
+                <a:effectLst/>
+                <a:latin typeface="Arial" panose="020B0604020202020204" pitchFamily="34" charset="0"/>
+              </a:rPr>
+              <a:t>Carbon monoxide (co), Nitrogen dioxide (no2), Ozone (O</a:t>
+            </a:r>
+            <a:r>
+              <a:rPr lang="en-US" b="0" i="0" baseline="-25000" dirty="0">
+                <a:solidFill>
+                  <a:srgbClr val="48484A"/>
+                </a:solidFill>
+                <a:effectLst/>
+                <a:latin typeface="Arial" panose="020B0604020202020204" pitchFamily="34" charset="0"/>
+              </a:rPr>
+              <a:t>3</a:t>
+            </a:r>
+            <a:r>
+              <a:rPr lang="en-US" b="0" i="0" dirty="0">
+                <a:solidFill>
+                  <a:srgbClr val="48484A"/>
+                </a:solidFill>
+                <a:effectLst/>
+                <a:latin typeface="Arial" panose="020B0604020202020204" pitchFamily="34" charset="0"/>
+              </a:rPr>
+              <a:t>), Sulphur dioxide (so</a:t>
+            </a:r>
+            <a:r>
+              <a:rPr lang="en-US" baseline="-25000" dirty="0">
+                <a:solidFill>
+                  <a:srgbClr val="48484A"/>
+                </a:solidFill>
+                <a:latin typeface="Arial" panose="020B0604020202020204" pitchFamily="34" charset="0"/>
+              </a:rPr>
+              <a:t>2</a:t>
+            </a:r>
+            <a:r>
+              <a:rPr lang="en-US" b="0" i="0" dirty="0">
+                <a:solidFill>
+                  <a:srgbClr val="48484A"/>
+                </a:solidFill>
+                <a:effectLst/>
+                <a:latin typeface="Arial" panose="020B0604020202020204" pitchFamily="34" charset="0"/>
+              </a:rPr>
+              <a:t>), and particulates (PM</a:t>
+            </a:r>
+            <a:r>
+              <a:rPr lang="en-US" b="0" i="0" baseline="-25000" dirty="0">
+                <a:solidFill>
+                  <a:srgbClr val="48484A"/>
+                </a:solidFill>
+                <a:effectLst/>
+                <a:latin typeface="Arial" panose="020B0604020202020204" pitchFamily="34" charset="0"/>
+              </a:rPr>
+              <a:t>2.5</a:t>
+            </a:r>
+            <a:r>
+              <a:rPr lang="en-US" b="0" i="0" dirty="0">
+                <a:solidFill>
+                  <a:srgbClr val="48484A"/>
+                </a:solidFill>
+                <a:effectLst/>
+                <a:latin typeface="Arial" panose="020B0604020202020204" pitchFamily="34" charset="0"/>
+              </a:rPr>
+              <a:t> and PM</a:t>
+            </a:r>
+            <a:r>
+              <a:rPr lang="en-US" b="0" i="0" baseline="-25000" dirty="0">
+                <a:solidFill>
+                  <a:srgbClr val="48484A"/>
+                </a:solidFill>
+                <a:effectLst/>
+                <a:latin typeface="Arial" panose="020B0604020202020204" pitchFamily="34" charset="0"/>
+              </a:rPr>
+              <a:t>10</a:t>
+            </a:r>
+            <a:r>
+              <a:rPr lang="en-US" b="0" i="0" dirty="0">
+                <a:solidFill>
+                  <a:srgbClr val="48484A"/>
+                </a:solidFill>
+                <a:effectLst/>
+                <a:latin typeface="Arial" panose="020B0604020202020204" pitchFamily="34" charset="0"/>
+              </a:rPr>
+              <a:t>)</a:t>
+            </a:r>
+            <a:endParaRPr lang="en-US" dirty="0"/>
+          </a:p>
+          <a:p>
+            <a:pPr lvl="1"/>
+            <a:r>
+              <a:rPr lang="en-US" dirty="0"/>
+              <a:t>City</a:t>
+            </a:r>
+          </a:p>
+          <a:p>
+            <a:pPr lvl="2"/>
+            <a:r>
+              <a:rPr lang="en-US" dirty="0"/>
+              <a:t>100 cities from Kaggle. </a:t>
+            </a:r>
+          </a:p>
+          <a:p>
+            <a:pPr lvl="2"/>
+            <a:r>
+              <a:rPr lang="en-US" dirty="0"/>
+              <a:t>Contains City, Population, Latitude, Longitude</a:t>
+            </a:r>
+          </a:p>
+          <a:p>
+            <a:pPr lvl="2"/>
+            <a:endParaRPr lang="en-US" dirty="0"/>
+          </a:p>
+        </p:txBody>
+      </p:sp>
     </p:spTree>
     <p:extLst>
       <p:ext uri="{BB962C8B-B14F-4D97-AF65-F5344CB8AC3E}">
-        <p14:creationId xmlns:p14="http://schemas.microsoft.com/office/powerpoint/2010/main" val="2774795059"/>
+        <p14:creationId xmlns:p14="http://schemas.microsoft.com/office/powerpoint/2010/main" val="2652039864"/>
       </p:ext>
     </p:extLst>
   </p:cSld>
@@ -7073,229 +7127,44 @@
           <a:p>
             <a:r>
               <a:rPr lang="en-US" dirty="0"/>
-              <a:t>Project Database</a:t>
-            </a:r>
-          </a:p>
-        </p:txBody>
-      </p:sp>
-      <p:sp>
-        <p:nvSpPr>
-          <p:cNvPr id="5" name="Content Placeholder 4">
+              <a:t>City Table</a:t>
+            </a:r>
+          </a:p>
+        </p:txBody>
+      </p:sp>
+      <p:pic>
+        <p:nvPicPr>
+          <p:cNvPr id="6" name="Content Placeholder 5" descr="Table&#10;&#10;Description automatically generated">
             <a:extLst>
               <a:ext uri="{FF2B5EF4-FFF2-40B4-BE49-F238E27FC236}">
-                <a16:creationId xmlns:a16="http://schemas.microsoft.com/office/drawing/2014/main" id="{C4667B24-87F1-2240-50D3-7329CFCD29A3}"/>
+                <a16:creationId xmlns:a16="http://schemas.microsoft.com/office/drawing/2014/main" id="{4C5F2816-71EC-1E1D-BE2D-60A539D38214}"/>
               </a:ext>
             </a:extLst>
           </p:cNvPr>
-          <p:cNvSpPr>
-            <a:spLocks noGrp="1"/>
-          </p:cNvSpPr>
+          <p:cNvPicPr>
+            <a:picLocks noGrp="1" noChangeAspect="1"/>
+          </p:cNvPicPr>
           <p:nvPr>
             <p:ph idx="1"/>
           </p:nvPr>
-        </p:nvSpPr>
-        <p:spPr/>
-        <p:txBody>
-          <a:bodyPr>
-            <a:normAutofit fontScale="92500" lnSpcReduction="20000"/>
-          </a:bodyPr>
-          <a:lstStyle/>
-          <a:p>
-            <a:r>
-              <a:rPr lang="en-US" dirty="0"/>
-              <a:t>Using AWS RDS to host the database</a:t>
-            </a:r>
-          </a:p>
-          <a:p>
-            <a:pPr lvl="1"/>
-            <a:r>
-              <a:rPr lang="en-US" dirty="0"/>
-              <a:t>Postgres Database</a:t>
-            </a:r>
-          </a:p>
-          <a:p>
-            <a:pPr lvl="1"/>
-            <a:r>
-              <a:rPr lang="en-US" dirty="0" err="1"/>
-              <a:t>pgAdmin</a:t>
-            </a:r>
-            <a:r>
-              <a:rPr lang="en-US" dirty="0"/>
-              <a:t> to create tables and write queries</a:t>
-            </a:r>
-          </a:p>
-          <a:p>
-            <a:r>
-              <a:rPr lang="en-US" dirty="0"/>
-              <a:t>There are three tables in the database</a:t>
-            </a:r>
-          </a:p>
-          <a:p>
-            <a:pPr lvl="1"/>
-            <a:r>
-              <a:rPr lang="en-US" dirty="0" err="1"/>
-              <a:t>Air_Quality_Lookup</a:t>
-            </a:r>
-            <a:endParaRPr lang="en-US" dirty="0"/>
-          </a:p>
-          <a:p>
-            <a:pPr lvl="2"/>
-            <a:r>
-              <a:rPr lang="en-US" dirty="0"/>
-              <a:t>Description of air quality based on the air quality index</a:t>
-            </a:r>
-          </a:p>
-          <a:p>
-            <a:pPr lvl="1"/>
-            <a:r>
-              <a:rPr lang="en-US" dirty="0" err="1"/>
-              <a:t>Air_Pollution_By_City</a:t>
-            </a:r>
-            <a:endParaRPr lang="en-US" dirty="0"/>
-          </a:p>
-          <a:p>
-            <a:pPr lvl="2"/>
-            <a:r>
-              <a:rPr lang="en-US" dirty="0"/>
-              <a:t>Data pulled using the Open Weather API</a:t>
-            </a:r>
-          </a:p>
-          <a:p>
-            <a:pPr lvl="2"/>
-            <a:r>
-              <a:rPr lang="en-US" dirty="0"/>
-              <a:t>Contains Date, Air Quality Index, </a:t>
-            </a:r>
-            <a:r>
-              <a:rPr lang="en-US" dirty="0" err="1"/>
-              <a:t>City_id</a:t>
-            </a:r>
-            <a:endParaRPr lang="en-US" dirty="0"/>
-          </a:p>
-          <a:p>
-            <a:pPr lvl="2"/>
-            <a:r>
-              <a:rPr lang="en-US" b="0" i="0" dirty="0">
-                <a:solidFill>
-                  <a:srgbClr val="48484A"/>
-                </a:solidFill>
-                <a:effectLst/>
-                <a:latin typeface="Arial" panose="020B0604020202020204" pitchFamily="34" charset="0"/>
-              </a:rPr>
-              <a:t>Carbon monoxide (co), Nitrogen dioxide (no2), Ozone (O</a:t>
-            </a:r>
-            <a:r>
-              <a:rPr lang="en-US" b="0" i="0" baseline="-25000" dirty="0">
-                <a:solidFill>
-                  <a:srgbClr val="48484A"/>
-                </a:solidFill>
-                <a:effectLst/>
-                <a:latin typeface="Arial" panose="020B0604020202020204" pitchFamily="34" charset="0"/>
-              </a:rPr>
-              <a:t>3</a:t>
-            </a:r>
-            <a:r>
-              <a:rPr lang="en-US" b="0" i="0" dirty="0">
-                <a:solidFill>
-                  <a:srgbClr val="48484A"/>
-                </a:solidFill>
-                <a:effectLst/>
-                <a:latin typeface="Arial" panose="020B0604020202020204" pitchFamily="34" charset="0"/>
-              </a:rPr>
-              <a:t>), Sulphur dioxide (so</a:t>
-            </a:r>
-            <a:r>
-              <a:rPr lang="en-US" baseline="-25000" dirty="0">
-                <a:solidFill>
-                  <a:srgbClr val="48484A"/>
-                </a:solidFill>
-                <a:latin typeface="Arial" panose="020B0604020202020204" pitchFamily="34" charset="0"/>
-              </a:rPr>
-              <a:t>2</a:t>
-            </a:r>
-            <a:r>
-              <a:rPr lang="en-US" b="0" i="0" dirty="0">
-                <a:solidFill>
-                  <a:srgbClr val="48484A"/>
-                </a:solidFill>
-                <a:effectLst/>
-                <a:latin typeface="Arial" panose="020B0604020202020204" pitchFamily="34" charset="0"/>
-              </a:rPr>
-              <a:t>), and particulates (PM</a:t>
-            </a:r>
-            <a:r>
-              <a:rPr lang="en-US" b="0" i="0" baseline="-25000" dirty="0">
-                <a:solidFill>
-                  <a:srgbClr val="48484A"/>
-                </a:solidFill>
-                <a:effectLst/>
-                <a:latin typeface="Arial" panose="020B0604020202020204" pitchFamily="34" charset="0"/>
-              </a:rPr>
-              <a:t>2.5</a:t>
-            </a:r>
-            <a:r>
-              <a:rPr lang="en-US" b="0" i="0" dirty="0">
-                <a:solidFill>
-                  <a:srgbClr val="48484A"/>
-                </a:solidFill>
-                <a:effectLst/>
-                <a:latin typeface="Arial" panose="020B0604020202020204" pitchFamily="34" charset="0"/>
-              </a:rPr>
-              <a:t> and PM</a:t>
-            </a:r>
-            <a:r>
-              <a:rPr lang="en-US" b="0" i="0" baseline="-25000" dirty="0">
-                <a:solidFill>
-                  <a:srgbClr val="48484A"/>
-                </a:solidFill>
-                <a:effectLst/>
-                <a:latin typeface="Arial" panose="020B0604020202020204" pitchFamily="34" charset="0"/>
-              </a:rPr>
-              <a:t>10</a:t>
-            </a:r>
-            <a:r>
-              <a:rPr lang="en-US" b="0" i="0" dirty="0">
-                <a:solidFill>
-                  <a:srgbClr val="48484A"/>
-                </a:solidFill>
-                <a:effectLst/>
-                <a:latin typeface="Arial" panose="020B0604020202020204" pitchFamily="34" charset="0"/>
-              </a:rPr>
-              <a:t>)</a:t>
-            </a:r>
-            <a:endParaRPr lang="en-US" dirty="0"/>
-          </a:p>
-          <a:p>
-            <a:pPr lvl="1"/>
-            <a:r>
-              <a:rPr lang="en-US" dirty="0"/>
-              <a:t>City</a:t>
-            </a:r>
-          </a:p>
-          <a:p>
-            <a:pPr lvl="2"/>
-            <a:r>
-              <a:rPr lang="en-US" dirty="0"/>
-              <a:t>100 cities from Kaggle. </a:t>
-            </a:r>
-          </a:p>
-          <a:p>
-            <a:pPr lvl="2"/>
-            <a:r>
-              <a:rPr lang="en-US" dirty="0"/>
-              <a:t>Contains City, Population, Latitude, Longitude</a:t>
-            </a:r>
-          </a:p>
-          <a:p>
-            <a:pPr lvl="2"/>
-            <a:endParaRPr lang="en-US" dirty="0"/>
-          </a:p>
-        </p:txBody>
-      </p:sp>
+        </p:nvPicPr>
+        <p:blipFill>
+          <a:blip r:embed="rId2"/>
+          <a:stretch>
+            <a:fillRect/>
+          </a:stretch>
+        </p:blipFill>
+        <p:spPr>
+          <a:xfrm>
+            <a:off x="1112520" y="1952752"/>
+            <a:ext cx="5336454" cy="3760788"/>
+          </a:xfrm>
+        </p:spPr>
+      </p:pic>
     </p:spTree>
     <p:extLst>
       <p:ext uri="{BB962C8B-B14F-4D97-AF65-F5344CB8AC3E}">
-        <p14:creationId xmlns:p14="http://schemas.microsoft.com/office/powerpoint/2010/main" val="2652039864"/>
+        <p14:creationId xmlns:p14="http://schemas.microsoft.com/office/powerpoint/2010/main" val="1945685663"/>
       </p:ext>
     </p:extLst>
   </p:cSld>
@@ -7352,17 +7221,17 @@
           <a:p>
             <a:r>
               <a:rPr lang="en-US" dirty="0"/>
-              <a:t>City Table</a:t>
+              <a:t>Air Pollution by City Table</a:t>
             </a:r>
           </a:p>
         </p:txBody>
       </p:sp>
       <p:pic>
         <p:nvPicPr>
-          <p:cNvPr id="6" name="Content Placeholder 5" descr="Table&#10;&#10;Description automatically generated">
+          <p:cNvPr id="11" name="Content Placeholder 10" descr="Table&#10;&#10;Description automatically generated">
             <a:extLst>
               <a:ext uri="{FF2B5EF4-FFF2-40B4-BE49-F238E27FC236}">
-                <a16:creationId xmlns:a16="http://schemas.microsoft.com/office/drawing/2014/main" id="{4C5F2816-71EC-1E1D-BE2D-60A539D38214}"/>
+                <a16:creationId xmlns:a16="http://schemas.microsoft.com/office/drawing/2014/main" id="{A82E8A4B-4A28-E57D-1A8A-A83D58E5D76B}"/>
               </a:ext>
             </a:extLst>
           </p:cNvPr>
@@ -7381,15 +7250,15 @@
         </p:blipFill>
         <p:spPr>
           <a:xfrm>
-            <a:off x="1112520" y="1952752"/>
-            <a:ext cx="5336454" cy="3760788"/>
+            <a:off x="1213523" y="2071624"/>
+            <a:ext cx="7100367" cy="3760788"/>
           </a:xfrm>
         </p:spPr>
       </p:pic>
     </p:spTree>
     <p:extLst>
       <p:ext uri="{BB962C8B-B14F-4D97-AF65-F5344CB8AC3E}">
-        <p14:creationId xmlns:p14="http://schemas.microsoft.com/office/powerpoint/2010/main" val="1945685663"/>
+        <p14:creationId xmlns:p14="http://schemas.microsoft.com/office/powerpoint/2010/main" val="2735542354"/>
       </p:ext>
     </p:extLst>
   </p:cSld>
@@ -7769,24 +7638,6 @@
 </file>
 
 <file path=customXml/item1.xml><?xml version="1.0" encoding="utf-8"?>
-<p:properties xmlns:p="http://schemas.microsoft.com/office/2006/metadata/properties" xmlns:xsi="http://www.w3.org/2001/XMLSchema-instance" xmlns:pc="http://schemas.microsoft.com/office/infopath/2007/PartnerControls">
-  <documentManagement>
-    <Status xmlns="71af3243-3dd4-4a8d-8c0d-dd76da1f02a5">Not started</Status>
-    <MediaServiceKeyPoints xmlns="71af3243-3dd4-4a8d-8c0d-dd76da1f02a5" xsi:nil="true"/>
-  </documentManagement>
-</p:properties>
-</file>
-
-<file path=customXml/item2.xml><?xml version="1.0" encoding="utf-8"?>
-<?mso-contentType ?>
-<FormTemplates xmlns="http://schemas.microsoft.com/sharepoint/v3/contenttype/forms">
-  <Display>DocumentLibraryForm</Display>
-  <Edit>DocumentLibraryForm</Edit>
-  <New>DocumentLibraryForm</New>
-</FormTemplates>
-</file>
-
-<file path=customXml/item3.xml><?xml version="1.0" encoding="utf-8"?>
 <ct:contentTypeSchema xmlns:ct="http://schemas.microsoft.com/office/2006/metadata/contentType" xmlns:ma="http://schemas.microsoft.com/office/2006/metadata/properties/metaAttributes" ct:_="" ma:_="" ma:contentTypeName="Document" ma:contentTypeID="0x01010079F111ED35F8CC479449609E8A0923A6" ma:contentTypeVersion="12" ma:contentTypeDescription="Create a new document." ma:contentTypeScope="" ma:versionID="a410dd7f93c95333ffa1b60ed6adedd1">
   <xsd:schema xmlns:xsd="http://www.w3.org/2001/XMLSchema" xmlns:xs="http://www.w3.org/2001/XMLSchema" xmlns:p="http://schemas.microsoft.com/office/2006/metadata/properties" xmlns:ns2="71af3243-3dd4-4a8d-8c0d-dd76da1f02a5" xmlns:ns3="16c05727-aa75-4e4a-9b5f-8a80a1165891" targetNamespace="http://schemas.microsoft.com/office/2006/metadata/properties" ma:root="true" ma:fieldsID="a936d9baba76aa3866493feff160faab" ns2:_="" ns3:_="">
     <xsd:import namespace="71af3243-3dd4-4a8d-8c0d-dd76da1f02a5"/>
@@ -8007,25 +7858,25 @@
 </ct:contentTypeSchema>
 </file>
 
-<file path=customXml/itemProps1.xml><?xml version="1.0" encoding="utf-8"?>
-<ds:datastoreItem xmlns:ds="http://schemas.openxmlformats.org/officeDocument/2006/customXml" ds:itemID="{A03EEFF0-FB57-4CB4-8BFC-DF397689E2ED}">
-  <ds:schemaRefs>
-    <ds:schemaRef ds:uri="http://schemas.microsoft.com/office/2006/metadata/properties"/>
-    <ds:schemaRef ds:uri="http://schemas.microsoft.com/office/infopath/2007/PartnerControls"/>
-    <ds:schemaRef ds:uri="71af3243-3dd4-4a8d-8c0d-dd76da1f02a5"/>
-  </ds:schemaRefs>
-</ds:datastoreItem>
+<file path=customXml/item2.xml><?xml version="1.0" encoding="utf-8"?>
+<p:properties xmlns:p="http://schemas.microsoft.com/office/2006/metadata/properties" xmlns:xsi="http://www.w3.org/2001/XMLSchema-instance" xmlns:pc="http://schemas.microsoft.com/office/infopath/2007/PartnerControls">
+  <documentManagement>
+    <Status xmlns="71af3243-3dd4-4a8d-8c0d-dd76da1f02a5">Not started</Status>
+    <MediaServiceKeyPoints xmlns="71af3243-3dd4-4a8d-8c0d-dd76da1f02a5" xsi:nil="true"/>
+  </documentManagement>
+</p:properties>
 </file>
 
-<file path=customXml/itemProps2.xml><?xml version="1.0" encoding="utf-8"?>
-<ds:datastoreItem xmlns:ds="http://schemas.openxmlformats.org/officeDocument/2006/customXml" ds:itemID="{AA3F7EDC-E5B4-4BBC-9D2A-CBE6D46C37AD}">
-  <ds:schemaRefs>
-    <ds:schemaRef ds:uri="http://schemas.microsoft.com/sharepoint/v3/contenttype/forms"/>
-  </ds:schemaRefs>
-</ds:datastoreItem>
+<file path=customXml/item3.xml><?xml version="1.0" encoding="utf-8"?>
+<?mso-contentType ?>
+<FormTemplates xmlns="http://schemas.microsoft.com/sharepoint/v3/contenttype/forms">
+  <Display>DocumentLibraryForm</Display>
+  <Edit>DocumentLibraryForm</Edit>
+  <New>DocumentLibraryForm</New>
+</FormTemplates>
 </file>
 
-<file path=customXml/itemProps3.xml><?xml version="1.0" encoding="utf-8"?>
+<file path=customXml/itemProps1.xml><?xml version="1.0" encoding="utf-8"?>
 <ds:datastoreItem xmlns:ds="http://schemas.openxmlformats.org/officeDocument/2006/customXml" ds:itemID="{93932EF5-314F-409E-8020-FEE5FA0795B9}">
   <ds:schemaRefs>
     <ds:schemaRef ds:uri="http://schemas.microsoft.com/office/2006/metadata/contentType"/>
@@ -8042,4 +7893,29 @@
     <ds:schemaRef ds:uri="http://schemas.microsoft.com/internal/obd"/>
   </ds:schemaRefs>
 </ds:datastoreItem>
+</file>
+
+<file path=customXml/itemProps2.xml><?xml version="1.0" encoding="utf-8"?>
+<ds:datastoreItem xmlns:ds="http://schemas.openxmlformats.org/officeDocument/2006/customXml" ds:itemID="{A03EEFF0-FB57-4CB4-8BFC-DF397689E2ED}">
+  <ds:schemaRefs>
+    <ds:schemaRef ds:uri="http://schemas.microsoft.com/office/2006/documentManagement/types"/>
+    <ds:schemaRef ds:uri="http://schemas.microsoft.com/office/infopath/2007/PartnerControls"/>
+    <ds:schemaRef ds:uri="http://schemas.openxmlformats.org/package/2006/metadata/core-properties"/>
+    <ds:schemaRef ds:uri="http://schemas.microsoft.com/office/2006/metadata/properties"/>
+    <ds:schemaRef ds:uri="16c05727-aa75-4e4a-9b5f-8a80a1165891"/>
+    <ds:schemaRef ds:uri="http://purl.org/dc/elements/1.1/"/>
+    <ds:schemaRef ds:uri="71af3243-3dd4-4a8d-8c0d-dd76da1f02a5"/>
+    <ds:schemaRef ds:uri="http://www.w3.org/XML/1998/namespace"/>
+    <ds:schemaRef ds:uri="http://purl.org/dc/dcmitype/"/>
+    <ds:schemaRef ds:uri="http://purl.org/dc/terms/"/>
+  </ds:schemaRefs>
+</ds:datastoreItem>
+</file>
+
+<file path=customXml/itemProps3.xml><?xml version="1.0" encoding="utf-8"?>
+<ds:datastoreItem xmlns:ds="http://schemas.openxmlformats.org/officeDocument/2006/customXml" ds:itemID="{AA3F7EDC-E5B4-4BBC-9D2A-CBE6D46C37AD}">
+  <ds:schemaRefs>
+    <ds:schemaRef ds:uri="http://schemas.microsoft.com/sharepoint/v3/contenttype/forms"/>
+  </ds:schemaRefs>
+</ds:datastoreItem>
 </file>
--- a/C-Group v3_Final.pptx
+++ b/C-Group v3_Final.pptx
@@ -7,20 +7,19 @@
   <p:sldIdLst>
     <p:sldId id="298" r:id="rId5"/>
     <p:sldId id="300" r:id="rId6"/>
-    <p:sldId id="310" r:id="rId7"/>
-    <p:sldId id="301" r:id="rId8"/>
-    <p:sldId id="307" r:id="rId9"/>
-    <p:sldId id="305" r:id="rId10"/>
-    <p:sldId id="306" r:id="rId11"/>
-    <p:sldId id="303" r:id="rId12"/>
-    <p:sldId id="308" r:id="rId13"/>
-    <p:sldId id="317" r:id="rId14"/>
-    <p:sldId id="318" r:id="rId15"/>
-    <p:sldId id="311" r:id="rId16"/>
-    <p:sldId id="312" r:id="rId17"/>
-    <p:sldId id="313" r:id="rId18"/>
-    <p:sldId id="319" r:id="rId19"/>
-    <p:sldId id="320" r:id="rId20"/>
+    <p:sldId id="301" r:id="rId7"/>
+    <p:sldId id="307" r:id="rId8"/>
+    <p:sldId id="305" r:id="rId9"/>
+    <p:sldId id="306" r:id="rId10"/>
+    <p:sldId id="303" r:id="rId11"/>
+    <p:sldId id="308" r:id="rId12"/>
+    <p:sldId id="317" r:id="rId13"/>
+    <p:sldId id="318" r:id="rId14"/>
+    <p:sldId id="311" r:id="rId15"/>
+    <p:sldId id="312" r:id="rId16"/>
+    <p:sldId id="313" r:id="rId17"/>
+    <p:sldId id="319" r:id="rId18"/>
+    <p:sldId id="320" r:id="rId19"/>
   </p:sldIdLst>
   <p:sldSz cx="12192000" cy="6858000"/>
   <p:notesSz cx="7077075" cy="9363075"/>
@@ -127,12 +126,56 @@
 </p:presentation>
 </file>
 
-<file path=ppt/revisionInfo.xml><?xml version="1.0" encoding="utf-8"?>
-<p1510:revInfo xmlns:a="http://schemas.openxmlformats.org/drawingml/2006/main" xmlns:r="http://schemas.openxmlformats.org/officeDocument/2006/relationships" xmlns:p1510="http://schemas.microsoft.com/office/powerpoint/2015/10/main">
-  <p1510:revLst>
-    <p1510:client id="{822C966B-C667-4003-8373-37D4D19E0693}" v="8" dt="2023-04-12T01:12:07.249"/>
-  </p1510:revLst>
-</p1510:revInfo>
+<file path=ppt/changesInfos/changesInfo1.xml><?xml version="1.0" encoding="utf-8"?>
+<pc:chgInfo xmlns:a="http://schemas.openxmlformats.org/drawingml/2006/main" xmlns:r="http://schemas.openxmlformats.org/officeDocument/2006/relationships" xmlns:ac="http://schemas.microsoft.com/office/drawing/2013/main/command" xmlns:pc="http://schemas.microsoft.com/office/powerpoint/2013/main/command">
+  <pc:docChgLst>
+    <pc:chgData name="lou foster" userId="6aa2d2fb6fd751e9" providerId="LiveId" clId="{579A2A14-95EF-4D26-8684-525A5F096508}"/>
+    <pc:docChg chg="undo custSel delSld modSld">
+      <pc:chgData name="lou foster" userId="6aa2d2fb6fd751e9" providerId="LiveId" clId="{579A2A14-95EF-4D26-8684-525A5F096508}" dt="2023-04-20T22:40:37.143" v="37" actId="2696"/>
+      <pc:docMkLst>
+        <pc:docMk/>
+      </pc:docMkLst>
+      <pc:sldChg chg="modSp mod">
+        <pc:chgData name="lou foster" userId="6aa2d2fb6fd751e9" providerId="LiveId" clId="{579A2A14-95EF-4D26-8684-525A5F096508}" dt="2023-04-20T22:40:32.073" v="36" actId="20577"/>
+        <pc:sldMkLst>
+          <pc:docMk/>
+          <pc:sldMk cId="2061880236" sldId="301"/>
+        </pc:sldMkLst>
+        <pc:spChg chg="mod">
+          <ac:chgData name="lou foster" userId="6aa2d2fb6fd751e9" providerId="LiveId" clId="{579A2A14-95EF-4D26-8684-525A5F096508}" dt="2023-04-20T22:39:52.788" v="13" actId="21"/>
+          <ac:spMkLst>
+            <pc:docMk/>
+            <pc:sldMk cId="2061880236" sldId="301"/>
+            <ac:spMk id="2" creationId="{75AC86D3-8FD1-4F47-A319-7D0542E48B2F}"/>
+          </ac:spMkLst>
+        </pc:spChg>
+        <pc:spChg chg="mod">
+          <ac:chgData name="lou foster" userId="6aa2d2fb6fd751e9" providerId="LiveId" clId="{579A2A14-95EF-4D26-8684-525A5F096508}" dt="2023-04-20T22:40:32.073" v="36" actId="20577"/>
+          <ac:spMkLst>
+            <pc:docMk/>
+            <pc:sldMk cId="2061880236" sldId="301"/>
+            <ac:spMk id="5" creationId="{73A7EBCF-5494-2CF5-208B-5F6B01D509BF}"/>
+          </ac:spMkLst>
+        </pc:spChg>
+      </pc:sldChg>
+      <pc:sldChg chg="modSp del mod">
+        <pc:chgData name="lou foster" userId="6aa2d2fb6fd751e9" providerId="LiveId" clId="{579A2A14-95EF-4D26-8684-525A5F096508}" dt="2023-04-20T22:40:37.143" v="37" actId="2696"/>
+        <pc:sldMkLst>
+          <pc:docMk/>
+          <pc:sldMk cId="1741959004" sldId="310"/>
+        </pc:sldMkLst>
+        <pc:spChg chg="mod">
+          <ac:chgData name="lou foster" userId="6aa2d2fb6fd751e9" providerId="LiveId" clId="{579A2A14-95EF-4D26-8684-525A5F096508}" dt="2023-04-20T22:37:06.075" v="10"/>
+          <ac:spMkLst>
+            <pc:docMk/>
+            <pc:sldMk cId="1741959004" sldId="310"/>
+            <ac:spMk id="2" creationId="{75AC86D3-8FD1-4F47-A319-7D0542E48B2F}"/>
+          </ac:spMkLst>
+        </pc:spChg>
+      </pc:sldChg>
+    </pc:docChg>
+  </pc:docChgLst>
+</pc:chgInfo>
 </file>
 
 <file path=ppt/slideLayouts/slideLayout1.xml><?xml version="1.0" encoding="utf-8"?>
@@ -379,7 +422,7 @@
           <a:p>
             <a:fld id="{9184DA70-C731-4C70-880D-CCD4705E623C}" type="datetime1">
               <a:rPr lang="en-US" smtClean="0"/>
-              <a:t>4/19/2023</a:t>
+              <a:t>4/20/2023</a:t>
             </a:fld>
             <a:endParaRPr lang="en-US" dirty="0"/>
           </a:p>
@@ -567,7 +610,7 @@
           <a:p>
             <a:fld id="{4BE1D723-8F53-4F53-90B0-1982A396982E}" type="datetime1">
               <a:rPr lang="en-US" smtClean="0"/>
-              <a:t>4/19/2023</a:t>
+              <a:t>4/20/2023</a:t>
             </a:fld>
             <a:endParaRPr lang="en-US" dirty="0"/>
           </a:p>
@@ -940,7 +983,7 @@
           <a:p>
             <a:fld id="{97669AF7-7BEB-44E4-9852-375E34362B5B}" type="datetime1">
               <a:rPr lang="en-US" smtClean="0"/>
-              <a:t>4/19/2023</a:t>
+              <a:t>4/20/2023</a:t>
             </a:fld>
             <a:endParaRPr lang="en-US" dirty="0"/>
           </a:p>
@@ -1195,7 +1238,7 @@
           <a:p>
             <a:fld id="{BAAAC38D-0552-4C82-B593-E6124DFADBE2}" type="datetime1">
               <a:rPr lang="en-US" smtClean="0"/>
-              <a:t>4/19/2023</a:t>
+              <a:t>4/20/2023</a:t>
             </a:fld>
             <a:endParaRPr lang="en-US" dirty="0"/>
           </a:p>
@@ -1592,7 +1635,7 @@
           <a:p>
             <a:fld id="{D9DF0F1C-5577-4ACB-BB62-DF8F3C494C7E}" type="datetime1">
               <a:rPr lang="en-US" smtClean="0"/>
-              <a:t>4/19/2023</a:t>
+              <a:t>4/20/2023</a:t>
             </a:fld>
             <a:endParaRPr lang="en-US" dirty="0"/>
           </a:p>
@@ -1728,7 +1771,7 @@
           <a:p>
             <a:fld id="{1775B394-D9F9-4F0C-B15D-605F45CB9E9F}" type="datetime1">
               <a:rPr lang="en-US" smtClean="0"/>
-              <a:t>4/19/2023</a:t>
+              <a:t>4/20/2023</a:t>
             </a:fld>
             <a:endParaRPr lang="en-US" dirty="0"/>
           </a:p>
@@ -1885,7 +1928,7 @@
           <a:p>
             <a:fld id="{39667345-2558-425A-8533-9BFDBCE15005}" type="datetime1">
               <a:rPr lang="en-US" smtClean="0"/>
-              <a:t>4/19/2023</a:t>
+              <a:t>4/20/2023</a:t>
             </a:fld>
             <a:endParaRPr lang="en-US" dirty="0"/>
           </a:p>
@@ -2214,7 +2257,7 @@
           <a:p>
             <a:fld id="{92BEA474-078D-4E9B-9B14-09A87B19DC46}" type="datetime1">
               <a:rPr lang="en-US" smtClean="0"/>
-              <a:t>4/19/2023</a:t>
+              <a:t>4/20/2023</a:t>
             </a:fld>
             <a:endParaRPr lang="en-US" dirty="0"/>
           </a:p>
@@ -2564,7 +2607,7 @@
           <a:p>
             <a:fld id="{4907D986-8816-4272-A432-0437A28A9828}" type="datetime1">
               <a:rPr lang="en-US" smtClean="0"/>
-              <a:t>4/19/2023</a:t>
+              <a:t>4/20/2023</a:t>
             </a:fld>
             <a:endParaRPr lang="en-US" dirty="0"/>
           </a:p>
@@ -2825,7 +2868,7 @@
           <a:p>
             <a:fld id="{62D6E202-B606-4609-B914-27C9371A1F6D}" type="datetime1">
               <a:rPr lang="en-US" smtClean="0"/>
-              <a:t>4/19/2023</a:t>
+              <a:t>4/20/2023</a:t>
             </a:fld>
             <a:endParaRPr lang="en-US" dirty="0"/>
           </a:p>
@@ -3799,93 +3842,6 @@
           <p:cNvPr id="2" name="Title 1">
             <a:extLst>
               <a:ext uri="{FF2B5EF4-FFF2-40B4-BE49-F238E27FC236}">
-                <a16:creationId xmlns:a16="http://schemas.microsoft.com/office/drawing/2014/main" id="{5D359F55-A55E-214C-21A3-EC9A98063960}"/>
-              </a:ext>
-            </a:extLst>
-          </p:cNvPr>
-          <p:cNvSpPr>
-            <a:spLocks noGrp="1"/>
-          </p:cNvSpPr>
-          <p:nvPr>
-            <p:ph type="title"/>
-          </p:nvPr>
-        </p:nvSpPr>
-        <p:spPr/>
-        <p:txBody>
-          <a:bodyPr/>
-          <a:lstStyle/>
-          <a:p>
-            <a:r>
-              <a:rPr lang="en-US" dirty="0"/>
-              <a:t>Air Quality Look Up</a:t>
-            </a:r>
-          </a:p>
-        </p:txBody>
-      </p:sp>
-      <p:pic>
-        <p:nvPicPr>
-          <p:cNvPr id="5" name="Content Placeholder 4" descr="Table&#10;&#10;Description automatically generated">
-            <a:extLst>
-              <a:ext uri="{FF2B5EF4-FFF2-40B4-BE49-F238E27FC236}">
-                <a16:creationId xmlns:a16="http://schemas.microsoft.com/office/drawing/2014/main" id="{485F1198-B3F3-CEE3-2F8B-9BC3F46AC6CC}"/>
-              </a:ext>
-            </a:extLst>
-          </p:cNvPr>
-          <p:cNvPicPr>
-            <a:picLocks noGrp="1" noChangeAspect="1"/>
-          </p:cNvPicPr>
-          <p:nvPr>
-            <p:ph idx="1"/>
-          </p:nvPr>
-        </p:nvPicPr>
-        <p:blipFill>
-          <a:blip r:embed="rId2"/>
-          <a:stretch>
-            <a:fillRect/>
-          </a:stretch>
-        </p:blipFill>
-        <p:spPr>
-          <a:xfrm>
-            <a:off x="1170153" y="2044192"/>
-            <a:ext cx="5596052" cy="3760788"/>
-          </a:xfrm>
-        </p:spPr>
-      </p:pic>
-    </p:spTree>
-    <p:extLst>
-      <p:ext uri="{BB962C8B-B14F-4D97-AF65-F5344CB8AC3E}">
-        <p14:creationId xmlns:p14="http://schemas.microsoft.com/office/powerpoint/2010/main" val="2515695766"/>
-      </p:ext>
-    </p:extLst>
-  </p:cSld>
-  <p:clrMapOvr>
-    <a:masterClrMapping/>
-  </p:clrMapOvr>
-</p:sld>
-</file>
-
-<file path=ppt/slides/slide11.xml><?xml version="1.0" encoding="utf-8"?>
-<p:sld xmlns:a="http://schemas.openxmlformats.org/drawingml/2006/main" xmlns:r="http://schemas.openxmlformats.org/officeDocument/2006/relationships" xmlns:p="http://schemas.openxmlformats.org/presentationml/2006/main">
-  <p:cSld>
-    <p:spTree>
-      <p:nvGrpSpPr>
-        <p:cNvPr id="1" name=""/>
-        <p:cNvGrpSpPr/>
-        <p:nvPr/>
-      </p:nvGrpSpPr>
-      <p:grpSpPr>
-        <a:xfrm>
-          <a:off x="0" y="0"/>
-          <a:ext cx="0" cy="0"/>
-          <a:chOff x="0" y="0"/>
-          <a:chExt cx="0" cy="0"/>
-        </a:xfrm>
-      </p:grpSpPr>
-      <p:sp>
-        <p:nvSpPr>
-          <p:cNvPr id="2" name="Title 1">
-            <a:extLst>
-              <a:ext uri="{FF2B5EF4-FFF2-40B4-BE49-F238E27FC236}">
                 <a16:creationId xmlns:a16="http://schemas.microsoft.com/office/drawing/2014/main" id="{86B434C7-531E-0B02-63E5-1BCEC588C3B7}"/>
               </a:ext>
             </a:extLst>
@@ -3951,7 +3907,7 @@
 </p:sld>
 </file>
 
-<file path=ppt/slides/slide12.xml><?xml version="1.0" encoding="utf-8"?>
+<file path=ppt/slides/slide11.xml><?xml version="1.0" encoding="utf-8"?>
 <p:sld xmlns:a="http://schemas.openxmlformats.org/drawingml/2006/main" xmlns:r="http://schemas.openxmlformats.org/officeDocument/2006/relationships" xmlns:p="http://schemas.openxmlformats.org/presentationml/2006/main">
   <p:cSld>
     <p:spTree>
@@ -4183,7 +4139,7 @@
 </p:sld>
 </file>
 
-<file path=ppt/slides/slide13.xml><?xml version="1.0" encoding="utf-8"?>
+<file path=ppt/slides/slide12.xml><?xml version="1.0" encoding="utf-8"?>
 <p:sld xmlns:a="http://schemas.openxmlformats.org/drawingml/2006/main" xmlns:r="http://schemas.openxmlformats.org/officeDocument/2006/relationships" xmlns:p="http://schemas.openxmlformats.org/presentationml/2006/main">
   <p:cSld>
     <p:spTree>
@@ -4315,7 +4271,7 @@
 </p:sld>
 </file>
 
-<file path=ppt/slides/slide14.xml><?xml version="1.0" encoding="utf-8"?>
+<file path=ppt/slides/slide13.xml><?xml version="1.0" encoding="utf-8"?>
 <p:sld xmlns:a="http://schemas.openxmlformats.org/drawingml/2006/main" xmlns:r="http://schemas.openxmlformats.org/officeDocument/2006/relationships" xmlns:p="http://schemas.openxmlformats.org/presentationml/2006/main">
   <p:cSld>
     <p:spTree>
@@ -4516,7 +4472,7 @@
 </p:sld>
 </file>
 
-<file path=ppt/slides/slide15.xml><?xml version="1.0" encoding="utf-8"?>
+<file path=ppt/slides/slide14.xml><?xml version="1.0" encoding="utf-8"?>
 <p:sld xmlns:a="http://schemas.openxmlformats.org/drawingml/2006/main" xmlns:r="http://schemas.openxmlformats.org/officeDocument/2006/relationships" xmlns:p="http://schemas.openxmlformats.org/presentationml/2006/main">
   <p:cSld>
     <p:spTree>
@@ -4729,7 +4685,7 @@
 </p:sld>
 </file>
 
-<file path=ppt/slides/slide16.xml><?xml version="1.0" encoding="utf-8"?>
+<file path=ppt/slides/slide15.xml><?xml version="1.0" encoding="utf-8"?>
 <p:sld xmlns:a="http://schemas.openxmlformats.org/drawingml/2006/main" xmlns:r="http://schemas.openxmlformats.org/officeDocument/2006/relationships" xmlns:p="http://schemas.openxmlformats.org/presentationml/2006/main">
   <p:cSld>
     <p:spTree>
@@ -5292,7 +5248,7 @@
               </a:spcAft>
             </a:pPr>
             <a:r>
-              <a:rPr lang="en-US" sz="4800" b="1" u="sng" dirty="0">
+              <a:rPr lang="en-US" sz="4400" b="1" u="sng" dirty="0">
                 <a:solidFill>
                   <a:srgbClr val="2B2B2B"/>
                 </a:solidFill>
@@ -5303,11 +5259,9 @@
               </a:rPr>
               <a:t>What can C-Group do for your Organization?</a:t>
             </a:r>
-            <a:endParaRPr lang="en-US" sz="4800" dirty="0">
-              <a:effectLst/>
-              <a:latin typeface="Calibri" panose="020F0502020204030204" pitchFamily="34" charset="0"/>
-              <a:ea typeface="Calibri" panose="020F0502020204030204" pitchFamily="34" charset="0"/>
-              <a:cs typeface="Calibri" panose="020F0502020204030204" pitchFamily="34" charset="0"/>
+            <a:endParaRPr lang="en-US" dirty="0">
+              <a:latin typeface="Times New Roman" panose="02020603050405020304" pitchFamily="18" charset="0"/>
+              <a:ea typeface="Times New Roman" panose="02020603050405020304" pitchFamily="18" charset="0"/>
             </a:endParaRPr>
           </a:p>
         </p:txBody>
@@ -5336,24 +5290,15 @@
           <a:lstStyle/>
           <a:p>
             <a:pPr marL="0" marR="0">
+              <a:spcBef>
+                <a:spcPts val="0"/>
+              </a:spcBef>
               <a:spcAft>
-                <a:spcPts val="1200"/>
+                <a:spcPts val="0"/>
               </a:spcAft>
             </a:pPr>
             <a:r>
-              <a:rPr lang="en-US" sz="1800" dirty="0">
-                <a:solidFill>
-                  <a:srgbClr val="2B2B2B"/>
-                </a:solidFill>
-                <a:effectLst/>
-                <a:latin typeface="Calibri" panose="020F0502020204030204" pitchFamily="34" charset="0"/>
-                <a:ea typeface="Calibri" panose="020F0502020204030204" pitchFamily="34" charset="0"/>
-                <a:cs typeface="Calibri" panose="020F0502020204030204" pitchFamily="34" charset="0"/>
-              </a:rPr>
-              <a:t>As part of </a:t>
-            </a:r>
-            <a:r>
-              <a:rPr lang="en-US" sz="1800" dirty="0">
+              <a:rPr lang="en-US" sz="2000" dirty="0">
                 <a:solidFill>
                   <a:srgbClr val="2B2B2B"/>
                 </a:solidFill>
@@ -5361,29 +5306,11 @@
                 <a:ea typeface="Calibri" panose="020F0502020204030204" pitchFamily="34" charset="0"/>
                 <a:cs typeface="Calibri" panose="020F0502020204030204" pitchFamily="34" charset="0"/>
               </a:rPr>
-              <a:t>C-Group’s</a:t>
-            </a:r>
-            <a:r>
-              <a:rPr lang="en-US" sz="1800" dirty="0">
-                <a:solidFill>
-                  <a:srgbClr val="2B2B2B"/>
-                </a:solidFill>
-                <a:effectLst/>
-                <a:latin typeface="Calibri" panose="020F0502020204030204" pitchFamily="34" charset="0"/>
-                <a:ea typeface="Calibri" panose="020F0502020204030204" pitchFamily="34" charset="0"/>
-                <a:cs typeface="Calibri" panose="020F0502020204030204" pitchFamily="34" charset="0"/>
-              </a:rPr>
-              <a:t> Data Analytic Services, we will: </a:t>
-            </a:r>
-            <a:endParaRPr lang="en-US" sz="1800" dirty="0">
-              <a:effectLst/>
-              <a:latin typeface="Calibri" panose="020F0502020204030204" pitchFamily="34" charset="0"/>
-              <a:ea typeface="Calibri" panose="020F0502020204030204" pitchFamily="34" charset="0"/>
-              <a:cs typeface="Calibri" panose="020F0502020204030204" pitchFamily="34" charset="0"/>
-            </a:endParaRPr>
-          </a:p>
-          <a:p>
-            <a:pPr marL="635508" lvl="1" indent="-342900">
+              <a:t>As  per Initial Requirements for our Prototype, C-Group will </a:t>
+            </a:r>
+          </a:p>
+          <a:p>
+            <a:pPr marL="635508" marR="0" lvl="1" indent="-342900">
               <a:spcBef>
                 <a:spcPts val="0"/>
               </a:spcBef>
@@ -5394,7 +5321,7 @@
               <a:buChar char="o"/>
             </a:pPr>
             <a:r>
-              <a:rPr lang="en-US" sz="1800" dirty="0">
+              <a:rPr lang="en-US" sz="2000" dirty="0">
                 <a:solidFill>
                   <a:srgbClr val="2B2B2B"/>
                 </a:solidFill>
@@ -5404,11 +5331,6 @@
               </a:rPr>
               <a:t>Export the data, clean it, and use the weather data to choose the best cities for vacation based on certain weather criteria.</a:t>
             </a:r>
-            <a:endParaRPr lang="en-US" sz="1800" dirty="0">
-              <a:latin typeface="Calibri" panose="020F0502020204030204" pitchFamily="34" charset="0"/>
-              <a:ea typeface="Calibri" panose="020F0502020204030204" pitchFamily="34" charset="0"/>
-              <a:cs typeface="Calibri" panose="020F0502020204030204" pitchFamily="34" charset="0"/>
-            </a:endParaRPr>
           </a:p>
           <a:p>
             <a:pPr marL="635508" lvl="1" indent="-342900">
@@ -5422,7 +5344,7 @@
               <a:buChar char="o"/>
             </a:pPr>
             <a:r>
-              <a:rPr lang="en-US" sz="1800" dirty="0">
+              <a:rPr lang="en-US" sz="2000" dirty="0">
                 <a:solidFill>
                   <a:srgbClr val="2B2B2B"/>
                 </a:solidFill>
@@ -5432,7 +5354,7 @@
               </a:rPr>
               <a:t>Perform statistical calculations on the data and the weather parameters.</a:t>
             </a:r>
-            <a:endParaRPr lang="en-US" sz="1800" dirty="0">
+            <a:endParaRPr lang="en-US" sz="2000" dirty="0">
               <a:latin typeface="Calibri" panose="020F0502020204030204" pitchFamily="34" charset="0"/>
               <a:ea typeface="Calibri" panose="020F0502020204030204" pitchFamily="34" charset="0"/>
               <a:cs typeface="Calibri" panose="020F0502020204030204" pitchFamily="34" charset="0"/>
@@ -5450,7 +5372,7 @@
               <a:buChar char="o"/>
             </a:pPr>
             <a:r>
-              <a:rPr lang="en-US" sz="1800" dirty="0">
+              <a:rPr lang="en-US" sz="2000" dirty="0">
                 <a:solidFill>
                   <a:srgbClr val="2B2B2B"/>
                 </a:solidFill>
@@ -5460,7 +5382,7 @@
               </a:rPr>
               <a:t>Assist the client in collecting and presenting data for customers via the search page, which they will then filter based on their preferred “weather” travel criteria in order to find their ideal city.</a:t>
             </a:r>
-            <a:endParaRPr lang="en-US" sz="1800" dirty="0">
+            <a:endParaRPr lang="en-US" sz="2000" dirty="0">
               <a:latin typeface="Calibri" panose="020F0502020204030204" pitchFamily="34" charset="0"/>
               <a:ea typeface="Calibri" panose="020F0502020204030204" pitchFamily="34" charset="0"/>
               <a:cs typeface="Calibri" panose="020F0502020204030204" pitchFamily="34" charset="0"/>
@@ -5478,7 +5400,7 @@
               <a:buChar char="o"/>
             </a:pPr>
             <a:r>
-              <a:rPr lang="en-US" sz="1800" dirty="0">
+              <a:rPr lang="en-US" sz="2000" dirty="0">
                 <a:solidFill>
                   <a:srgbClr val="2B2B2B"/>
                 </a:solidFill>
@@ -5488,7 +5410,7 @@
               </a:rPr>
               <a:t>Collect and present data for customers via the search page, which they will then filter based on a customer’s preferred “weather” travel criteria in order to find their ideal city.  </a:t>
             </a:r>
-            <a:endParaRPr lang="en-US" sz="1800" dirty="0">
+            <a:endParaRPr lang="en-US" sz="2000" dirty="0">
               <a:latin typeface="Calibri" panose="020F0502020204030204" pitchFamily="34" charset="0"/>
               <a:ea typeface="Calibri" panose="020F0502020204030204" pitchFamily="34" charset="0"/>
               <a:cs typeface="Calibri" panose="020F0502020204030204" pitchFamily="34" charset="0"/>
@@ -5502,7 +5424,7 @@
     </p:spTree>
     <p:extLst>
       <p:ext uri="{BB962C8B-B14F-4D97-AF65-F5344CB8AC3E}">
-        <p14:creationId xmlns:p14="http://schemas.microsoft.com/office/powerpoint/2010/main" val="1741959004"/>
+        <p14:creationId xmlns:p14="http://schemas.microsoft.com/office/powerpoint/2010/main" val="2061880236"/>
       </p:ext>
     </p:extLst>
   </p:cSld>
@@ -5558,6 +5480,9 @@
           <a:lstStyle/>
           <a:p>
             <a:pPr marL="0" marR="0">
+              <a:lnSpc>
+                <a:spcPct val="115000"/>
+              </a:lnSpc>
               <a:spcBef>
                 <a:spcPts val="0"/>
               </a:spcBef>
@@ -5566,18 +5491,39 @@
               </a:spcAft>
             </a:pPr>
             <a:r>
-              <a:rPr lang="en-US" b="1" u="sng" dirty="0">
+              <a:rPr lang="en-US" sz="4800" b="1" u="sng" dirty="0">
                 <a:solidFill>
                   <a:srgbClr val="2B2B2B"/>
                 </a:solidFill>
                 <a:latin typeface="Calibri" panose="020F0502020204030204" pitchFamily="34" charset="0"/>
                 <a:ea typeface="Times New Roman" panose="02020603050405020304" pitchFamily="18" charset="0"/>
-              </a:rPr>
-              <a:t>Initial Requirements</a:t>
-            </a:r>
-            <a:endParaRPr lang="en-US" dirty="0">
-              <a:latin typeface="Times New Roman" panose="02020603050405020304" pitchFamily="18" charset="0"/>
-              <a:ea typeface="Times New Roman" panose="02020603050405020304" pitchFamily="18" charset="0"/>
+                <a:cs typeface="Calibri" panose="020F0502020204030204" pitchFamily="34" charset="0"/>
+              </a:rPr>
+              <a:t>Outline for Initial </a:t>
+            </a:r>
+            <a:r>
+              <a:rPr lang="en-US" sz="4800" b="1" u="sng" dirty="0">
+                <a:latin typeface="Calibri" panose="020F0502020204030204" pitchFamily="34" charset="0"/>
+                <a:ea typeface="Times New Roman" panose="02020603050405020304" pitchFamily="18" charset="0"/>
+                <a:cs typeface="Calibri" panose="020F0502020204030204" pitchFamily="34" charset="0"/>
+              </a:rPr>
+              <a:t>Project Plan</a:t>
+            </a:r>
+            <a:r>
+              <a:rPr lang="en-US" sz="4800" b="1" u="sng" dirty="0">
+                <a:solidFill>
+                  <a:srgbClr val="2B2B2B"/>
+                </a:solidFill>
+                <a:latin typeface="Calibri" panose="020F0502020204030204" pitchFamily="34" charset="0"/>
+                <a:ea typeface="Times New Roman" panose="02020603050405020304" pitchFamily="18" charset="0"/>
+                <a:cs typeface="Calibri" panose="020F0502020204030204" pitchFamily="34" charset="0"/>
+              </a:rPr>
+              <a:t>:</a:t>
+            </a:r>
+            <a:endParaRPr lang="en-US" sz="4800" dirty="0">
+              <a:latin typeface="Calibri" panose="020F0502020204030204" pitchFamily="34" charset="0"/>
+              <a:ea typeface="Calibri" panose="020F0502020204030204" pitchFamily="34" charset="0"/>
+              <a:cs typeface="Times New Roman" panose="02020603050405020304" pitchFamily="18" charset="0"/>
             </a:endParaRPr>
           </a:p>
         </p:txBody>
@@ -5600,116 +5546,422 @@
         </p:nvSpPr>
         <p:spPr/>
         <p:txBody>
-          <a:bodyPr/>
+          <a:bodyPr>
+            <a:normAutofit lnSpcReduction="10000"/>
+          </a:bodyPr>
           <a:lstStyle/>
           <a:p>
-            <a:pPr marL="0" marR="0">
+            <a:pPr marL="342900" marR="0" lvl="0" indent="-342900">
+              <a:lnSpc>
+                <a:spcPct val="115000"/>
+              </a:lnSpc>
               <a:spcBef>
                 <a:spcPts val="0"/>
               </a:spcBef>
               <a:spcAft>
                 <a:spcPts val="0"/>
               </a:spcAft>
+              <a:buSzPts val="1000"/>
+              <a:buFont typeface="Symbol" panose="05050102010706020507" pitchFamily="18" charset="2"/>
+              <a:buChar char=""/>
+              <a:tabLst>
+                <a:tab pos="228600" algn="l"/>
+              </a:tabLst>
             </a:pPr>
-            <a:r>
-              <a:rPr lang="en-US" sz="1800" dirty="0">
+            <a:endParaRPr lang="en-US" sz="2000" b="1" dirty="0">
+              <a:solidFill>
+                <a:srgbClr val="2B2B2B"/>
+              </a:solidFill>
+              <a:latin typeface="Calibri" panose="020F0502020204030204" pitchFamily="34" charset="0"/>
+              <a:ea typeface="Times New Roman" panose="02020603050405020304" pitchFamily="18" charset="0"/>
+              <a:cs typeface="Calibri" panose="020F0502020204030204" pitchFamily="34" charset="0"/>
+            </a:endParaRPr>
+          </a:p>
+          <a:p>
+            <a:pPr marL="342900" marR="0" lvl="0" indent="-342900">
+              <a:lnSpc>
+                <a:spcPct val="115000"/>
+              </a:lnSpc>
+              <a:spcBef>
+                <a:spcPts val="0"/>
+              </a:spcBef>
+              <a:spcAft>
+                <a:spcPts val="0"/>
+              </a:spcAft>
+              <a:buSzPts val="1000"/>
+              <a:buFont typeface="Symbol" panose="05050102010706020507" pitchFamily="18" charset="2"/>
+              <a:buChar char=""/>
+              <a:tabLst>
+                <a:tab pos="228600" algn="l"/>
+              </a:tabLst>
+            </a:pPr>
+            <a:r>
+              <a:rPr lang="en-US" sz="1700" b="1" dirty="0">
                 <a:solidFill>
                   <a:srgbClr val="2B2B2B"/>
                 </a:solidFill>
-                <a:effectLst/>
                 <a:latin typeface="Calibri" panose="020F0502020204030204" pitchFamily="34" charset="0"/>
                 <a:ea typeface="Times New Roman" panose="02020603050405020304" pitchFamily="18" charset="0"/>
-              </a:rPr>
-              <a:t>As part of our Prototype, C-Group will </a:t>
-            </a:r>
-            <a:endParaRPr lang="en-US" sz="1800" dirty="0">
-              <a:effectLst/>
-              <a:latin typeface="Times New Roman" panose="02020603050405020304" pitchFamily="18" charset="0"/>
-              <a:ea typeface="Times New Roman" panose="02020603050405020304" pitchFamily="18" charset="0"/>
-            </a:endParaRPr>
-          </a:p>
-          <a:p>
-            <a:pPr marL="342900" marR="0" lvl="0" indent="-342900">
-              <a:spcBef>
-                <a:spcPts val="0"/>
-              </a:spcBef>
-              <a:spcAft>
-                <a:spcPts val="0"/>
-              </a:spcAft>
-              <a:buFont typeface="Courier New" panose="02070309020205020404" pitchFamily="49" charset="0"/>
-              <a:buChar char="o"/>
-            </a:pPr>
-            <a:r>
-              <a:rPr lang="en-US" sz="1800" dirty="0">
+                <a:cs typeface="Calibri" panose="020F0502020204030204" pitchFamily="34" charset="0"/>
+              </a:rPr>
+              <a:t>Task:</a:t>
+            </a:r>
+            <a:r>
+              <a:rPr lang="en-US" sz="1700" dirty="0">
                 <a:solidFill>
                   <a:srgbClr val="2B2B2B"/>
                 </a:solidFill>
-                <a:effectLst/>
                 <a:latin typeface="Calibri" panose="020F0502020204030204" pitchFamily="34" charset="0"/>
                 <a:ea typeface="Times New Roman" panose="02020603050405020304" pitchFamily="18" charset="0"/>
-              </a:rPr>
-              <a:t>Export the data, clean it, and use the weather data to choose the best cities for vacation based on certain weather criteria.</a:t>
-            </a:r>
-            <a:endParaRPr lang="en-US" sz="1800" dirty="0">
-              <a:effectLst/>
-              <a:latin typeface="Times New Roman" panose="02020603050405020304" pitchFamily="18" charset="0"/>
-              <a:ea typeface="Times New Roman" panose="02020603050405020304" pitchFamily="18" charset="0"/>
+                <a:cs typeface="Calibri" panose="020F0502020204030204" pitchFamily="34" charset="0"/>
+              </a:rPr>
+              <a:t> Collect and analyze weather data across cities worldwide.</a:t>
+            </a:r>
+            <a:endParaRPr lang="en-US" sz="1700" dirty="0">
+              <a:latin typeface="Calibri" panose="020F0502020204030204" pitchFamily="34" charset="0"/>
+              <a:ea typeface="Calibri" panose="020F0502020204030204" pitchFamily="34" charset="0"/>
+              <a:cs typeface="Times New Roman" panose="02020603050405020304" pitchFamily="18" charset="0"/>
             </a:endParaRPr>
           </a:p>
           <a:p>
-            <a:pPr marL="342900" marR="0" lvl="0" indent="-342900">
+            <a:pPr marL="0" marR="0">
+              <a:lnSpc>
+                <a:spcPct val="115000"/>
+              </a:lnSpc>
               <a:spcBef>
                 <a:spcPts val="0"/>
               </a:spcBef>
               <a:spcAft>
                 <a:spcPts val="0"/>
               </a:spcAft>
-              <a:buFont typeface="Courier New" panose="02070309020205020404" pitchFamily="49" charset="0"/>
-              <a:buChar char="o"/>
             </a:pPr>
             <a:r>
-              <a:rPr lang="en-US" sz="1800" dirty="0">
+              <a:rPr lang="en-US" sz="1700" dirty="0">
                 <a:solidFill>
                   <a:srgbClr val="2B2B2B"/>
                 </a:solidFill>
-                <a:effectLst/>
                 <a:latin typeface="Calibri" panose="020F0502020204030204" pitchFamily="34" charset="0"/>
                 <a:ea typeface="Times New Roman" panose="02020603050405020304" pitchFamily="18" charset="0"/>
-              </a:rPr>
-              <a:t>Offer (the client) help with collecting and presenting data for customers via the search page, which they will then filter based on their preferred “weather” travel criteria, in particular, related to air quality statistics in order to find their ideal city, anywhere in the world.</a:t>
-            </a:r>
-            <a:endParaRPr lang="en-US" sz="1800" dirty="0">
-              <a:effectLst/>
-              <a:latin typeface="Times New Roman" panose="02020603050405020304" pitchFamily="18" charset="0"/>
-              <a:ea typeface="Times New Roman" panose="02020603050405020304" pitchFamily="18" charset="0"/>
+                <a:cs typeface="Calibri" panose="020F0502020204030204" pitchFamily="34" charset="0"/>
+              </a:rPr>
+              <a:t> </a:t>
+            </a:r>
+            <a:endParaRPr lang="en-US" sz="1700" dirty="0">
+              <a:latin typeface="Calibri" panose="020F0502020204030204" pitchFamily="34" charset="0"/>
+              <a:ea typeface="Calibri" panose="020F0502020204030204" pitchFamily="34" charset="0"/>
+              <a:cs typeface="Times New Roman" panose="02020603050405020304" pitchFamily="18" charset="0"/>
             </a:endParaRPr>
           </a:p>
           <a:p>
             <a:pPr marL="342900" marR="0" lvl="0" indent="-342900">
+              <a:lnSpc>
+                <a:spcPct val="115000"/>
+              </a:lnSpc>
               <a:spcBef>
                 <a:spcPts val="0"/>
               </a:spcBef>
               <a:spcAft>
                 <a:spcPts val="0"/>
               </a:spcAft>
-              <a:buFont typeface="Courier New" panose="02070309020205020404" pitchFamily="49" charset="0"/>
-              <a:buChar char="o"/>
+              <a:buSzPts val="1000"/>
+              <a:buFont typeface="Symbol" panose="05050102010706020507" pitchFamily="18" charset="2"/>
+              <a:buChar char=""/>
+              <a:tabLst>
+                <a:tab pos="228600" algn="l"/>
+              </a:tabLst>
             </a:pPr>
             <a:r>
-              <a:rPr lang="en-US" sz="1800" dirty="0">
+              <a:rPr lang="en-US" sz="1700" b="1" dirty="0">
                 <a:solidFill>
                   <a:srgbClr val="2B2B2B"/>
                 </a:solidFill>
-                <a:effectLst/>
                 <a:latin typeface="Calibri" panose="020F0502020204030204" pitchFamily="34" charset="0"/>
                 <a:ea typeface="Times New Roman" panose="02020603050405020304" pitchFamily="18" charset="0"/>
-              </a:rPr>
-              <a:t>Collect and present data for customers via the search page, which they will then filter based on a customer’s preferred “weather” travel criteria in order to find their ideal city.  </a:t>
-            </a:r>
-            <a:endParaRPr lang="en-US" sz="1800" dirty="0">
-              <a:effectLst/>
-              <a:latin typeface="Times New Roman" panose="02020603050405020304" pitchFamily="18" charset="0"/>
-              <a:ea typeface="Times New Roman" panose="02020603050405020304" pitchFamily="18" charset="0"/>
+                <a:cs typeface="Calibri" panose="020F0502020204030204" pitchFamily="34" charset="0"/>
+              </a:rPr>
+              <a:t>Purpose:</a:t>
+            </a:r>
+            <a:r>
+              <a:rPr lang="en-US" sz="1700" dirty="0">
+                <a:solidFill>
+                  <a:srgbClr val="2B2B2B"/>
+                </a:solidFill>
+                <a:latin typeface="Calibri" panose="020F0502020204030204" pitchFamily="34" charset="0"/>
+                <a:ea typeface="Times New Roman" panose="02020603050405020304" pitchFamily="18" charset="0"/>
+                <a:cs typeface="Calibri" panose="020F0502020204030204" pitchFamily="34" charset="0"/>
+              </a:rPr>
+              <a:t> C-Group will design a prototype Trafalgar Tours will use the data to recommend ideal travel locations based on clients' air quality and weather preferences.</a:t>
+            </a:r>
+            <a:endParaRPr lang="en-US" sz="1700" dirty="0">
+              <a:latin typeface="Calibri" panose="020F0502020204030204" pitchFamily="34" charset="0"/>
+              <a:ea typeface="Calibri" panose="020F0502020204030204" pitchFamily="34" charset="0"/>
+              <a:cs typeface="Times New Roman" panose="02020603050405020304" pitchFamily="18" charset="0"/>
+            </a:endParaRPr>
+          </a:p>
+          <a:p>
+            <a:pPr marL="0" marR="0">
+              <a:lnSpc>
+                <a:spcPct val="115000"/>
+              </a:lnSpc>
+              <a:spcBef>
+                <a:spcPts val="0"/>
+              </a:spcBef>
+              <a:spcAft>
+                <a:spcPts val="0"/>
+              </a:spcAft>
+            </a:pPr>
+            <a:r>
+              <a:rPr lang="en-US" sz="1700" dirty="0">
+                <a:solidFill>
+                  <a:srgbClr val="2B2B2B"/>
+                </a:solidFill>
+                <a:latin typeface="Calibri" panose="020F0502020204030204" pitchFamily="34" charset="0"/>
+                <a:ea typeface="Times New Roman" panose="02020603050405020304" pitchFamily="18" charset="0"/>
+                <a:cs typeface="Calibri" panose="020F0502020204030204" pitchFamily="34" charset="0"/>
+              </a:rPr>
+              <a:t> </a:t>
+            </a:r>
+            <a:endParaRPr lang="en-US" sz="1700" dirty="0">
+              <a:latin typeface="Calibri" panose="020F0502020204030204" pitchFamily="34" charset="0"/>
+              <a:ea typeface="Calibri" panose="020F0502020204030204" pitchFamily="34" charset="0"/>
+              <a:cs typeface="Times New Roman" panose="02020603050405020304" pitchFamily="18" charset="0"/>
+            </a:endParaRPr>
+          </a:p>
+          <a:p>
+            <a:pPr marL="342900" marR="0" lvl="0" indent="-342900">
+              <a:lnSpc>
+                <a:spcPct val="115000"/>
+              </a:lnSpc>
+              <a:spcBef>
+                <a:spcPts val="0"/>
+              </a:spcBef>
+              <a:spcAft>
+                <a:spcPts val="0"/>
+              </a:spcAft>
+              <a:buSzPts val="1000"/>
+              <a:buFont typeface="Symbol" panose="05050102010706020507" pitchFamily="18" charset="2"/>
+              <a:buChar char=""/>
+              <a:tabLst>
+                <a:tab pos="228600" algn="l"/>
+              </a:tabLst>
+            </a:pPr>
+            <a:r>
+              <a:rPr lang="en-US" sz="1700" b="1" dirty="0">
+                <a:solidFill>
+                  <a:srgbClr val="2B2B2B"/>
+                </a:solidFill>
+                <a:latin typeface="Calibri" panose="020F0502020204030204" pitchFamily="34" charset="0"/>
+                <a:ea typeface="Times New Roman" panose="02020603050405020304" pitchFamily="18" charset="0"/>
+                <a:cs typeface="Calibri" panose="020F0502020204030204" pitchFamily="34" charset="0"/>
+              </a:rPr>
+              <a:t>Method:</a:t>
+            </a:r>
+            <a:r>
+              <a:rPr lang="en-US" sz="1700" dirty="0">
+                <a:solidFill>
+                  <a:srgbClr val="2B2B2B"/>
+                </a:solidFill>
+                <a:latin typeface="Calibri" panose="020F0502020204030204" pitchFamily="34" charset="0"/>
+                <a:ea typeface="Times New Roman" panose="02020603050405020304" pitchFamily="18" charset="0"/>
+                <a:cs typeface="Calibri" panose="020F0502020204030204" pitchFamily="34" charset="0"/>
+              </a:rPr>
+              <a:t> Create a database containing </a:t>
+            </a:r>
+            <a:endParaRPr lang="en-US" sz="1700" dirty="0">
+              <a:latin typeface="Calibri" panose="020F0502020204030204" pitchFamily="34" charset="0"/>
+              <a:ea typeface="Calibri" panose="020F0502020204030204" pitchFamily="34" charset="0"/>
+              <a:cs typeface="Times New Roman" panose="02020603050405020304" pitchFamily="18" charset="0"/>
+            </a:endParaRPr>
+          </a:p>
+          <a:p>
+            <a:pPr marL="742950" marR="0" lvl="1" indent="-285750">
+              <a:lnSpc>
+                <a:spcPct val="115000"/>
+              </a:lnSpc>
+              <a:spcBef>
+                <a:spcPts val="0"/>
+              </a:spcBef>
+              <a:spcAft>
+                <a:spcPts val="0"/>
+              </a:spcAft>
+              <a:buSzPts val="1000"/>
+              <a:buFont typeface="Courier New" panose="02070309020205020404" pitchFamily="49" charset="0"/>
+              <a:buChar char="o"/>
+              <a:tabLst>
+                <a:tab pos="685800" algn="l"/>
+              </a:tabLst>
+            </a:pPr>
+            <a:r>
+              <a:rPr lang="en-US" dirty="0">
+                <a:solidFill>
+                  <a:srgbClr val="2B2B2B"/>
+                </a:solidFill>
+                <a:latin typeface="Calibri" panose="020F0502020204030204" pitchFamily="34" charset="0"/>
+                <a:ea typeface="Times New Roman" panose="02020603050405020304" pitchFamily="18" charset="0"/>
+                <a:cs typeface="Calibri" panose="020F0502020204030204" pitchFamily="34" charset="0"/>
+              </a:rPr>
+              <a:t>The world’s ‘Top 100’ cities and their weather data in real time. </a:t>
+            </a:r>
+            <a:endParaRPr lang="en-US" dirty="0">
+              <a:latin typeface="Calibri" panose="020F0502020204030204" pitchFamily="34" charset="0"/>
+              <a:ea typeface="Calibri" panose="020F0502020204030204" pitchFamily="34" charset="0"/>
+              <a:cs typeface="Times New Roman" panose="02020603050405020304" pitchFamily="18" charset="0"/>
+            </a:endParaRPr>
+          </a:p>
+          <a:p>
+            <a:pPr marL="1143000" marR="0" lvl="2" indent="-228600">
+              <a:lnSpc>
+                <a:spcPct val="115000"/>
+              </a:lnSpc>
+              <a:spcBef>
+                <a:spcPts val="0"/>
+              </a:spcBef>
+              <a:spcAft>
+                <a:spcPts val="0"/>
+              </a:spcAft>
+              <a:buSzPts val="1000"/>
+              <a:buFont typeface="Wingdings" panose="05000000000000000000" pitchFamily="2" charset="2"/>
+              <a:buChar char=""/>
+              <a:tabLst>
+                <a:tab pos="1143000" algn="l"/>
+              </a:tabLst>
+            </a:pPr>
+            <a:r>
+              <a:rPr lang="en-US" sz="1700" dirty="0">
+                <a:solidFill>
+                  <a:srgbClr val="2B2B2B"/>
+                </a:solidFill>
+                <a:latin typeface="Calibri" panose="020F0502020204030204" pitchFamily="34" charset="0"/>
+                <a:ea typeface="Times New Roman" panose="02020603050405020304" pitchFamily="18" charset="0"/>
+                <a:cs typeface="Calibri" panose="020F0502020204030204" pitchFamily="34" charset="0"/>
+              </a:rPr>
+              <a:t>This process will entail collecting, analyzing, and visualizing the data.</a:t>
+            </a:r>
+            <a:endParaRPr lang="en-US" sz="1700" dirty="0">
+              <a:latin typeface="Calibri" panose="020F0502020204030204" pitchFamily="34" charset="0"/>
+              <a:ea typeface="Calibri" panose="020F0502020204030204" pitchFamily="34" charset="0"/>
+              <a:cs typeface="Times New Roman" panose="02020603050405020304" pitchFamily="18" charset="0"/>
+            </a:endParaRPr>
+          </a:p>
+          <a:p>
+            <a:pPr marL="1143000" marR="0" lvl="2" indent="-228600">
+              <a:lnSpc>
+                <a:spcPct val="115000"/>
+              </a:lnSpc>
+              <a:spcBef>
+                <a:spcPts val="0"/>
+              </a:spcBef>
+              <a:spcAft>
+                <a:spcPts val="0"/>
+              </a:spcAft>
+              <a:buSzPts val="1000"/>
+              <a:buFont typeface="Wingdings" panose="05000000000000000000" pitchFamily="2" charset="2"/>
+              <a:buChar char=""/>
+              <a:tabLst>
+                <a:tab pos="1143000" algn="l"/>
+              </a:tabLst>
+            </a:pPr>
+            <a:r>
+              <a:rPr lang="en-US" sz="1700" dirty="0">
+                <a:solidFill>
+                  <a:srgbClr val="2B2B2B"/>
+                </a:solidFill>
+                <a:latin typeface="Calibri" panose="020F0502020204030204" pitchFamily="34" charset="0"/>
+                <a:ea typeface="Times New Roman" panose="02020603050405020304" pitchFamily="18" charset="0"/>
+                <a:cs typeface="Calibri" panose="020F0502020204030204" pitchFamily="34" charset="0"/>
+              </a:rPr>
+              <a:t>Analysis of the data will be split into three main parts or stages.</a:t>
+            </a:r>
+            <a:endParaRPr lang="en-US" sz="1700" dirty="0">
+              <a:latin typeface="Calibri" panose="020F0502020204030204" pitchFamily="34" charset="0"/>
+              <a:ea typeface="Calibri" panose="020F0502020204030204" pitchFamily="34" charset="0"/>
+              <a:cs typeface="Times New Roman" panose="02020603050405020304" pitchFamily="18" charset="0"/>
+            </a:endParaRPr>
+          </a:p>
+          <a:p>
+            <a:pPr marL="742950" marR="0" lvl="1" indent="-285750">
+              <a:lnSpc>
+                <a:spcPct val="115000"/>
+              </a:lnSpc>
+              <a:spcBef>
+                <a:spcPts val="0"/>
+              </a:spcBef>
+              <a:spcAft>
+                <a:spcPts val="0"/>
+              </a:spcAft>
+              <a:buSzPts val="1000"/>
+              <a:buFont typeface="Courier New" panose="02070309020205020404" pitchFamily="49" charset="0"/>
+              <a:buChar char="o"/>
+              <a:tabLst>
+                <a:tab pos="685800" algn="l"/>
+              </a:tabLst>
+            </a:pPr>
+            <a:r>
+              <a:rPr lang="en-US" dirty="0">
+                <a:solidFill>
+                  <a:srgbClr val="2B2B2B"/>
+                </a:solidFill>
+                <a:latin typeface="Calibri" panose="020F0502020204030204" pitchFamily="34" charset="0"/>
+                <a:ea typeface="Times New Roman" panose="02020603050405020304" pitchFamily="18" charset="0"/>
+                <a:cs typeface="Calibri" panose="020F0502020204030204" pitchFamily="34" charset="0"/>
+              </a:rPr>
+              <a:t>(Optional Nice to Have): Uses of the </a:t>
+            </a:r>
+            <a:r>
+              <a:rPr lang="en-US" dirty="0" err="1">
+                <a:solidFill>
+                  <a:srgbClr val="2B2B2B"/>
+                </a:solidFill>
+                <a:latin typeface="Calibri" panose="020F0502020204030204" pitchFamily="34" charset="0"/>
+                <a:ea typeface="Times New Roman" panose="02020603050405020304" pitchFamily="18" charset="0"/>
+                <a:cs typeface="Calibri" panose="020F0502020204030204" pitchFamily="34" charset="0"/>
+              </a:rPr>
+              <a:t>OpenWeatherMap</a:t>
+            </a:r>
+            <a:r>
+              <a:rPr lang="en-US" dirty="0">
+                <a:solidFill>
+                  <a:srgbClr val="2B2B2B"/>
+                </a:solidFill>
+                <a:latin typeface="Calibri" panose="020F0502020204030204" pitchFamily="34" charset="0"/>
+                <a:ea typeface="Times New Roman" panose="02020603050405020304" pitchFamily="18" charset="0"/>
+                <a:cs typeface="Calibri" panose="020F0502020204030204" pitchFamily="34" charset="0"/>
+              </a:rPr>
+              <a:t> API to retrieve the JSON weather data from these cities.</a:t>
+            </a:r>
+            <a:endParaRPr lang="en-US" dirty="0">
+              <a:latin typeface="Calibri" panose="020F0502020204030204" pitchFamily="34" charset="0"/>
+              <a:ea typeface="Calibri" panose="020F0502020204030204" pitchFamily="34" charset="0"/>
+              <a:cs typeface="Times New Roman" panose="02020603050405020304" pitchFamily="18" charset="0"/>
+            </a:endParaRPr>
+          </a:p>
+          <a:p>
+            <a:pPr marL="0" marR="0">
+              <a:lnSpc>
+                <a:spcPct val="115000"/>
+              </a:lnSpc>
+              <a:spcBef>
+                <a:spcPts val="0"/>
+              </a:spcBef>
+              <a:spcAft>
+                <a:spcPts val="0"/>
+              </a:spcAft>
+            </a:pPr>
+            <a:r>
+              <a:rPr lang="en-US" sz="1700" dirty="0">
+                <a:solidFill>
+                  <a:srgbClr val="2B2B2B"/>
+                </a:solidFill>
+                <a:latin typeface="Calibri" panose="020F0502020204030204" pitchFamily="34" charset="0"/>
+                <a:ea typeface="Times New Roman" panose="02020603050405020304" pitchFamily="18" charset="0"/>
+                <a:cs typeface="Calibri" panose="020F0502020204030204" pitchFamily="34" charset="0"/>
+              </a:rPr>
+              <a:t> </a:t>
+            </a:r>
+            <a:endParaRPr lang="en-US" sz="1700" dirty="0">
+              <a:latin typeface="Calibri" panose="020F0502020204030204" pitchFamily="34" charset="0"/>
+              <a:ea typeface="Calibri" panose="020F0502020204030204" pitchFamily="34" charset="0"/>
+              <a:cs typeface="Times New Roman" panose="02020603050405020304" pitchFamily="18" charset="0"/>
             </a:endParaRPr>
           </a:p>
           <a:p>
@@ -5720,7 +5972,7 @@
     </p:spTree>
     <p:extLst>
       <p:ext uri="{BB962C8B-B14F-4D97-AF65-F5344CB8AC3E}">
-        <p14:creationId xmlns:p14="http://schemas.microsoft.com/office/powerpoint/2010/main" val="2061880236"/>
+        <p14:creationId xmlns:p14="http://schemas.microsoft.com/office/powerpoint/2010/main" val="1353458954"/>
       </p:ext>
     </p:extLst>
   </p:cSld>
@@ -5795,26 +6047,7 @@
                 <a:ea typeface="Times New Roman" panose="02020603050405020304" pitchFamily="18" charset="0"/>
                 <a:cs typeface="Calibri" panose="020F0502020204030204" pitchFamily="34" charset="0"/>
               </a:rPr>
-              <a:t>Outline for Initial </a:t>
-            </a:r>
-            <a:r>
-              <a:rPr lang="en-US" sz="4800" b="1" u="sng" dirty="0">
-                <a:latin typeface="Calibri" panose="020F0502020204030204" pitchFamily="34" charset="0"/>
-                <a:ea typeface="Times New Roman" panose="02020603050405020304" pitchFamily="18" charset="0"/>
-                <a:cs typeface="Calibri" panose="020F0502020204030204" pitchFamily="34" charset="0"/>
-              </a:rPr>
-              <a:t>Project Plan</a:t>
-            </a:r>
-            <a:r>
-              <a:rPr lang="en-US" sz="4800" b="1" u="sng" dirty="0">
-                <a:solidFill>
-                  <a:srgbClr val="2B2B2B"/>
-                </a:solidFill>
-                <a:latin typeface="Calibri" panose="020F0502020204030204" pitchFamily="34" charset="0"/>
-                <a:ea typeface="Times New Roman" panose="02020603050405020304" pitchFamily="18" charset="0"/>
-                <a:cs typeface="Calibri" panose="020F0502020204030204" pitchFamily="34" charset="0"/>
-              </a:rPr>
-              <a:t>:</a:t>
+              <a:t>Our Approach:</a:t>
             </a:r>
             <a:endParaRPr lang="en-US" sz="4800" dirty="0">
               <a:latin typeface="Calibri" panose="020F0502020204030204" pitchFamily="34" charset="0"/>
@@ -5843,11 +6076,11 @@
         <p:spPr/>
         <p:txBody>
           <a:bodyPr>
-            <a:normAutofit lnSpcReduction="10000"/>
+            <a:noAutofit/>
           </a:bodyPr>
           <a:lstStyle/>
           <a:p>
-            <a:pPr marL="342900" marR="0" lvl="0" indent="-342900">
+            <a:pPr marL="0" marR="0">
               <a:lnSpc>
                 <a:spcPct val="115000"/>
               </a:lnSpc>
@@ -5857,42 +6090,9 @@
               <a:spcAft>
                 <a:spcPts val="0"/>
               </a:spcAft>
-              <a:buSzPts val="1000"/>
-              <a:buFont typeface="Symbol" panose="05050102010706020507" pitchFamily="18" charset="2"/>
-              <a:buChar char=""/>
-              <a:tabLst>
-                <a:tab pos="228600" algn="l"/>
-              </a:tabLst>
             </a:pPr>
-            <a:endParaRPr lang="en-US" sz="2000" b="1" dirty="0">
-              <a:solidFill>
-                <a:srgbClr val="2B2B2B"/>
-              </a:solidFill>
-              <a:latin typeface="Calibri" panose="020F0502020204030204" pitchFamily="34" charset="0"/>
-              <a:ea typeface="Times New Roman" panose="02020603050405020304" pitchFamily="18" charset="0"/>
-              <a:cs typeface="Calibri" panose="020F0502020204030204" pitchFamily="34" charset="0"/>
-            </a:endParaRPr>
-          </a:p>
-          <a:p>
-            <a:pPr marL="342900" marR="0" lvl="0" indent="-342900">
-              <a:lnSpc>
-                <a:spcPct val="115000"/>
-              </a:lnSpc>
-              <a:spcBef>
-                <a:spcPts val="0"/>
-              </a:spcBef>
-              <a:spcAft>
-                <a:spcPts val="0"/>
-              </a:spcAft>
-              <a:buSzPts val="1000"/>
-              <a:buFont typeface="Symbol" panose="05050102010706020507" pitchFamily="18" charset="2"/>
-              <a:buChar char=""/>
-              <a:tabLst>
-                <a:tab pos="228600" algn="l"/>
-              </a:tabLst>
-            </a:pPr>
-            <a:r>
-              <a:rPr lang="en-US" sz="1700" b="1" dirty="0">
+            <a:r>
+              <a:rPr lang="en-US" sz="1500" b="1" u="sng" dirty="0">
                 <a:solidFill>
                   <a:srgbClr val="2B2B2B"/>
                 </a:solidFill>
@@ -5900,10 +6100,33 @@
                 <a:ea typeface="Times New Roman" panose="02020603050405020304" pitchFamily="18" charset="0"/>
                 <a:cs typeface="Calibri" panose="020F0502020204030204" pitchFamily="34" charset="0"/>
               </a:rPr>
-              <a:t>Task:</a:t>
-            </a:r>
-            <a:r>
-              <a:rPr lang="en-US" sz="1700" dirty="0">
+              <a:t>Our Approach:</a:t>
+            </a:r>
+            <a:endParaRPr lang="en-US" sz="1500" dirty="0">
+              <a:latin typeface="Calibri" panose="020F0502020204030204" pitchFamily="34" charset="0"/>
+              <a:ea typeface="Calibri" panose="020F0502020204030204" pitchFamily="34" charset="0"/>
+              <a:cs typeface="Times New Roman" panose="02020603050405020304" pitchFamily="18" charset="0"/>
+            </a:endParaRPr>
+          </a:p>
+          <a:p>
+            <a:pPr marL="342900" marR="0" lvl="0" indent="-342900">
+              <a:lnSpc>
+                <a:spcPct val="115000"/>
+              </a:lnSpc>
+              <a:spcBef>
+                <a:spcPts val="0"/>
+              </a:spcBef>
+              <a:spcAft>
+                <a:spcPts val="0"/>
+              </a:spcAft>
+              <a:buFont typeface="+mj-lt"/>
+              <a:buAutoNum type="arabicPeriod"/>
+              <a:tabLst>
+                <a:tab pos="228600" algn="l"/>
+              </a:tabLst>
+            </a:pPr>
+            <a:r>
+              <a:rPr lang="en-US" sz="1500" b="1" dirty="0">
                 <a:solidFill>
                   <a:srgbClr val="2B2B2B"/>
                 </a:solidFill>
@@ -5911,28 +6134,10 @@
                 <a:ea typeface="Times New Roman" panose="02020603050405020304" pitchFamily="18" charset="0"/>
                 <a:cs typeface="Calibri" panose="020F0502020204030204" pitchFamily="34" charset="0"/>
               </a:rPr>
-              <a:t> Collect and analyze weather data across cities worldwide.</a:t>
-            </a:r>
-            <a:endParaRPr lang="en-US" sz="1700" dirty="0">
-              <a:latin typeface="Calibri" panose="020F0502020204030204" pitchFamily="34" charset="0"/>
-              <a:ea typeface="Calibri" panose="020F0502020204030204" pitchFamily="34" charset="0"/>
-              <a:cs typeface="Times New Roman" panose="02020603050405020304" pitchFamily="18" charset="0"/>
-            </a:endParaRPr>
-          </a:p>
-          <a:p>
-            <a:pPr marL="0" marR="0">
-              <a:lnSpc>
-                <a:spcPct val="115000"/>
-              </a:lnSpc>
-              <a:spcBef>
-                <a:spcPts val="0"/>
-              </a:spcBef>
-              <a:spcAft>
-                <a:spcPts val="0"/>
-              </a:spcAft>
-            </a:pPr>
-            <a:r>
-              <a:rPr lang="en-US" sz="1700" dirty="0">
+              <a:t>Collect the Data</a:t>
+            </a:r>
+            <a:r>
+              <a:rPr lang="en-US" sz="1500" dirty="0">
                 <a:solidFill>
                   <a:srgbClr val="2B2B2B"/>
                 </a:solidFill>
@@ -5942,14 +6147,14 @@
               </a:rPr>
               <a:t> </a:t>
             </a:r>
-            <a:endParaRPr lang="en-US" sz="1700" dirty="0">
+            <a:endParaRPr lang="en-US" sz="1500" dirty="0">
               <a:latin typeface="Calibri" panose="020F0502020204030204" pitchFamily="34" charset="0"/>
               <a:ea typeface="Calibri" panose="020F0502020204030204" pitchFamily="34" charset="0"/>
               <a:cs typeface="Times New Roman" panose="02020603050405020304" pitchFamily="18" charset="0"/>
             </a:endParaRPr>
           </a:p>
           <a:p>
-            <a:pPr marL="342900" marR="0" lvl="0" indent="-342900">
+            <a:pPr marL="635508" lvl="1" indent="-342900">
               <a:lnSpc>
                 <a:spcPct val="115000"/>
               </a:lnSpc>
@@ -5959,43 +6164,25 @@
               <a:spcAft>
                 <a:spcPts val="0"/>
               </a:spcAft>
-              <a:buSzPts val="1000"/>
               <a:buFont typeface="Symbol" panose="05050102010706020507" pitchFamily="18" charset="2"/>
               <a:buChar char=""/>
-              <a:tabLst>
-                <a:tab pos="228600" algn="l"/>
-              </a:tabLst>
             </a:pPr>
             <a:r>
-              <a:rPr lang="en-US" sz="1700" b="1" dirty="0">
-                <a:solidFill>
-                  <a:srgbClr val="2B2B2B"/>
-                </a:solidFill>
+              <a:rPr lang="en-US" sz="1500" b="1" u="sng" dirty="0">
                 <a:latin typeface="Calibri" panose="020F0502020204030204" pitchFamily="34" charset="0"/>
-                <a:ea typeface="Times New Roman" panose="02020603050405020304" pitchFamily="18" charset="0"/>
+                <a:ea typeface="Calibri" panose="020F0502020204030204" pitchFamily="34" charset="0"/>
                 <a:cs typeface="Calibri" panose="020F0502020204030204" pitchFamily="34" charset="0"/>
               </a:rPr>
-              <a:t>Purpose:</a:t>
-            </a:r>
-            <a:r>
-              <a:rPr lang="en-US" sz="1700" dirty="0">
-                <a:solidFill>
-                  <a:srgbClr val="2B2B2B"/>
-                </a:solidFill>
-                <a:latin typeface="Calibri" panose="020F0502020204030204" pitchFamily="34" charset="0"/>
-                <a:ea typeface="Times New Roman" panose="02020603050405020304" pitchFamily="18" charset="0"/>
-                <a:cs typeface="Calibri" panose="020F0502020204030204" pitchFamily="34" charset="0"/>
-              </a:rPr>
-              <a:t> C-Group will design a prototype Trafalgar Tours will use the data to recommend ideal travel locations based on clients' air quality and weather preferences.</a:t>
-            </a:r>
-            <a:endParaRPr lang="en-US" sz="1700" dirty="0">
+              <a:t>Data Source </a:t>
+            </a:r>
+            <a:endParaRPr lang="en-US" sz="1500" dirty="0">
               <a:latin typeface="Calibri" panose="020F0502020204030204" pitchFamily="34" charset="0"/>
               <a:ea typeface="Calibri" panose="020F0502020204030204" pitchFamily="34" charset="0"/>
               <a:cs typeface="Times New Roman" panose="02020603050405020304" pitchFamily="18" charset="0"/>
             </a:endParaRPr>
           </a:p>
           <a:p>
-            <a:pPr marL="0" marR="0">
+            <a:pPr marL="640080" lvl="2" indent="0">
               <a:lnSpc>
                 <a:spcPct val="115000"/>
               </a:lnSpc>
@@ -6005,72 +6192,43 @@
               <a:spcAft>
                 <a:spcPts val="0"/>
               </a:spcAft>
+              <a:buSzPts val="1000"/>
+              <a:buNone/>
+              <a:tabLst>
+                <a:tab pos="1143000" algn="l"/>
+              </a:tabLst>
             </a:pPr>
             <a:r>
-              <a:rPr lang="en-US" sz="1700" dirty="0">
+              <a:rPr lang="en-US" sz="1500" b="1" dirty="0">
+                <a:latin typeface="Calibri" panose="020F0502020204030204" pitchFamily="34" charset="0"/>
+                <a:ea typeface="Calibri" panose="020F0502020204030204" pitchFamily="34" charset="0"/>
+                <a:cs typeface="Calibri" panose="020F0502020204030204" pitchFamily="34" charset="0"/>
+              </a:rPr>
+              <a:t>Weather data from  </a:t>
+            </a:r>
+            <a:r>
+              <a:rPr lang="en-US" sz="1500" b="1" u="sng" dirty="0">
                 <a:solidFill>
-                  <a:srgbClr val="2B2B2B"/>
+                  <a:srgbClr val="0000FF"/>
                 </a:solidFill>
                 <a:latin typeface="Calibri" panose="020F0502020204030204" pitchFamily="34" charset="0"/>
-                <a:ea typeface="Times New Roman" panose="02020603050405020304" pitchFamily="18" charset="0"/>
+                <a:ea typeface="Calibri" panose="020F0502020204030204" pitchFamily="34" charset="0"/>
                 <a:cs typeface="Calibri" panose="020F0502020204030204" pitchFamily="34" charset="0"/>
-              </a:rPr>
-              <a:t> </a:t>
-            </a:r>
-            <a:endParaRPr lang="en-US" sz="1700" dirty="0">
+                <a:hlinkClick r:id="rId2"/>
+              </a:rPr>
+              <a:t>https://openweathermap.org/api/air-pollution</a:t>
+            </a:r>
+            <a:endParaRPr lang="en-US" sz="1500" b="1" u="sng" dirty="0">
+              <a:solidFill>
+                <a:srgbClr val="0000FF"/>
+              </a:solidFill>
               <a:latin typeface="Calibri" panose="020F0502020204030204" pitchFamily="34" charset="0"/>
               <a:ea typeface="Calibri" panose="020F0502020204030204" pitchFamily="34" charset="0"/>
               <a:cs typeface="Times New Roman" panose="02020603050405020304" pitchFamily="18" charset="0"/>
             </a:endParaRPr>
           </a:p>
           <a:p>
-            <a:pPr marL="342900" marR="0" lvl="0" indent="-342900">
-              <a:lnSpc>
-                <a:spcPct val="115000"/>
-              </a:lnSpc>
-              <a:spcBef>
-                <a:spcPts val="0"/>
-              </a:spcBef>
-              <a:spcAft>
-                <a:spcPts val="0"/>
-              </a:spcAft>
-              <a:buSzPts val="1000"/>
-              <a:buFont typeface="Symbol" panose="05050102010706020507" pitchFamily="18" charset="2"/>
-              <a:buChar char=""/>
-              <a:tabLst>
-                <a:tab pos="228600" algn="l"/>
-              </a:tabLst>
-            </a:pPr>
-            <a:r>
-              <a:rPr lang="en-US" sz="1700" b="1" dirty="0">
-                <a:solidFill>
-                  <a:srgbClr val="2B2B2B"/>
-                </a:solidFill>
-                <a:latin typeface="Calibri" panose="020F0502020204030204" pitchFamily="34" charset="0"/>
-                <a:ea typeface="Times New Roman" panose="02020603050405020304" pitchFamily="18" charset="0"/>
-                <a:cs typeface="Calibri" panose="020F0502020204030204" pitchFamily="34" charset="0"/>
-              </a:rPr>
-              <a:t>Method:</a:t>
-            </a:r>
-            <a:r>
-              <a:rPr lang="en-US" sz="1700" dirty="0">
-                <a:solidFill>
-                  <a:srgbClr val="2B2B2B"/>
-                </a:solidFill>
-                <a:latin typeface="Calibri" panose="020F0502020204030204" pitchFamily="34" charset="0"/>
-                <a:ea typeface="Times New Roman" panose="02020603050405020304" pitchFamily="18" charset="0"/>
-                <a:cs typeface="Calibri" panose="020F0502020204030204" pitchFamily="34" charset="0"/>
-              </a:rPr>
-              <a:t> Create a database containing </a:t>
-            </a:r>
-            <a:endParaRPr lang="en-US" sz="1700" dirty="0">
-              <a:latin typeface="Calibri" panose="020F0502020204030204" pitchFamily="34" charset="0"/>
-              <a:ea typeface="Calibri" panose="020F0502020204030204" pitchFamily="34" charset="0"/>
-              <a:cs typeface="Times New Roman" panose="02020603050405020304" pitchFamily="18" charset="0"/>
-            </a:endParaRPr>
-          </a:p>
-          <a:p>
-            <a:pPr marL="742950" marR="0" lvl="1" indent="-285750">
+            <a:pPr marL="1291590" lvl="4" indent="-285750">
               <a:lnSpc>
                 <a:spcPct val="115000"/>
               </a:lnSpc>
@@ -6084,98 +6242,20 @@
               <a:buFont typeface="Courier New" panose="02070309020205020404" pitchFamily="49" charset="0"/>
               <a:buChar char="o"/>
               <a:tabLst>
-                <a:tab pos="685800" algn="l"/>
-              </a:tabLst>
-            </a:pPr>
-            <a:r>
-              <a:rPr lang="en-US" dirty="0">
-                <a:solidFill>
-                  <a:srgbClr val="2B2B2B"/>
-                </a:solidFill>
-                <a:latin typeface="Calibri" panose="020F0502020204030204" pitchFamily="34" charset="0"/>
-                <a:ea typeface="Times New Roman" panose="02020603050405020304" pitchFamily="18" charset="0"/>
-                <a:cs typeface="Calibri" panose="020F0502020204030204" pitchFamily="34" charset="0"/>
-              </a:rPr>
-              <a:t>The world’s ‘Top 100’ cities and their weather data in real time. </a:t>
-            </a:r>
-            <a:endParaRPr lang="en-US" dirty="0">
-              <a:latin typeface="Calibri" panose="020F0502020204030204" pitchFamily="34" charset="0"/>
-              <a:ea typeface="Calibri" panose="020F0502020204030204" pitchFamily="34" charset="0"/>
-              <a:cs typeface="Times New Roman" panose="02020603050405020304" pitchFamily="18" charset="0"/>
-            </a:endParaRPr>
-          </a:p>
-          <a:p>
-            <a:pPr marL="1143000" marR="0" lvl="2" indent="-228600">
-              <a:lnSpc>
-                <a:spcPct val="115000"/>
-              </a:lnSpc>
-              <a:spcBef>
-                <a:spcPts val="0"/>
-              </a:spcBef>
-              <a:spcAft>
-                <a:spcPts val="0"/>
-              </a:spcAft>
-              <a:buSzPts val="1000"/>
-              <a:buFont typeface="Wingdings" panose="05000000000000000000" pitchFamily="2" charset="2"/>
-              <a:buChar char=""/>
-              <a:tabLst>
                 <a:tab pos="1143000" algn="l"/>
               </a:tabLst>
             </a:pPr>
             <a:r>
-              <a:rPr lang="en-US" sz="1700" dirty="0">
-                <a:solidFill>
-                  <a:srgbClr val="2B2B2B"/>
-                </a:solidFill>
+              <a:rPr lang="en-US" sz="1500" b="1" dirty="0">
                 <a:latin typeface="Calibri" panose="020F0502020204030204" pitchFamily="34" charset="0"/>
-                <a:ea typeface="Times New Roman" panose="02020603050405020304" pitchFamily="18" charset="0"/>
+                <a:ea typeface="Calibri" panose="020F0502020204030204" pitchFamily="34" charset="0"/>
                 <a:cs typeface="Calibri" panose="020F0502020204030204" pitchFamily="34" charset="0"/>
               </a:rPr>
-              <a:t>This process will entail collecting, analyzing, and visualizing the data.</a:t>
-            </a:r>
-            <a:endParaRPr lang="en-US" sz="1700" dirty="0">
-              <a:latin typeface="Calibri" panose="020F0502020204030204" pitchFamily="34" charset="0"/>
-              <a:ea typeface="Calibri" panose="020F0502020204030204" pitchFamily="34" charset="0"/>
-              <a:cs typeface="Times New Roman" panose="02020603050405020304" pitchFamily="18" charset="0"/>
-            </a:endParaRPr>
-          </a:p>
-          <a:p>
-            <a:pPr marL="1143000" marR="0" lvl="2" indent="-228600">
-              <a:lnSpc>
-                <a:spcPct val="115000"/>
-              </a:lnSpc>
-              <a:spcBef>
-                <a:spcPts val="0"/>
-              </a:spcBef>
-              <a:spcAft>
-                <a:spcPts val="0"/>
-              </a:spcAft>
-              <a:buSzPts val="1000"/>
-              <a:buFont typeface="Wingdings" panose="05000000000000000000" pitchFamily="2" charset="2"/>
-              <a:buChar char=""/>
-              <a:tabLst>
-                <a:tab pos="1143000" algn="l"/>
-              </a:tabLst>
-            </a:pPr>
-            <a:r>
-              <a:rPr lang="en-US" sz="1700" dirty="0">
-                <a:solidFill>
-                  <a:srgbClr val="2B2B2B"/>
-                </a:solidFill>
-                <a:latin typeface="Calibri" panose="020F0502020204030204" pitchFamily="34" charset="0"/>
-                <a:ea typeface="Times New Roman" panose="02020603050405020304" pitchFamily="18" charset="0"/>
-                <a:cs typeface="Calibri" panose="020F0502020204030204" pitchFamily="34" charset="0"/>
-              </a:rPr>
-              <a:t>Analysis of the data will be split into three main parts or stages.</a:t>
-            </a:r>
-            <a:endParaRPr lang="en-US" sz="1700" dirty="0">
-              <a:latin typeface="Calibri" panose="020F0502020204030204" pitchFamily="34" charset="0"/>
-              <a:ea typeface="Calibri" panose="020F0502020204030204" pitchFamily="34" charset="0"/>
-              <a:cs typeface="Times New Roman" panose="02020603050405020304" pitchFamily="18" charset="0"/>
-            </a:endParaRPr>
-          </a:p>
-          <a:p>
-            <a:pPr marL="742950" marR="0" lvl="1" indent="-285750">
+              <a:t>Tracking to investigate Air Quality in Multiple Cities</a:t>
+            </a:r>
+          </a:p>
+          <a:p>
+            <a:pPr marL="925830" lvl="2" indent="-285750">
               <a:lnSpc>
                 <a:spcPct val="115000"/>
               </a:lnSpc>
@@ -6189,86 +6269,233 @@
               <a:buFont typeface="Courier New" panose="02070309020205020404" pitchFamily="49" charset="0"/>
               <a:buChar char="o"/>
               <a:tabLst>
-                <a:tab pos="685800" algn="l"/>
+                <a:tab pos="1143000" algn="l"/>
               </a:tabLst>
             </a:pPr>
             <a:r>
-              <a:rPr lang="en-US" dirty="0">
+              <a:rPr lang="en-US" sz="1500" b="1" dirty="0">
+                <a:latin typeface="Calibri" panose="020F0502020204030204" pitchFamily="34" charset="0"/>
+                <a:ea typeface="Calibri" panose="020F0502020204030204" pitchFamily="34" charset="0"/>
+                <a:cs typeface="Calibri" panose="020F0502020204030204" pitchFamily="34" charset="0"/>
+              </a:rPr>
+              <a:t>Table1: For our Pollution Data: air quality standards as per https://openweathermap.org/api/air-pollution</a:t>
+            </a:r>
+          </a:p>
+          <a:p>
+            <a:pPr marL="1005840" lvl="4" indent="0">
+              <a:lnSpc>
+                <a:spcPct val="115000"/>
+              </a:lnSpc>
+              <a:spcBef>
+                <a:spcPts val="0"/>
+              </a:spcBef>
+              <a:spcAft>
+                <a:spcPts val="0"/>
+              </a:spcAft>
+              <a:buSzPts val="1000"/>
+              <a:buNone/>
+              <a:tabLst>
+                <a:tab pos="1143000" algn="l"/>
+              </a:tabLst>
+            </a:pPr>
+            <a:r>
+              <a:rPr lang="en-US" sz="1500" b="1" dirty="0">
+                <a:latin typeface="Calibri" panose="020F0502020204030204" pitchFamily="34" charset="0"/>
+                <a:ea typeface="Calibri" panose="020F0502020204030204" pitchFamily="34" charset="0"/>
+                <a:cs typeface="Calibri" panose="020F0502020204030204" pitchFamily="34" charset="0"/>
+              </a:rPr>
+              <a:t>See Screen Shot for Attributes / Column headers explained.  </a:t>
+            </a:r>
+          </a:p>
+          <a:p>
+            <a:pPr marL="925830" lvl="2" indent="-285750">
+              <a:lnSpc>
+                <a:spcPct val="115000"/>
+              </a:lnSpc>
+              <a:spcBef>
+                <a:spcPts val="600"/>
+              </a:spcBef>
+              <a:spcAft>
+                <a:spcPts val="0"/>
+              </a:spcAft>
+              <a:buFont typeface="Courier New" panose="02070309020205020404" pitchFamily="49" charset="0"/>
+              <a:buChar char="o"/>
+            </a:pPr>
+            <a:r>
+              <a:rPr lang="en-US" sz="1500" b="1" dirty="0">
+                <a:effectLst/>
+                <a:latin typeface="Calibri" panose="020F0502020204030204" pitchFamily="34" charset="0"/>
+                <a:ea typeface="Calibri" panose="020F0502020204030204" pitchFamily="34" charset="0"/>
+                <a:cs typeface="Calibri" panose="020F0502020204030204" pitchFamily="34" charset="0"/>
+              </a:rPr>
+              <a:t>Table2 /Database #2: Top Cities Screen Shot</a:t>
+            </a:r>
+            <a:endParaRPr lang="en-US" sz="1500" dirty="0">
+              <a:effectLst/>
+              <a:latin typeface="Calibri" panose="020F0502020204030204" pitchFamily="34" charset="0"/>
+              <a:ea typeface="Calibri" panose="020F0502020204030204" pitchFamily="34" charset="0"/>
+              <a:cs typeface="Times New Roman" panose="02020603050405020304" pitchFamily="18" charset="0"/>
+            </a:endParaRPr>
+          </a:p>
+          <a:p>
+            <a:pPr marL="1435608" lvl="1">
+              <a:lnSpc>
+                <a:spcPct val="115000"/>
+              </a:lnSpc>
+              <a:spcBef>
+                <a:spcPts val="0"/>
+              </a:spcBef>
+              <a:spcAft>
+                <a:spcPts val="0"/>
+              </a:spcAft>
+            </a:pPr>
+            <a:r>
+              <a:rPr lang="en-US" sz="1500" b="1" dirty="0">
+                <a:effectLst/>
+                <a:latin typeface="Calibri" panose="020F0502020204030204" pitchFamily="34" charset="0"/>
+                <a:ea typeface="Calibri" panose="020F0502020204030204" pitchFamily="34" charset="0"/>
+                <a:cs typeface="Calibri" panose="020F0502020204030204" pitchFamily="34" charset="0"/>
+              </a:rPr>
+              <a:t>Data Year Collected in 2022 -</a:t>
+            </a:r>
+            <a:endParaRPr lang="en-US" sz="1500" dirty="0">
+              <a:effectLst/>
+              <a:latin typeface="Calibri" panose="020F0502020204030204" pitchFamily="34" charset="0"/>
+              <a:ea typeface="Calibri" panose="020F0502020204030204" pitchFamily="34" charset="0"/>
+              <a:cs typeface="Times New Roman" panose="02020603050405020304" pitchFamily="18" charset="0"/>
+            </a:endParaRPr>
+          </a:p>
+          <a:p>
+            <a:pPr marL="1435608" lvl="1">
+              <a:lnSpc>
+                <a:spcPct val="115000"/>
+              </a:lnSpc>
+              <a:spcBef>
+                <a:spcPts val="0"/>
+              </a:spcBef>
+              <a:spcAft>
+                <a:spcPts val="0"/>
+              </a:spcAft>
+            </a:pPr>
+            <a:r>
+              <a:rPr lang="en-US" sz="1500" b="1" dirty="0">
+                <a:effectLst/>
+                <a:latin typeface="Calibri" panose="020F0502020204030204" pitchFamily="34" charset="0"/>
+                <a:ea typeface="Calibri" panose="020F0502020204030204" pitchFamily="34" charset="0"/>
+                <a:cs typeface="Calibri" panose="020F0502020204030204" pitchFamily="34" charset="0"/>
+              </a:rPr>
+              <a:t>Database Source:  </a:t>
+            </a:r>
+            <a:r>
+              <a:rPr lang="en-US" sz="1500" dirty="0">
+                <a:effectLst/>
+                <a:latin typeface="Calibri" panose="020F0502020204030204" pitchFamily="34" charset="0"/>
+                <a:ea typeface="Calibri" panose="020F0502020204030204" pitchFamily="34" charset="0"/>
+                <a:cs typeface="Calibri" panose="020F0502020204030204" pitchFamily="34" charset="0"/>
+              </a:rPr>
+              <a:t>Kaggle</a:t>
+            </a:r>
+          </a:p>
+          <a:p>
+            <a:pPr marL="925830" lvl="2" indent="-285750">
+              <a:lnSpc>
+                <a:spcPct val="115000"/>
+              </a:lnSpc>
+              <a:spcBef>
+                <a:spcPts val="600"/>
+              </a:spcBef>
+              <a:spcAft>
+                <a:spcPts val="0"/>
+              </a:spcAft>
+              <a:buFont typeface="Courier New" panose="02070309020205020404" pitchFamily="49" charset="0"/>
+              <a:buChar char="o"/>
+            </a:pPr>
+            <a:r>
+              <a:rPr lang="en-US" sz="1500" b="1" dirty="0">
+                <a:latin typeface="Calibri" panose="020F0502020204030204" pitchFamily="34" charset="0"/>
+                <a:ea typeface="Calibri" panose="020F0502020204030204" pitchFamily="34" charset="0"/>
+                <a:cs typeface="Calibri" panose="020F0502020204030204" pitchFamily="34" charset="0"/>
+              </a:rPr>
+              <a:t>Table 3: Air Quality Index /Look-Up Table</a:t>
+            </a:r>
+          </a:p>
+          <a:p>
+            <a:pPr marL="1108710" lvl="3" indent="-285750">
+              <a:lnSpc>
+                <a:spcPct val="115000"/>
+              </a:lnSpc>
+              <a:spcBef>
+                <a:spcPts val="0"/>
+              </a:spcBef>
+              <a:spcAft>
+                <a:spcPts val="0"/>
+              </a:spcAft>
+              <a:buFont typeface="Courier New" panose="02070309020205020404" pitchFamily="49" charset="0"/>
+              <a:buChar char="o"/>
+            </a:pPr>
+            <a:r>
+              <a:rPr lang="en-US" sz="1500" b="1" dirty="0">
+                <a:latin typeface="Calibri" panose="020F0502020204030204" pitchFamily="34" charset="0"/>
+                <a:ea typeface="Calibri" panose="020F0502020204030204" pitchFamily="34" charset="0"/>
+                <a:cs typeface="Calibri" panose="020F0502020204030204" pitchFamily="34" charset="0"/>
+              </a:rPr>
+              <a:t>Maps, Description of the Air Quality Index</a:t>
+            </a:r>
+          </a:p>
+          <a:p>
+            <a:pPr marL="0" indent="0">
+              <a:lnSpc>
+                <a:spcPct val="115000"/>
+              </a:lnSpc>
+              <a:spcAft>
+                <a:spcPts val="0"/>
+              </a:spcAft>
+              <a:buNone/>
+              <a:tabLst>
+                <a:tab pos="228600" algn="l"/>
+              </a:tabLst>
+            </a:pPr>
+            <a:r>
+              <a:rPr lang="en-US" sz="1500" b="1" dirty="0">
                 <a:solidFill>
                   <a:srgbClr val="2B2B2B"/>
                 </a:solidFill>
                 <a:latin typeface="Calibri" panose="020F0502020204030204" pitchFamily="34" charset="0"/>
-                <a:ea typeface="Times New Roman" panose="02020603050405020304" pitchFamily="18" charset="0"/>
                 <a:cs typeface="Calibri" panose="020F0502020204030204" pitchFamily="34" charset="0"/>
               </a:rPr>
-              <a:t>(Optional Nice to Have): Uses of the </a:t>
-            </a:r>
-            <a:r>
-              <a:rPr lang="en-US" dirty="0" err="1">
-                <a:solidFill>
-                  <a:srgbClr val="2B2B2B"/>
-                </a:solidFill>
+              <a:t>	</a:t>
+            </a:r>
+            <a:r>
+              <a:rPr lang="en-US" sz="1500" b="1" u="sng" dirty="0">
                 <a:latin typeface="Calibri" panose="020F0502020204030204" pitchFamily="34" charset="0"/>
-                <a:ea typeface="Times New Roman" panose="02020603050405020304" pitchFamily="18" charset="0"/>
+                <a:ea typeface="Calibri" panose="020F0502020204030204" pitchFamily="34" charset="0"/>
                 <a:cs typeface="Calibri" panose="020F0502020204030204" pitchFamily="34" charset="0"/>
               </a:rPr>
-              <a:t>OpenWeatherMap</a:t>
-            </a:r>
-            <a:r>
-              <a:rPr lang="en-US" dirty="0">
-                <a:solidFill>
-                  <a:srgbClr val="2B2B2B"/>
-                </a:solidFill>
+              <a:t>Technical Tool Sets:  Python. Tableau, </a:t>
+            </a:r>
+            <a:r>
+              <a:rPr lang="en-US" sz="1500" b="1" u="sng" dirty="0" err="1">
                 <a:latin typeface="Calibri" panose="020F0502020204030204" pitchFamily="34" charset="0"/>
-                <a:ea typeface="Times New Roman" panose="02020603050405020304" pitchFamily="18" charset="0"/>
+                <a:ea typeface="Calibri" panose="020F0502020204030204" pitchFamily="34" charset="0"/>
                 <a:cs typeface="Calibri" panose="020F0502020204030204" pitchFamily="34" charset="0"/>
               </a:rPr>
-              <a:t> API to retrieve the JSON weather data from these cities.</a:t>
-            </a:r>
-            <a:endParaRPr lang="en-US" dirty="0">
-              <a:latin typeface="Calibri" panose="020F0502020204030204" pitchFamily="34" charset="0"/>
-              <a:ea typeface="Calibri" panose="020F0502020204030204" pitchFamily="34" charset="0"/>
-              <a:cs typeface="Times New Roman" panose="02020603050405020304" pitchFamily="18" charset="0"/>
-            </a:endParaRPr>
-          </a:p>
-          <a:p>
-            <a:pPr marL="0" marR="0">
-              <a:lnSpc>
-                <a:spcPct val="115000"/>
-              </a:lnSpc>
-              <a:spcBef>
-                <a:spcPts val="0"/>
-              </a:spcBef>
-              <a:spcAft>
-                <a:spcPts val="0"/>
-              </a:spcAft>
-            </a:pPr>
-            <a:r>
-              <a:rPr lang="en-US" sz="1700" dirty="0">
-                <a:solidFill>
-                  <a:srgbClr val="2B2B2B"/>
-                </a:solidFill>
+              <a:t>Jupyter</a:t>
+            </a:r>
+            <a:r>
+              <a:rPr lang="en-US" sz="1500" b="1" u="sng" dirty="0">
                 <a:latin typeface="Calibri" panose="020F0502020204030204" pitchFamily="34" charset="0"/>
-                <a:ea typeface="Times New Roman" panose="02020603050405020304" pitchFamily="18" charset="0"/>
+                <a:ea typeface="Calibri" panose="020F0502020204030204" pitchFamily="34" charset="0"/>
                 <a:cs typeface="Calibri" panose="020F0502020204030204" pitchFamily="34" charset="0"/>
               </a:rPr>
-              <a:t> </a:t>
-            </a:r>
-            <a:endParaRPr lang="en-US" sz="1700" dirty="0">
-              <a:latin typeface="Calibri" panose="020F0502020204030204" pitchFamily="34" charset="0"/>
-              <a:ea typeface="Calibri" panose="020F0502020204030204" pitchFamily="34" charset="0"/>
-              <a:cs typeface="Times New Roman" panose="02020603050405020304" pitchFamily="18" charset="0"/>
-            </a:endParaRPr>
-          </a:p>
-          <a:p>
-            <a:endParaRPr lang="en-US" dirty="0"/>
+              <a:t> Notebook</a:t>
+            </a:r>
           </a:p>
         </p:txBody>
       </p:sp>
     </p:spTree>
     <p:extLst>
       <p:ext uri="{BB962C8B-B14F-4D97-AF65-F5344CB8AC3E}">
-        <p14:creationId xmlns:p14="http://schemas.microsoft.com/office/powerpoint/2010/main" val="1353458954"/>
+        <p14:creationId xmlns:p14="http://schemas.microsoft.com/office/powerpoint/2010/main" val="2588026706"/>
       </p:ext>
     </p:extLst>
   </p:cSld>
@@ -6323,529 +6550,6 @@
           </a:bodyPr>
           <a:lstStyle/>
           <a:p>
-            <a:pPr marL="0" marR="0">
-              <a:lnSpc>
-                <a:spcPct val="115000"/>
-              </a:lnSpc>
-              <a:spcBef>
-                <a:spcPts val="0"/>
-              </a:spcBef>
-              <a:spcAft>
-                <a:spcPts val="0"/>
-              </a:spcAft>
-            </a:pPr>
-            <a:r>
-              <a:rPr lang="en-US" sz="4800" b="1" u="sng" dirty="0">
-                <a:solidFill>
-                  <a:srgbClr val="2B2B2B"/>
-                </a:solidFill>
-                <a:latin typeface="Calibri" panose="020F0502020204030204" pitchFamily="34" charset="0"/>
-                <a:ea typeface="Times New Roman" panose="02020603050405020304" pitchFamily="18" charset="0"/>
-                <a:cs typeface="Calibri" panose="020F0502020204030204" pitchFamily="34" charset="0"/>
-              </a:rPr>
-              <a:t>Our Approach:</a:t>
-            </a:r>
-            <a:endParaRPr lang="en-US" sz="4800" dirty="0">
-              <a:latin typeface="Calibri" panose="020F0502020204030204" pitchFamily="34" charset="0"/>
-              <a:ea typeface="Calibri" panose="020F0502020204030204" pitchFamily="34" charset="0"/>
-              <a:cs typeface="Times New Roman" panose="02020603050405020304" pitchFamily="18" charset="0"/>
-            </a:endParaRPr>
-          </a:p>
-        </p:txBody>
-      </p:sp>
-      <p:sp>
-        <p:nvSpPr>
-          <p:cNvPr id="5" name="Content Placeholder 4">
-            <a:extLst>
-              <a:ext uri="{FF2B5EF4-FFF2-40B4-BE49-F238E27FC236}">
-                <a16:creationId xmlns:a16="http://schemas.microsoft.com/office/drawing/2014/main" id="{73A7EBCF-5494-2CF5-208B-5F6B01D509BF}"/>
-              </a:ext>
-            </a:extLst>
-          </p:cNvPr>
-          <p:cNvSpPr>
-            <a:spLocks noGrp="1"/>
-          </p:cNvSpPr>
-          <p:nvPr>
-            <p:ph idx="1"/>
-          </p:nvPr>
-        </p:nvSpPr>
-        <p:spPr/>
-        <p:txBody>
-          <a:bodyPr>
-            <a:noAutofit/>
-          </a:bodyPr>
-          <a:lstStyle/>
-          <a:p>
-            <a:pPr marL="0" marR="0">
-              <a:lnSpc>
-                <a:spcPct val="115000"/>
-              </a:lnSpc>
-              <a:spcBef>
-                <a:spcPts val="0"/>
-              </a:spcBef>
-              <a:spcAft>
-                <a:spcPts val="0"/>
-              </a:spcAft>
-            </a:pPr>
-            <a:r>
-              <a:rPr lang="en-US" sz="1500" b="1" u="sng" dirty="0">
-                <a:solidFill>
-                  <a:srgbClr val="2B2B2B"/>
-                </a:solidFill>
-                <a:latin typeface="Calibri" panose="020F0502020204030204" pitchFamily="34" charset="0"/>
-                <a:ea typeface="Times New Roman" panose="02020603050405020304" pitchFamily="18" charset="0"/>
-                <a:cs typeface="Calibri" panose="020F0502020204030204" pitchFamily="34" charset="0"/>
-              </a:rPr>
-              <a:t>Our Approach:</a:t>
-            </a:r>
-            <a:endParaRPr lang="en-US" sz="1500" dirty="0">
-              <a:latin typeface="Calibri" panose="020F0502020204030204" pitchFamily="34" charset="0"/>
-              <a:ea typeface="Calibri" panose="020F0502020204030204" pitchFamily="34" charset="0"/>
-              <a:cs typeface="Times New Roman" panose="02020603050405020304" pitchFamily="18" charset="0"/>
-            </a:endParaRPr>
-          </a:p>
-          <a:p>
-            <a:pPr marL="342900" marR="0" lvl="0" indent="-342900">
-              <a:lnSpc>
-                <a:spcPct val="115000"/>
-              </a:lnSpc>
-              <a:spcBef>
-                <a:spcPts val="0"/>
-              </a:spcBef>
-              <a:spcAft>
-                <a:spcPts val="0"/>
-              </a:spcAft>
-              <a:buFont typeface="+mj-lt"/>
-              <a:buAutoNum type="arabicPeriod"/>
-              <a:tabLst>
-                <a:tab pos="228600" algn="l"/>
-              </a:tabLst>
-            </a:pPr>
-            <a:r>
-              <a:rPr lang="en-US" sz="1500" b="1" dirty="0">
-                <a:solidFill>
-                  <a:srgbClr val="2B2B2B"/>
-                </a:solidFill>
-                <a:latin typeface="Calibri" panose="020F0502020204030204" pitchFamily="34" charset="0"/>
-                <a:ea typeface="Times New Roman" panose="02020603050405020304" pitchFamily="18" charset="0"/>
-                <a:cs typeface="Calibri" panose="020F0502020204030204" pitchFamily="34" charset="0"/>
-              </a:rPr>
-              <a:t>Collect the Data</a:t>
-            </a:r>
-            <a:r>
-              <a:rPr lang="en-US" sz="1500" dirty="0">
-                <a:solidFill>
-                  <a:srgbClr val="2B2B2B"/>
-                </a:solidFill>
-                <a:latin typeface="Calibri" panose="020F0502020204030204" pitchFamily="34" charset="0"/>
-                <a:ea typeface="Times New Roman" panose="02020603050405020304" pitchFamily="18" charset="0"/>
-                <a:cs typeface="Calibri" panose="020F0502020204030204" pitchFamily="34" charset="0"/>
-              </a:rPr>
-              <a:t> </a:t>
-            </a:r>
-            <a:endParaRPr lang="en-US" sz="1500" dirty="0">
-              <a:latin typeface="Calibri" panose="020F0502020204030204" pitchFamily="34" charset="0"/>
-              <a:ea typeface="Calibri" panose="020F0502020204030204" pitchFamily="34" charset="0"/>
-              <a:cs typeface="Times New Roman" panose="02020603050405020304" pitchFamily="18" charset="0"/>
-            </a:endParaRPr>
-          </a:p>
-          <a:p>
-            <a:pPr marL="635508" lvl="1" indent="-342900">
-              <a:lnSpc>
-                <a:spcPct val="115000"/>
-              </a:lnSpc>
-              <a:spcBef>
-                <a:spcPts val="0"/>
-              </a:spcBef>
-              <a:spcAft>
-                <a:spcPts val="0"/>
-              </a:spcAft>
-              <a:buFont typeface="Symbol" panose="05050102010706020507" pitchFamily="18" charset="2"/>
-              <a:buChar char=""/>
-            </a:pPr>
-            <a:r>
-              <a:rPr lang="en-US" sz="1500" b="1" u="sng" dirty="0">
-                <a:latin typeface="Calibri" panose="020F0502020204030204" pitchFamily="34" charset="0"/>
-                <a:ea typeface="Calibri" panose="020F0502020204030204" pitchFamily="34" charset="0"/>
-                <a:cs typeface="Calibri" panose="020F0502020204030204" pitchFamily="34" charset="0"/>
-              </a:rPr>
-              <a:t>Data Source </a:t>
-            </a:r>
-            <a:endParaRPr lang="en-US" sz="1500" dirty="0">
-              <a:latin typeface="Calibri" panose="020F0502020204030204" pitchFamily="34" charset="0"/>
-              <a:ea typeface="Calibri" panose="020F0502020204030204" pitchFamily="34" charset="0"/>
-              <a:cs typeface="Times New Roman" panose="02020603050405020304" pitchFamily="18" charset="0"/>
-            </a:endParaRPr>
-          </a:p>
-          <a:p>
-            <a:pPr marL="640080" lvl="2" indent="0">
-              <a:lnSpc>
-                <a:spcPct val="115000"/>
-              </a:lnSpc>
-              <a:spcBef>
-                <a:spcPts val="0"/>
-              </a:spcBef>
-              <a:spcAft>
-                <a:spcPts val="0"/>
-              </a:spcAft>
-              <a:buSzPts val="1000"/>
-              <a:buNone/>
-              <a:tabLst>
-                <a:tab pos="1143000" algn="l"/>
-              </a:tabLst>
-            </a:pPr>
-            <a:r>
-              <a:rPr lang="en-US" sz="1500" b="1" dirty="0">
-                <a:latin typeface="Calibri" panose="020F0502020204030204" pitchFamily="34" charset="0"/>
-                <a:ea typeface="Calibri" panose="020F0502020204030204" pitchFamily="34" charset="0"/>
-                <a:cs typeface="Calibri" panose="020F0502020204030204" pitchFamily="34" charset="0"/>
-              </a:rPr>
-              <a:t>Weather data from  </a:t>
-            </a:r>
-            <a:r>
-              <a:rPr lang="en-US" sz="1500" b="1" u="sng" dirty="0">
-                <a:solidFill>
-                  <a:srgbClr val="0000FF"/>
-                </a:solidFill>
-                <a:latin typeface="Calibri" panose="020F0502020204030204" pitchFamily="34" charset="0"/>
-                <a:ea typeface="Calibri" panose="020F0502020204030204" pitchFamily="34" charset="0"/>
-                <a:cs typeface="Calibri" panose="020F0502020204030204" pitchFamily="34" charset="0"/>
-                <a:hlinkClick r:id="rId2"/>
-              </a:rPr>
-              <a:t>https://openweathermap.org/api/air-pollution</a:t>
-            </a:r>
-            <a:endParaRPr lang="en-US" sz="1500" b="1" u="sng" dirty="0">
-              <a:solidFill>
-                <a:srgbClr val="0000FF"/>
-              </a:solidFill>
-              <a:latin typeface="Calibri" panose="020F0502020204030204" pitchFamily="34" charset="0"/>
-              <a:ea typeface="Calibri" panose="020F0502020204030204" pitchFamily="34" charset="0"/>
-              <a:cs typeface="Times New Roman" panose="02020603050405020304" pitchFamily="18" charset="0"/>
-            </a:endParaRPr>
-          </a:p>
-          <a:p>
-            <a:pPr marL="1291590" lvl="4" indent="-285750">
-              <a:lnSpc>
-                <a:spcPct val="115000"/>
-              </a:lnSpc>
-              <a:spcBef>
-                <a:spcPts val="0"/>
-              </a:spcBef>
-              <a:spcAft>
-                <a:spcPts val="0"/>
-              </a:spcAft>
-              <a:buSzPts val="1000"/>
-              <a:buFont typeface="Courier New" panose="02070309020205020404" pitchFamily="49" charset="0"/>
-              <a:buChar char="o"/>
-              <a:tabLst>
-                <a:tab pos="1143000" algn="l"/>
-              </a:tabLst>
-            </a:pPr>
-            <a:r>
-              <a:rPr lang="en-US" sz="1500" b="1" dirty="0">
-                <a:latin typeface="Calibri" panose="020F0502020204030204" pitchFamily="34" charset="0"/>
-                <a:ea typeface="Calibri" panose="020F0502020204030204" pitchFamily="34" charset="0"/>
-                <a:cs typeface="Calibri" panose="020F0502020204030204" pitchFamily="34" charset="0"/>
-              </a:rPr>
-              <a:t>Tracking to investigate Air Quality in Multiple Cities</a:t>
-            </a:r>
-          </a:p>
-          <a:p>
-            <a:pPr marL="925830" lvl="2" indent="-285750">
-              <a:lnSpc>
-                <a:spcPct val="115000"/>
-              </a:lnSpc>
-              <a:spcBef>
-                <a:spcPts val="0"/>
-              </a:spcBef>
-              <a:spcAft>
-                <a:spcPts val="0"/>
-              </a:spcAft>
-              <a:buSzPts val="1000"/>
-              <a:buFont typeface="Courier New" panose="02070309020205020404" pitchFamily="49" charset="0"/>
-              <a:buChar char="o"/>
-              <a:tabLst>
-                <a:tab pos="1143000" algn="l"/>
-              </a:tabLst>
-            </a:pPr>
-            <a:r>
-              <a:rPr lang="en-US" sz="1500" b="1" dirty="0">
-                <a:latin typeface="Calibri" panose="020F0502020204030204" pitchFamily="34" charset="0"/>
-                <a:ea typeface="Calibri" panose="020F0502020204030204" pitchFamily="34" charset="0"/>
-                <a:cs typeface="Calibri" panose="020F0502020204030204" pitchFamily="34" charset="0"/>
-              </a:rPr>
-              <a:t>Table1: For our Pollution Data: air quality standards as per https://openweathermap.org/api/air-pollution</a:t>
-            </a:r>
-          </a:p>
-          <a:p>
-            <a:pPr marL="1005840" lvl="4" indent="0">
-              <a:lnSpc>
-                <a:spcPct val="115000"/>
-              </a:lnSpc>
-              <a:spcBef>
-                <a:spcPts val="0"/>
-              </a:spcBef>
-              <a:spcAft>
-                <a:spcPts val="0"/>
-              </a:spcAft>
-              <a:buSzPts val="1000"/>
-              <a:buNone/>
-              <a:tabLst>
-                <a:tab pos="1143000" algn="l"/>
-              </a:tabLst>
-            </a:pPr>
-            <a:r>
-              <a:rPr lang="en-US" sz="1500" b="1" dirty="0">
-                <a:latin typeface="Calibri" panose="020F0502020204030204" pitchFamily="34" charset="0"/>
-                <a:ea typeface="Calibri" panose="020F0502020204030204" pitchFamily="34" charset="0"/>
-                <a:cs typeface="Calibri" panose="020F0502020204030204" pitchFamily="34" charset="0"/>
-              </a:rPr>
-              <a:t>See Screen Shot for Attributes / Column headers explained.  </a:t>
-            </a:r>
-          </a:p>
-          <a:p>
-            <a:pPr marL="925830" lvl="2" indent="-285750">
-              <a:lnSpc>
-                <a:spcPct val="115000"/>
-              </a:lnSpc>
-              <a:spcBef>
-                <a:spcPts val="600"/>
-              </a:spcBef>
-              <a:spcAft>
-                <a:spcPts val="0"/>
-              </a:spcAft>
-              <a:buFont typeface="Courier New" panose="02070309020205020404" pitchFamily="49" charset="0"/>
-              <a:buChar char="o"/>
-            </a:pPr>
-            <a:r>
-              <a:rPr lang="en-US" sz="1500" b="1" dirty="0">
-                <a:effectLst/>
-                <a:latin typeface="Calibri" panose="020F0502020204030204" pitchFamily="34" charset="0"/>
-                <a:ea typeface="Calibri" panose="020F0502020204030204" pitchFamily="34" charset="0"/>
-                <a:cs typeface="Calibri" panose="020F0502020204030204" pitchFamily="34" charset="0"/>
-              </a:rPr>
-              <a:t>Table2 /Database #2: Top Cities Screen Shot</a:t>
-            </a:r>
-            <a:endParaRPr lang="en-US" sz="1500" dirty="0">
-              <a:effectLst/>
-              <a:latin typeface="Calibri" panose="020F0502020204030204" pitchFamily="34" charset="0"/>
-              <a:ea typeface="Calibri" panose="020F0502020204030204" pitchFamily="34" charset="0"/>
-              <a:cs typeface="Times New Roman" panose="02020603050405020304" pitchFamily="18" charset="0"/>
-            </a:endParaRPr>
-          </a:p>
-          <a:p>
-            <a:pPr marL="1435608" lvl="1">
-              <a:lnSpc>
-                <a:spcPct val="115000"/>
-              </a:lnSpc>
-              <a:spcBef>
-                <a:spcPts val="0"/>
-              </a:spcBef>
-              <a:spcAft>
-                <a:spcPts val="0"/>
-              </a:spcAft>
-            </a:pPr>
-            <a:r>
-              <a:rPr lang="en-US" sz="1500" b="1" dirty="0">
-                <a:effectLst/>
-                <a:latin typeface="Calibri" panose="020F0502020204030204" pitchFamily="34" charset="0"/>
-                <a:ea typeface="Calibri" panose="020F0502020204030204" pitchFamily="34" charset="0"/>
-                <a:cs typeface="Calibri" panose="020F0502020204030204" pitchFamily="34" charset="0"/>
-              </a:rPr>
-              <a:t>Data Year Collected in 2022 -</a:t>
-            </a:r>
-            <a:endParaRPr lang="en-US" sz="1500" dirty="0">
-              <a:effectLst/>
-              <a:latin typeface="Calibri" panose="020F0502020204030204" pitchFamily="34" charset="0"/>
-              <a:ea typeface="Calibri" panose="020F0502020204030204" pitchFamily="34" charset="0"/>
-              <a:cs typeface="Times New Roman" panose="02020603050405020304" pitchFamily="18" charset="0"/>
-            </a:endParaRPr>
-          </a:p>
-          <a:p>
-            <a:pPr marL="1435608" lvl="1">
-              <a:lnSpc>
-                <a:spcPct val="115000"/>
-              </a:lnSpc>
-              <a:spcBef>
-                <a:spcPts val="0"/>
-              </a:spcBef>
-              <a:spcAft>
-                <a:spcPts val="0"/>
-              </a:spcAft>
-            </a:pPr>
-            <a:r>
-              <a:rPr lang="en-US" sz="1500" b="1" dirty="0">
-                <a:effectLst/>
-                <a:latin typeface="Calibri" panose="020F0502020204030204" pitchFamily="34" charset="0"/>
-                <a:ea typeface="Calibri" panose="020F0502020204030204" pitchFamily="34" charset="0"/>
-                <a:cs typeface="Calibri" panose="020F0502020204030204" pitchFamily="34" charset="0"/>
-              </a:rPr>
-              <a:t>Database Source:  </a:t>
-            </a:r>
-            <a:r>
-              <a:rPr lang="en-US" sz="1500" dirty="0">
-                <a:effectLst/>
-                <a:latin typeface="Calibri" panose="020F0502020204030204" pitchFamily="34" charset="0"/>
-                <a:ea typeface="Calibri" panose="020F0502020204030204" pitchFamily="34" charset="0"/>
-                <a:cs typeface="Calibri" panose="020F0502020204030204" pitchFamily="34" charset="0"/>
-              </a:rPr>
-              <a:t>Kaggle</a:t>
-            </a:r>
-          </a:p>
-          <a:p>
-            <a:pPr marL="925830" lvl="2" indent="-285750">
-              <a:lnSpc>
-                <a:spcPct val="115000"/>
-              </a:lnSpc>
-              <a:spcBef>
-                <a:spcPts val="600"/>
-              </a:spcBef>
-              <a:spcAft>
-                <a:spcPts val="0"/>
-              </a:spcAft>
-              <a:buFont typeface="Courier New" panose="02070309020205020404" pitchFamily="49" charset="0"/>
-              <a:buChar char="o"/>
-            </a:pPr>
-            <a:r>
-              <a:rPr lang="en-US" sz="1500" b="1" dirty="0">
-                <a:latin typeface="Calibri" panose="020F0502020204030204" pitchFamily="34" charset="0"/>
-                <a:ea typeface="Calibri" panose="020F0502020204030204" pitchFamily="34" charset="0"/>
-                <a:cs typeface="Calibri" panose="020F0502020204030204" pitchFamily="34" charset="0"/>
-              </a:rPr>
-              <a:t>Table 3: Air Quality Index /Look-Up Table</a:t>
-            </a:r>
-          </a:p>
-          <a:p>
-            <a:pPr marL="1108710" lvl="3" indent="-285750">
-              <a:lnSpc>
-                <a:spcPct val="115000"/>
-              </a:lnSpc>
-              <a:spcBef>
-                <a:spcPts val="0"/>
-              </a:spcBef>
-              <a:spcAft>
-                <a:spcPts val="0"/>
-              </a:spcAft>
-              <a:buFont typeface="Courier New" panose="02070309020205020404" pitchFamily="49" charset="0"/>
-              <a:buChar char="o"/>
-            </a:pPr>
-            <a:r>
-              <a:rPr lang="en-US" sz="1500" b="1" dirty="0">
-                <a:latin typeface="Calibri" panose="020F0502020204030204" pitchFamily="34" charset="0"/>
-                <a:ea typeface="Calibri" panose="020F0502020204030204" pitchFamily="34" charset="0"/>
-                <a:cs typeface="Calibri" panose="020F0502020204030204" pitchFamily="34" charset="0"/>
-              </a:rPr>
-              <a:t>Maps, Description of the Air Quality Index</a:t>
-            </a:r>
-          </a:p>
-          <a:p>
-            <a:pPr marL="0" indent="0">
-              <a:lnSpc>
-                <a:spcPct val="115000"/>
-              </a:lnSpc>
-              <a:spcAft>
-                <a:spcPts val="0"/>
-              </a:spcAft>
-              <a:buNone/>
-              <a:tabLst>
-                <a:tab pos="228600" algn="l"/>
-              </a:tabLst>
-            </a:pPr>
-            <a:r>
-              <a:rPr lang="en-US" sz="1500" b="1" dirty="0">
-                <a:solidFill>
-                  <a:srgbClr val="2B2B2B"/>
-                </a:solidFill>
-                <a:latin typeface="Calibri" panose="020F0502020204030204" pitchFamily="34" charset="0"/>
-                <a:cs typeface="Calibri" panose="020F0502020204030204" pitchFamily="34" charset="0"/>
-              </a:rPr>
-              <a:t>	</a:t>
-            </a:r>
-            <a:r>
-              <a:rPr lang="en-US" sz="1500" b="1" u="sng" dirty="0">
-                <a:latin typeface="Calibri" panose="020F0502020204030204" pitchFamily="34" charset="0"/>
-                <a:ea typeface="Calibri" panose="020F0502020204030204" pitchFamily="34" charset="0"/>
-                <a:cs typeface="Calibri" panose="020F0502020204030204" pitchFamily="34" charset="0"/>
-              </a:rPr>
-              <a:t>Technical Tool Sets:  Python. Tableau, </a:t>
-            </a:r>
-            <a:r>
-              <a:rPr lang="en-US" sz="1500" b="1" u="sng" dirty="0" err="1">
-                <a:latin typeface="Calibri" panose="020F0502020204030204" pitchFamily="34" charset="0"/>
-                <a:ea typeface="Calibri" panose="020F0502020204030204" pitchFamily="34" charset="0"/>
-                <a:cs typeface="Calibri" panose="020F0502020204030204" pitchFamily="34" charset="0"/>
-              </a:rPr>
-              <a:t>Jupyter</a:t>
-            </a:r>
-            <a:r>
-              <a:rPr lang="en-US" sz="1500" b="1" u="sng" dirty="0">
-                <a:latin typeface="Calibri" panose="020F0502020204030204" pitchFamily="34" charset="0"/>
-                <a:ea typeface="Calibri" panose="020F0502020204030204" pitchFamily="34" charset="0"/>
-                <a:cs typeface="Calibri" panose="020F0502020204030204" pitchFamily="34" charset="0"/>
-              </a:rPr>
-              <a:t> Notebook</a:t>
-            </a:r>
-          </a:p>
-        </p:txBody>
-      </p:sp>
-    </p:spTree>
-    <p:extLst>
-      <p:ext uri="{BB962C8B-B14F-4D97-AF65-F5344CB8AC3E}">
-        <p14:creationId xmlns:p14="http://schemas.microsoft.com/office/powerpoint/2010/main" val="2588026706"/>
-      </p:ext>
-    </p:extLst>
-  </p:cSld>
-  <p:clrMapOvr>
-    <a:masterClrMapping/>
-  </p:clrMapOvr>
-</p:sld>
-</file>
-
-<file path=ppt/slides/slide7.xml><?xml version="1.0" encoding="utf-8"?>
-<p:sld xmlns:a="http://schemas.openxmlformats.org/drawingml/2006/main" xmlns:r="http://schemas.openxmlformats.org/officeDocument/2006/relationships" xmlns:p="http://schemas.openxmlformats.org/presentationml/2006/main">
-  <p:cSld>
-    <p:spTree>
-      <p:nvGrpSpPr>
-        <p:cNvPr id="1" name=""/>
-        <p:cNvGrpSpPr/>
-        <p:nvPr/>
-      </p:nvGrpSpPr>
-      <p:grpSpPr>
-        <a:xfrm>
-          <a:off x="0" y="0"/>
-          <a:ext cx="0" cy="0"/>
-          <a:chOff x="0" y="0"/>
-          <a:chExt cx="0" cy="0"/>
-        </a:xfrm>
-      </p:grpSpPr>
-      <p:sp>
-        <p:nvSpPr>
-          <p:cNvPr id="2" name="Title 1">
-            <a:extLst>
-              <a:ext uri="{FF2B5EF4-FFF2-40B4-BE49-F238E27FC236}">
-                <a16:creationId xmlns:a16="http://schemas.microsoft.com/office/drawing/2014/main" id="{75AC86D3-8FD1-4F47-A319-7D0542E48B2F}"/>
-              </a:ext>
-            </a:extLst>
-          </p:cNvPr>
-          <p:cNvSpPr>
-            <a:spLocks noGrp="1"/>
-          </p:cNvSpPr>
-          <p:nvPr>
-            <p:ph type="title"/>
-          </p:nvPr>
-        </p:nvSpPr>
-        <p:spPr>
-          <a:xfrm>
-            <a:off x="1097280" y="286603"/>
-            <a:ext cx="10058400" cy="1450757"/>
-          </a:xfrm>
-        </p:spPr>
-        <p:txBody>
-          <a:bodyPr vert="horz" lIns="91440" tIns="45720" rIns="91440" bIns="45720" rtlCol="0">
-            <a:normAutofit/>
-          </a:bodyPr>
-          <a:lstStyle/>
-          <a:p>
             <a:r>
               <a:rPr lang="en-US" dirty="0"/>
               <a:t>Project Database</a:t>
@@ -7080,7 +6784,7 @@
 </p:sld>
 </file>
 
-<file path=ppt/slides/slide8.xml><?xml version="1.0" encoding="utf-8"?>
+<file path=ppt/slides/slide7.xml><?xml version="1.0" encoding="utf-8"?>
 <p:sld xmlns:a="http://schemas.openxmlformats.org/drawingml/2006/main" xmlns:r="http://schemas.openxmlformats.org/officeDocument/2006/relationships" xmlns:p="http://schemas.openxmlformats.org/presentationml/2006/main">
   <p:cSld>
     <p:spTree>
@@ -7174,7 +6878,7 @@
 </p:sld>
 </file>
 
-<file path=ppt/slides/slide9.xml><?xml version="1.0" encoding="utf-8"?>
+<file path=ppt/slides/slide8.xml><?xml version="1.0" encoding="utf-8"?>
 <p:sld xmlns:a="http://schemas.openxmlformats.org/drawingml/2006/main" xmlns:r="http://schemas.openxmlformats.org/officeDocument/2006/relationships" xmlns:p="http://schemas.openxmlformats.org/presentationml/2006/main">
   <p:cSld>
     <p:spTree>
@@ -7259,6 +6963,93 @@
     <p:extLst>
       <p:ext uri="{BB962C8B-B14F-4D97-AF65-F5344CB8AC3E}">
         <p14:creationId xmlns:p14="http://schemas.microsoft.com/office/powerpoint/2010/main" val="2735542354"/>
+      </p:ext>
+    </p:extLst>
+  </p:cSld>
+  <p:clrMapOvr>
+    <a:masterClrMapping/>
+  </p:clrMapOvr>
+</p:sld>
+</file>
+
+<file path=ppt/slides/slide9.xml><?xml version="1.0" encoding="utf-8"?>
+<p:sld xmlns:a="http://schemas.openxmlformats.org/drawingml/2006/main" xmlns:r="http://schemas.openxmlformats.org/officeDocument/2006/relationships" xmlns:p="http://schemas.openxmlformats.org/presentationml/2006/main">
+  <p:cSld>
+    <p:spTree>
+      <p:nvGrpSpPr>
+        <p:cNvPr id="1" name=""/>
+        <p:cNvGrpSpPr/>
+        <p:nvPr/>
+      </p:nvGrpSpPr>
+      <p:grpSpPr>
+        <a:xfrm>
+          <a:off x="0" y="0"/>
+          <a:ext cx="0" cy="0"/>
+          <a:chOff x="0" y="0"/>
+          <a:chExt cx="0" cy="0"/>
+        </a:xfrm>
+      </p:grpSpPr>
+      <p:sp>
+        <p:nvSpPr>
+          <p:cNvPr id="2" name="Title 1">
+            <a:extLst>
+              <a:ext uri="{FF2B5EF4-FFF2-40B4-BE49-F238E27FC236}">
+                <a16:creationId xmlns:a16="http://schemas.microsoft.com/office/drawing/2014/main" id="{5D359F55-A55E-214C-21A3-EC9A98063960}"/>
+              </a:ext>
+            </a:extLst>
+          </p:cNvPr>
+          <p:cNvSpPr>
+            <a:spLocks noGrp="1"/>
+          </p:cNvSpPr>
+          <p:nvPr>
+            <p:ph type="title"/>
+          </p:nvPr>
+        </p:nvSpPr>
+        <p:spPr/>
+        <p:txBody>
+          <a:bodyPr/>
+          <a:lstStyle/>
+          <a:p>
+            <a:r>
+              <a:rPr lang="en-US" dirty="0"/>
+              <a:t>Air Quality Look Up</a:t>
+            </a:r>
+          </a:p>
+        </p:txBody>
+      </p:sp>
+      <p:pic>
+        <p:nvPicPr>
+          <p:cNvPr id="5" name="Content Placeholder 4" descr="Table&#10;&#10;Description automatically generated">
+            <a:extLst>
+              <a:ext uri="{FF2B5EF4-FFF2-40B4-BE49-F238E27FC236}">
+                <a16:creationId xmlns:a16="http://schemas.microsoft.com/office/drawing/2014/main" id="{485F1198-B3F3-CEE3-2F8B-9BC3F46AC6CC}"/>
+              </a:ext>
+            </a:extLst>
+          </p:cNvPr>
+          <p:cNvPicPr>
+            <a:picLocks noGrp="1" noChangeAspect="1"/>
+          </p:cNvPicPr>
+          <p:nvPr>
+            <p:ph idx="1"/>
+          </p:nvPr>
+        </p:nvPicPr>
+        <p:blipFill>
+          <a:blip r:embed="rId2"/>
+          <a:stretch>
+            <a:fillRect/>
+          </a:stretch>
+        </p:blipFill>
+        <p:spPr>
+          <a:xfrm>
+            <a:off x="1170153" y="2044192"/>
+            <a:ext cx="5596052" cy="3760788"/>
+          </a:xfrm>
+        </p:spPr>
+      </p:pic>
+    </p:spTree>
+    <p:extLst>
+      <p:ext uri="{BB962C8B-B14F-4D97-AF65-F5344CB8AC3E}">
+        <p14:creationId xmlns:p14="http://schemas.microsoft.com/office/powerpoint/2010/main" val="2515695766"/>
       </p:ext>
     </p:extLst>
   </p:cSld>
@@ -7638,6 +7429,24 @@
 </file>
 
 <file path=customXml/item1.xml><?xml version="1.0" encoding="utf-8"?>
+<?mso-contentType ?>
+<FormTemplates xmlns="http://schemas.microsoft.com/sharepoint/v3/contenttype/forms">
+  <Display>DocumentLibraryForm</Display>
+  <Edit>DocumentLibraryForm</Edit>
+  <New>DocumentLibraryForm</New>
+</FormTemplates>
+</file>
+
+<file path=customXml/item2.xml><?xml version="1.0" encoding="utf-8"?>
+<p:properties xmlns:p="http://schemas.microsoft.com/office/2006/metadata/properties" xmlns:xsi="http://www.w3.org/2001/XMLSchema-instance" xmlns:pc="http://schemas.microsoft.com/office/infopath/2007/PartnerControls">
+  <documentManagement>
+    <Status xmlns="71af3243-3dd4-4a8d-8c0d-dd76da1f02a5">Not started</Status>
+    <MediaServiceKeyPoints xmlns="71af3243-3dd4-4a8d-8c0d-dd76da1f02a5" xsi:nil="true"/>
+  </documentManagement>
+</p:properties>
+</file>
+
+<file path=customXml/item3.xml><?xml version="1.0" encoding="utf-8"?>
 <ct:contentTypeSchema xmlns:ct="http://schemas.microsoft.com/office/2006/metadata/contentType" xmlns:ma="http://schemas.microsoft.com/office/2006/metadata/properties/metaAttributes" ct:_="" ma:_="" ma:contentTypeName="Document" ma:contentTypeID="0x01010079F111ED35F8CC479449609E8A0923A6" ma:contentTypeVersion="12" ma:contentTypeDescription="Create a new document." ma:contentTypeScope="" ma:versionID="a410dd7f93c95333ffa1b60ed6adedd1">
   <xsd:schema xmlns:xsd="http://www.w3.org/2001/XMLSchema" xmlns:xs="http://www.w3.org/2001/XMLSchema" xmlns:p="http://schemas.microsoft.com/office/2006/metadata/properties" xmlns:ns2="71af3243-3dd4-4a8d-8c0d-dd76da1f02a5" xmlns:ns3="16c05727-aa75-4e4a-9b5f-8a80a1165891" targetNamespace="http://schemas.microsoft.com/office/2006/metadata/properties" ma:root="true" ma:fieldsID="a936d9baba76aa3866493feff160faab" ns2:_="" ns3:_="">
     <xsd:import namespace="71af3243-3dd4-4a8d-8c0d-dd76da1f02a5"/>
@@ -7858,39 +7667,10 @@
 </ct:contentTypeSchema>
 </file>
 
-<file path=customXml/item2.xml><?xml version="1.0" encoding="utf-8"?>
-<p:properties xmlns:p="http://schemas.microsoft.com/office/2006/metadata/properties" xmlns:xsi="http://www.w3.org/2001/XMLSchema-instance" xmlns:pc="http://schemas.microsoft.com/office/infopath/2007/PartnerControls">
-  <documentManagement>
-    <Status xmlns="71af3243-3dd4-4a8d-8c0d-dd76da1f02a5">Not started</Status>
-    <MediaServiceKeyPoints xmlns="71af3243-3dd4-4a8d-8c0d-dd76da1f02a5" xsi:nil="true"/>
-  </documentManagement>
-</p:properties>
-</file>
-
-<file path=customXml/item3.xml><?xml version="1.0" encoding="utf-8"?>
-<?mso-contentType ?>
-<FormTemplates xmlns="http://schemas.microsoft.com/sharepoint/v3/contenttype/forms">
-  <Display>DocumentLibraryForm</Display>
-  <Edit>DocumentLibraryForm</Edit>
-  <New>DocumentLibraryForm</New>
-</FormTemplates>
-</file>
-
 <file path=customXml/itemProps1.xml><?xml version="1.0" encoding="utf-8"?>
-<ds:datastoreItem xmlns:ds="http://schemas.openxmlformats.org/officeDocument/2006/customXml" ds:itemID="{93932EF5-314F-409E-8020-FEE5FA0795B9}">
+<ds:datastoreItem xmlns:ds="http://schemas.openxmlformats.org/officeDocument/2006/customXml" ds:itemID="{AA3F7EDC-E5B4-4BBC-9D2A-CBE6D46C37AD}">
   <ds:schemaRefs>
-    <ds:schemaRef ds:uri="http://schemas.microsoft.com/office/2006/metadata/contentType"/>
-    <ds:schemaRef ds:uri="http://schemas.microsoft.com/office/2006/metadata/properties/metaAttributes"/>
-    <ds:schemaRef ds:uri="http://www.w3.org/2001/XMLSchema"/>
-    <ds:schemaRef ds:uri="http://schemas.microsoft.com/office/2006/metadata/properties"/>
-    <ds:schemaRef ds:uri="71af3243-3dd4-4a8d-8c0d-dd76da1f02a5"/>
-    <ds:schemaRef ds:uri="16c05727-aa75-4e4a-9b5f-8a80a1165891"/>
-    <ds:schemaRef ds:uri="http://schemas.microsoft.com/office/2006/documentManagement/types"/>
-    <ds:schemaRef ds:uri="http://schemas.microsoft.com/office/infopath/2007/PartnerControls"/>
-    <ds:schemaRef ds:uri="http://schemas.openxmlformats.org/package/2006/metadata/core-properties"/>
-    <ds:schemaRef ds:uri="http://purl.org/dc/elements/1.1/"/>
-    <ds:schemaRef ds:uri="http://purl.org/dc/terms/"/>
-    <ds:schemaRef ds:uri="http://schemas.microsoft.com/internal/obd"/>
+    <ds:schemaRef ds:uri="http://schemas.microsoft.com/sharepoint/v3/contenttype/forms"/>
   </ds:schemaRefs>
 </ds:datastoreItem>
 </file>
@@ -7913,9 +7693,20 @@
 </file>
 
 <file path=customXml/itemProps3.xml><?xml version="1.0" encoding="utf-8"?>
-<ds:datastoreItem xmlns:ds="http://schemas.openxmlformats.org/officeDocument/2006/customXml" ds:itemID="{AA3F7EDC-E5B4-4BBC-9D2A-CBE6D46C37AD}">
+<ds:datastoreItem xmlns:ds="http://schemas.openxmlformats.org/officeDocument/2006/customXml" ds:itemID="{93932EF5-314F-409E-8020-FEE5FA0795B9}">
   <ds:schemaRefs>
-    <ds:schemaRef ds:uri="http://schemas.microsoft.com/sharepoint/v3/contenttype/forms"/>
+    <ds:schemaRef ds:uri="http://schemas.microsoft.com/office/2006/metadata/contentType"/>
+    <ds:schemaRef ds:uri="http://schemas.microsoft.com/office/2006/metadata/properties/metaAttributes"/>
+    <ds:schemaRef ds:uri="http://www.w3.org/2001/XMLSchema"/>
+    <ds:schemaRef ds:uri="http://schemas.microsoft.com/office/2006/metadata/properties"/>
+    <ds:schemaRef ds:uri="71af3243-3dd4-4a8d-8c0d-dd76da1f02a5"/>
+    <ds:schemaRef ds:uri="16c05727-aa75-4e4a-9b5f-8a80a1165891"/>
+    <ds:schemaRef ds:uri="http://schemas.microsoft.com/office/2006/documentManagement/types"/>
+    <ds:schemaRef ds:uri="http://schemas.microsoft.com/office/infopath/2007/PartnerControls"/>
+    <ds:schemaRef ds:uri="http://schemas.openxmlformats.org/package/2006/metadata/core-properties"/>
+    <ds:schemaRef ds:uri="http://purl.org/dc/elements/1.1/"/>
+    <ds:schemaRef ds:uri="http://purl.org/dc/terms/"/>
+    <ds:schemaRef ds:uri="http://schemas.microsoft.com/internal/obd"/>
   </ds:schemaRefs>
 </ds:datastoreItem>
 </file>
--- a/C-Group v3_Final.pptx
+++ b/C-Group v3_Final.pptx
@@ -124,58 +124,6 @@
     </p:ext>
   </p:extLst>
 </p:presentation>
-</file>
-
-<file path=ppt/changesInfos/changesInfo1.xml><?xml version="1.0" encoding="utf-8"?>
-<pc:chgInfo xmlns:a="http://schemas.openxmlformats.org/drawingml/2006/main" xmlns:r="http://schemas.openxmlformats.org/officeDocument/2006/relationships" xmlns:ac="http://schemas.microsoft.com/office/drawing/2013/main/command" xmlns:pc="http://schemas.microsoft.com/office/powerpoint/2013/main/command">
-  <pc:docChgLst>
-    <pc:chgData name="lou foster" userId="6aa2d2fb6fd751e9" providerId="LiveId" clId="{579A2A14-95EF-4D26-8684-525A5F096508}"/>
-    <pc:docChg chg="undo custSel delSld modSld">
-      <pc:chgData name="lou foster" userId="6aa2d2fb6fd751e9" providerId="LiveId" clId="{579A2A14-95EF-4D26-8684-525A5F096508}" dt="2023-04-20T22:40:37.143" v="37" actId="2696"/>
-      <pc:docMkLst>
-        <pc:docMk/>
-      </pc:docMkLst>
-      <pc:sldChg chg="modSp mod">
-        <pc:chgData name="lou foster" userId="6aa2d2fb6fd751e9" providerId="LiveId" clId="{579A2A14-95EF-4D26-8684-525A5F096508}" dt="2023-04-20T22:40:32.073" v="36" actId="20577"/>
-        <pc:sldMkLst>
-          <pc:docMk/>
-          <pc:sldMk cId="2061880236" sldId="301"/>
-        </pc:sldMkLst>
-        <pc:spChg chg="mod">
-          <ac:chgData name="lou foster" userId="6aa2d2fb6fd751e9" providerId="LiveId" clId="{579A2A14-95EF-4D26-8684-525A5F096508}" dt="2023-04-20T22:39:52.788" v="13" actId="21"/>
-          <ac:spMkLst>
-            <pc:docMk/>
-            <pc:sldMk cId="2061880236" sldId="301"/>
-            <ac:spMk id="2" creationId="{75AC86D3-8FD1-4F47-A319-7D0542E48B2F}"/>
-          </ac:spMkLst>
-        </pc:spChg>
-        <pc:spChg chg="mod">
-          <ac:chgData name="lou foster" userId="6aa2d2fb6fd751e9" providerId="LiveId" clId="{579A2A14-95EF-4D26-8684-525A5F096508}" dt="2023-04-20T22:40:32.073" v="36" actId="20577"/>
-          <ac:spMkLst>
-            <pc:docMk/>
-            <pc:sldMk cId="2061880236" sldId="301"/>
-            <ac:spMk id="5" creationId="{73A7EBCF-5494-2CF5-208B-5F6B01D509BF}"/>
-          </ac:spMkLst>
-        </pc:spChg>
-      </pc:sldChg>
-      <pc:sldChg chg="modSp del mod">
-        <pc:chgData name="lou foster" userId="6aa2d2fb6fd751e9" providerId="LiveId" clId="{579A2A14-95EF-4D26-8684-525A5F096508}" dt="2023-04-20T22:40:37.143" v="37" actId="2696"/>
-        <pc:sldMkLst>
-          <pc:docMk/>
-          <pc:sldMk cId="1741959004" sldId="310"/>
-        </pc:sldMkLst>
-        <pc:spChg chg="mod">
-          <ac:chgData name="lou foster" userId="6aa2d2fb6fd751e9" providerId="LiveId" clId="{579A2A14-95EF-4D26-8684-525A5F096508}" dt="2023-04-20T22:37:06.075" v="10"/>
-          <ac:spMkLst>
-            <pc:docMk/>
-            <pc:sldMk cId="1741959004" sldId="310"/>
-            <ac:spMk id="2" creationId="{75AC86D3-8FD1-4F47-A319-7D0542E48B2F}"/>
-          </ac:spMkLst>
-        </pc:spChg>
-      </pc:sldChg>
-    </pc:docChg>
-  </pc:docChgLst>
-</pc:chgInfo>
 </file>
 
 <file path=ppt/slideLayouts/slideLayout1.xml><?xml version="1.0" encoding="utf-8"?>
@@ -5282,7 +5230,12 @@
             <p:ph idx="1"/>
           </p:nvPr>
         </p:nvSpPr>
-        <p:spPr/>
+        <p:spPr>
+          <a:xfrm>
+            <a:off x="856120" y="2233805"/>
+            <a:ext cx="10058400" cy="3760891"/>
+          </a:xfrm>
+        </p:spPr>
         <p:txBody>
           <a:bodyPr>
             <a:normAutofit/>
@@ -5298,7 +5251,7 @@
               </a:spcAft>
             </a:pPr>
             <a:r>
-              <a:rPr lang="en-US" sz="2000" dirty="0">
+              <a:rPr lang="en-US" sz="2000">
                 <a:solidFill>
                   <a:srgbClr val="2B2B2B"/>
                 </a:solidFill>
@@ -5306,8 +5259,37 @@
                 <a:ea typeface="Calibri" panose="020F0502020204030204" pitchFamily="34" charset="0"/>
                 <a:cs typeface="Calibri" panose="020F0502020204030204" pitchFamily="34" charset="0"/>
               </a:rPr>
-              <a:t>As  per Initial Requirements for our Prototype, C-Group will </a:t>
-            </a:r>
+              <a:t>As per </a:t>
+            </a:r>
+            <a:r>
+              <a:rPr lang="en-US" sz="2000" dirty="0">
+                <a:solidFill>
+                  <a:srgbClr val="2B2B2B"/>
+                </a:solidFill>
+                <a:latin typeface="Calibri" panose="020F0502020204030204" pitchFamily="34" charset="0"/>
+                <a:ea typeface="Calibri" panose="020F0502020204030204" pitchFamily="34" charset="0"/>
+                <a:cs typeface="Calibri" panose="020F0502020204030204" pitchFamily="34" charset="0"/>
+              </a:rPr>
+              <a:t>the Initial Requirements for our Prototype, C-Group will </a:t>
+            </a:r>
+          </a:p>
+          <a:p>
+            <a:pPr marL="0" marR="0">
+              <a:spcBef>
+                <a:spcPts val="0"/>
+              </a:spcBef>
+              <a:spcAft>
+                <a:spcPts val="0"/>
+              </a:spcAft>
+            </a:pPr>
+            <a:endParaRPr lang="en-US" sz="2000" dirty="0">
+              <a:solidFill>
+                <a:srgbClr val="2B2B2B"/>
+              </a:solidFill>
+              <a:latin typeface="Calibri" panose="020F0502020204030204" pitchFamily="34" charset="0"/>
+              <a:ea typeface="Calibri" panose="020F0502020204030204" pitchFamily="34" charset="0"/>
+              <a:cs typeface="Calibri" panose="020F0502020204030204" pitchFamily="34" charset="0"/>
+            </a:endParaRPr>
           </a:p>
           <a:p>
             <a:pPr marL="635508" marR="0" lvl="1" indent="-342900">
@@ -5381,34 +5363,6 @@
                 <a:cs typeface="Calibri" panose="020F0502020204030204" pitchFamily="34" charset="0"/>
               </a:rPr>
               <a:t>Assist the client in collecting and presenting data for customers via the search page, which they will then filter based on their preferred “weather” travel criteria in order to find their ideal city.</a:t>
-            </a:r>
-            <a:endParaRPr lang="en-US" sz="2000" dirty="0">
-              <a:latin typeface="Calibri" panose="020F0502020204030204" pitchFamily="34" charset="0"/>
-              <a:ea typeface="Calibri" panose="020F0502020204030204" pitchFamily="34" charset="0"/>
-              <a:cs typeface="Calibri" panose="020F0502020204030204" pitchFamily="34" charset="0"/>
-            </a:endParaRPr>
-          </a:p>
-          <a:p>
-            <a:pPr marL="635508" lvl="1" indent="-342900">
-              <a:spcBef>
-                <a:spcPts val="0"/>
-              </a:spcBef>
-              <a:spcAft>
-                <a:spcPts val="600"/>
-              </a:spcAft>
-              <a:buFont typeface="Courier New" panose="02070309020205020404" pitchFamily="49" charset="0"/>
-              <a:buChar char="o"/>
-            </a:pPr>
-            <a:r>
-              <a:rPr lang="en-US" sz="2000" dirty="0">
-                <a:solidFill>
-                  <a:srgbClr val="2B2B2B"/>
-                </a:solidFill>
-                <a:latin typeface="Calibri" panose="020F0502020204030204" pitchFamily="34" charset="0"/>
-                <a:ea typeface="Calibri" panose="020F0502020204030204" pitchFamily="34" charset="0"/>
-                <a:cs typeface="Calibri" panose="020F0502020204030204" pitchFamily="34" charset="0"/>
-              </a:rPr>
-              <a:t>Collect and present data for customers via the search page, which they will then filter based on a customer’s preferred “weather” travel criteria in order to find their ideal city.  </a:t>
             </a:r>
             <a:endParaRPr lang="en-US" sz="2000" dirty="0">
               <a:latin typeface="Calibri" panose="020F0502020204030204" pitchFamily="34" charset="0"/>
@@ -7429,21 +7383,21 @@
 </file>
 
 <file path=customXml/item1.xml><?xml version="1.0" encoding="utf-8"?>
+<p:properties xmlns:p="http://schemas.microsoft.com/office/2006/metadata/properties" xmlns:xsi="http://www.w3.org/2001/XMLSchema-instance" xmlns:pc="http://schemas.microsoft.com/office/infopath/2007/PartnerControls">
+  <documentManagement>
+    <Status xmlns="71af3243-3dd4-4a8d-8c0d-dd76da1f02a5">Not started</Status>
+    <MediaServiceKeyPoints xmlns="71af3243-3dd4-4a8d-8c0d-dd76da1f02a5" xsi:nil="true"/>
+  </documentManagement>
+</p:properties>
+</file>
+
+<file path=customXml/item2.xml><?xml version="1.0" encoding="utf-8"?>
 <?mso-contentType ?>
 <FormTemplates xmlns="http://schemas.microsoft.com/sharepoint/v3/contenttype/forms">
   <Display>DocumentLibraryForm</Display>
   <Edit>DocumentLibraryForm</Edit>
   <New>DocumentLibraryForm</New>
 </FormTemplates>
-</file>
-
-<file path=customXml/item2.xml><?xml version="1.0" encoding="utf-8"?>
-<p:properties xmlns:p="http://schemas.microsoft.com/office/2006/metadata/properties" xmlns:xsi="http://www.w3.org/2001/XMLSchema-instance" xmlns:pc="http://schemas.microsoft.com/office/infopath/2007/PartnerControls">
-  <documentManagement>
-    <Status xmlns="71af3243-3dd4-4a8d-8c0d-dd76da1f02a5">Not started</Status>
-    <MediaServiceKeyPoints xmlns="71af3243-3dd4-4a8d-8c0d-dd76da1f02a5" xsi:nil="true"/>
-  </documentManagement>
-</p:properties>
 </file>
 
 <file path=customXml/item3.xml><?xml version="1.0" encoding="utf-8"?>
@@ -7668,26 +7622,26 @@
 </file>
 
 <file path=customXml/itemProps1.xml><?xml version="1.0" encoding="utf-8"?>
-<ds:datastoreItem xmlns:ds="http://schemas.openxmlformats.org/officeDocument/2006/customXml" ds:itemID="{AA3F7EDC-E5B4-4BBC-9D2A-CBE6D46C37AD}">
+<ds:datastoreItem xmlns:ds="http://schemas.openxmlformats.org/officeDocument/2006/customXml" ds:itemID="{A03EEFF0-FB57-4CB4-8BFC-DF397689E2ED}">
   <ds:schemaRefs>
-    <ds:schemaRef ds:uri="http://schemas.microsoft.com/sharepoint/v3/contenttype/forms"/>
+    <ds:schemaRef ds:uri="http://schemas.openxmlformats.org/package/2006/metadata/core-properties"/>
+    <ds:schemaRef ds:uri="http://purl.org/dc/dcmitype/"/>
+    <ds:schemaRef ds:uri="http://purl.org/dc/terms/"/>
+    <ds:schemaRef ds:uri="http://www.w3.org/XML/1998/namespace"/>
+    <ds:schemaRef ds:uri="http://schemas.microsoft.com/office/2006/documentManagement/types"/>
+    <ds:schemaRef ds:uri="16c05727-aa75-4e4a-9b5f-8a80a1165891"/>
+    <ds:schemaRef ds:uri="71af3243-3dd4-4a8d-8c0d-dd76da1f02a5"/>
+    <ds:schemaRef ds:uri="http://purl.org/dc/elements/1.1/"/>
+    <ds:schemaRef ds:uri="http://schemas.microsoft.com/office/infopath/2007/PartnerControls"/>
+    <ds:schemaRef ds:uri="http://schemas.microsoft.com/office/2006/metadata/properties"/>
   </ds:schemaRefs>
 </ds:datastoreItem>
 </file>
 
 <file path=customXml/itemProps2.xml><?xml version="1.0" encoding="utf-8"?>
-<ds:datastoreItem xmlns:ds="http://schemas.openxmlformats.org/officeDocument/2006/customXml" ds:itemID="{A03EEFF0-FB57-4CB4-8BFC-DF397689E2ED}">
+<ds:datastoreItem xmlns:ds="http://schemas.openxmlformats.org/officeDocument/2006/customXml" ds:itemID="{AA3F7EDC-E5B4-4BBC-9D2A-CBE6D46C37AD}">
   <ds:schemaRefs>
-    <ds:schemaRef ds:uri="http://schemas.microsoft.com/office/2006/documentManagement/types"/>
-    <ds:schemaRef ds:uri="http://schemas.microsoft.com/office/infopath/2007/PartnerControls"/>
-    <ds:schemaRef ds:uri="http://schemas.openxmlformats.org/package/2006/metadata/core-properties"/>
-    <ds:schemaRef ds:uri="http://schemas.microsoft.com/office/2006/metadata/properties"/>
-    <ds:schemaRef ds:uri="16c05727-aa75-4e4a-9b5f-8a80a1165891"/>
-    <ds:schemaRef ds:uri="http://purl.org/dc/elements/1.1/"/>
-    <ds:schemaRef ds:uri="71af3243-3dd4-4a8d-8c0d-dd76da1f02a5"/>
-    <ds:schemaRef ds:uri="http://www.w3.org/XML/1998/namespace"/>
-    <ds:schemaRef ds:uri="http://purl.org/dc/dcmitype/"/>
-    <ds:schemaRef ds:uri="http://purl.org/dc/terms/"/>
+    <ds:schemaRef ds:uri="http://schemas.microsoft.com/sharepoint/v3/contenttype/forms"/>
   </ds:schemaRefs>
 </ds:datastoreItem>
 </file>
